--- a/Business/uzleti terv.pptx
+++ b/Business/uzleti terv.pptx
@@ -5,7 +5,25 @@
     <p:sldMasterId id="2147483648" r:id="rId1"/>
   </p:sldMasterIdLst>
   <p:sldIdLst>
-    <p:sldId id="256" r:id="rId2"/>
+    <p:sldId id="257" r:id="rId2"/>
+    <p:sldId id="270" r:id="rId3"/>
+    <p:sldId id="258" r:id="rId4"/>
+    <p:sldId id="271" r:id="rId5"/>
+    <p:sldId id="259" r:id="rId6"/>
+    <p:sldId id="260" r:id="rId7"/>
+    <p:sldId id="261" r:id="rId8"/>
+    <p:sldId id="264" r:id="rId9"/>
+    <p:sldId id="272" r:id="rId10"/>
+    <p:sldId id="273" r:id="rId11"/>
+    <p:sldId id="256" r:id="rId12"/>
+    <p:sldId id="262" r:id="rId13"/>
+    <p:sldId id="266" r:id="rId14"/>
+    <p:sldId id="263" r:id="rId15"/>
+    <p:sldId id="267" r:id="rId16"/>
+    <p:sldId id="269" r:id="rId17"/>
+    <p:sldId id="268" r:id="rId18"/>
+    <p:sldId id="274" r:id="rId19"/>
+    <p:sldId id="265" r:id="rId20"/>
   </p:sldIdLst>
   <p:sldSz cx="12192000" cy="6858000"/>
   <p:notesSz cx="6858000" cy="9144000"/>
@@ -104,6 +122,42 @@
       </a:defRPr>
     </a:lvl9pPr>
   </p:defaultTextStyle>
+  <p:extLst>
+    <p:ext uri="{521415D9-36F7-43E2-AB2F-B90AF26B5E84}">
+      <p14:sectionLst xmlns:p14="http://schemas.microsoft.com/office/powerpoint/2010/main">
+        <p14:section name="Default Section" id="{DF50CC74-CD28-4137-9FDC-078D50F98652}">
+          <p14:sldIdLst>
+            <p14:sldId id="257"/>
+            <p14:sldId id="270"/>
+            <p14:sldId id="258"/>
+            <p14:sldId id="271"/>
+            <p14:sldId id="259"/>
+            <p14:sldId id="260"/>
+            <p14:sldId id="261"/>
+            <p14:sldId id="264"/>
+            <p14:sldId id="272"/>
+            <p14:sldId id="273"/>
+            <p14:sldId id="256"/>
+            <p14:sldId id="262"/>
+            <p14:sldId id="266"/>
+          </p14:sldIdLst>
+        </p14:section>
+        <p14:section name="Untitled Section" id="{82E8071E-F300-472D-9F1C-0D89F848F410}">
+          <p14:sldIdLst>
+            <p14:sldId id="263"/>
+            <p14:sldId id="267"/>
+            <p14:sldId id="269"/>
+            <p14:sldId id="268"/>
+            <p14:sldId id="274"/>
+            <p14:sldId id="265"/>
+          </p14:sldIdLst>
+        </p14:section>
+      </p14:sectionLst>
+    </p:ext>
+    <p:ext uri="{EFAFB233-063F-42B5-8137-9DF3F51BA10A}">
+      <p15:sldGuideLst xmlns:p15="http://schemas.microsoft.com/office/powerpoint/2012/main"/>
+    </p:ext>
+  </p:extLst>
 </p:presentation>
 </file>
 
@@ -238,7 +292,7 @@
           <a:p>
             <a:fld id="{96095F27-A16A-4F83-8F3C-4351DBF74D6F}" type="datetimeFigureOut">
               <a:rPr lang="en-US" smtClean="0"/>
-              <a:t>9/18/2020</a:t>
+              <a:t>12/16/2020</a:t>
             </a:fld>
             <a:endParaRPr lang="en-US"/>
           </a:p>
@@ -408,7 +462,7 @@
           <a:p>
             <a:fld id="{96095F27-A16A-4F83-8F3C-4351DBF74D6F}" type="datetimeFigureOut">
               <a:rPr lang="en-US" smtClean="0"/>
-              <a:t>9/18/2020</a:t>
+              <a:t>12/16/2020</a:t>
             </a:fld>
             <a:endParaRPr lang="en-US"/>
           </a:p>
@@ -588,7 +642,7 @@
           <a:p>
             <a:fld id="{96095F27-A16A-4F83-8F3C-4351DBF74D6F}" type="datetimeFigureOut">
               <a:rPr lang="en-US" smtClean="0"/>
-              <a:t>9/18/2020</a:t>
+              <a:t>12/16/2020</a:t>
             </a:fld>
             <a:endParaRPr lang="en-US"/>
           </a:p>
@@ -758,7 +812,7 @@
           <a:p>
             <a:fld id="{96095F27-A16A-4F83-8F3C-4351DBF74D6F}" type="datetimeFigureOut">
               <a:rPr lang="en-US" smtClean="0"/>
-              <a:t>9/18/2020</a:t>
+              <a:t>12/16/2020</a:t>
             </a:fld>
             <a:endParaRPr lang="en-US"/>
           </a:p>
@@ -1004,7 +1058,7 @@
           <a:p>
             <a:fld id="{96095F27-A16A-4F83-8F3C-4351DBF74D6F}" type="datetimeFigureOut">
               <a:rPr lang="en-US" smtClean="0"/>
-              <a:t>9/18/2020</a:t>
+              <a:t>12/16/2020</a:t>
             </a:fld>
             <a:endParaRPr lang="en-US"/>
           </a:p>
@@ -1236,7 +1290,7 @@
           <a:p>
             <a:fld id="{96095F27-A16A-4F83-8F3C-4351DBF74D6F}" type="datetimeFigureOut">
               <a:rPr lang="en-US" smtClean="0"/>
-              <a:t>9/18/2020</a:t>
+              <a:t>12/16/2020</a:t>
             </a:fld>
             <a:endParaRPr lang="en-US"/>
           </a:p>
@@ -1603,7 +1657,7 @@
           <a:p>
             <a:fld id="{96095F27-A16A-4F83-8F3C-4351DBF74D6F}" type="datetimeFigureOut">
               <a:rPr lang="en-US" smtClean="0"/>
-              <a:t>9/18/2020</a:t>
+              <a:t>12/16/2020</a:t>
             </a:fld>
             <a:endParaRPr lang="en-US"/>
           </a:p>
@@ -1721,7 +1775,7 @@
           <a:p>
             <a:fld id="{96095F27-A16A-4F83-8F3C-4351DBF74D6F}" type="datetimeFigureOut">
               <a:rPr lang="en-US" smtClean="0"/>
-              <a:t>9/18/2020</a:t>
+              <a:t>12/16/2020</a:t>
             </a:fld>
             <a:endParaRPr lang="en-US"/>
           </a:p>
@@ -1816,7 +1870,7 @@
           <a:p>
             <a:fld id="{96095F27-A16A-4F83-8F3C-4351DBF74D6F}" type="datetimeFigureOut">
               <a:rPr lang="en-US" smtClean="0"/>
-              <a:t>9/18/2020</a:t>
+              <a:t>12/16/2020</a:t>
             </a:fld>
             <a:endParaRPr lang="en-US"/>
           </a:p>
@@ -2093,7 +2147,7 @@
           <a:p>
             <a:fld id="{96095F27-A16A-4F83-8F3C-4351DBF74D6F}" type="datetimeFigureOut">
               <a:rPr lang="en-US" smtClean="0"/>
-              <a:t>9/18/2020</a:t>
+              <a:t>12/16/2020</a:t>
             </a:fld>
             <a:endParaRPr lang="en-US"/>
           </a:p>
@@ -2346,7 +2400,7 @@
           <a:p>
             <a:fld id="{96095F27-A16A-4F83-8F3C-4351DBF74D6F}" type="datetimeFigureOut">
               <a:rPr lang="en-US" smtClean="0"/>
-              <a:t>9/18/2020</a:t>
+              <a:t>12/16/2020</a:t>
             </a:fld>
             <a:endParaRPr lang="en-US"/>
           </a:p>
@@ -2559,7 +2613,7 @@
           <a:p>
             <a:fld id="{96095F27-A16A-4F83-8F3C-4351DBF74D6F}" type="datetimeFigureOut">
               <a:rPr lang="en-US" smtClean="0"/>
-              <a:t>9/18/2020</a:t>
+              <a:t>12/16/2020</a:t>
             </a:fld>
             <a:endParaRPr lang="en-US"/>
           </a:p>
@@ -2966,14 +3020,508 @@
       </p:grpSpPr>
       <p:sp>
         <p:nvSpPr>
+          <p:cNvPr id="2" name="Title 1"/>
+          <p:cNvSpPr>
+            <a:spLocks noGrp="1"/>
+          </p:cNvSpPr>
+          <p:nvPr>
+            <p:ph type="title"/>
+          </p:nvPr>
+        </p:nvSpPr>
+        <p:spPr/>
+        <p:txBody>
+          <a:bodyPr/>
+          <a:lstStyle/>
+          <a:p>
+            <a:r>
+              <a:rPr lang="en-US" dirty="0" err="1" smtClean="0"/>
+              <a:t>PiCur</a:t>
+            </a:r>
+            <a:r>
+              <a:rPr lang="en-US" dirty="0" smtClean="0"/>
+              <a:t> Academy</a:t>
+            </a:r>
+            <a:endParaRPr lang="en-US" dirty="0"/>
+          </a:p>
+        </p:txBody>
+      </p:sp>
+      <p:pic>
+        <p:nvPicPr>
+          <p:cNvPr id="4" name="Content Placeholder 3"/>
+          <p:cNvPicPr>
+            <a:picLocks noGrp="1" noChangeAspect="1"/>
+          </p:cNvPicPr>
+          <p:nvPr>
+            <p:ph idx="1"/>
+          </p:nvPr>
+        </p:nvPicPr>
+        <p:blipFill>
+          <a:blip r:embed="rId2" cstate="print">
+            <a:extLst>
+              <a:ext uri="{28A0092B-C50C-407E-A947-70E740481C1C}">
+                <a14:useLocalDpi xmlns:a14="http://schemas.microsoft.com/office/drawing/2010/main" val="0"/>
+              </a:ext>
+            </a:extLst>
+          </a:blip>
+          <a:stretch>
+            <a:fillRect/>
+          </a:stretch>
+        </p:blipFill>
+        <p:spPr>
+          <a:xfrm>
+            <a:off x="6848857" y="1495319"/>
+            <a:ext cx="3309200" cy="4490700"/>
+          </a:xfrm>
+        </p:spPr>
+      </p:pic>
+      <p:pic>
+        <p:nvPicPr>
+          <p:cNvPr id="5" name="Picture 2" descr="Logo competition - we have a winner! - Raspberry Pi"/>
+          <p:cNvPicPr>
+            <a:picLocks noChangeAspect="1" noChangeArrowheads="1"/>
+          </p:cNvPicPr>
+          <p:nvPr/>
+        </p:nvPicPr>
+        <p:blipFill>
+          <a:blip r:embed="rId3" cstate="print">
+            <a:extLst>
+              <a:ext uri="{28A0092B-C50C-407E-A947-70E740481C1C}">
+                <a14:useLocalDpi xmlns:a14="http://schemas.microsoft.com/office/drawing/2010/main" val="0"/>
+              </a:ext>
+            </a:extLst>
+          </a:blip>
+          <a:srcRect/>
+          <a:stretch>
+            <a:fillRect/>
+          </a:stretch>
+        </p:blipFill>
+        <p:spPr bwMode="auto">
+          <a:xfrm>
+            <a:off x="7707259" y="4090414"/>
+            <a:ext cx="1592396" cy="1417232"/>
+          </a:xfrm>
+          <a:prstGeom prst="rect">
+            <a:avLst/>
+          </a:prstGeom>
+          <a:noFill/>
+          <a:extLst>
+            <a:ext uri="{909E8E84-426E-40DD-AFC4-6F175D3DCCD1}">
+              <a14:hiddenFill xmlns:a14="http://schemas.microsoft.com/office/drawing/2010/main">
+                <a:solidFill>
+                  <a:srgbClr val="FFFFFF"/>
+                </a:solidFill>
+              </a14:hiddenFill>
+            </a:ext>
+          </a:extLst>
+        </p:spPr>
+      </p:pic>
+    </p:spTree>
+    <p:extLst>
+      <p:ext uri="{BB962C8B-B14F-4D97-AF65-F5344CB8AC3E}">
+        <p14:creationId xmlns:p14="http://schemas.microsoft.com/office/powerpoint/2010/main" val="3551126267"/>
+      </p:ext>
+    </p:extLst>
+  </p:cSld>
+  <p:clrMapOvr>
+    <a:masterClrMapping/>
+  </p:clrMapOvr>
+</p:sld>
+</file>
+
+<file path=ppt/slides/slide10.xml><?xml version="1.0" encoding="utf-8"?>
+<p:sld xmlns:a="http://schemas.openxmlformats.org/drawingml/2006/main" xmlns:r="http://schemas.openxmlformats.org/officeDocument/2006/relationships" xmlns:p="http://schemas.openxmlformats.org/presentationml/2006/main">
+  <p:cSld>
+    <p:spTree>
+      <p:nvGrpSpPr>
+        <p:cNvPr id="1" name=""/>
+        <p:cNvGrpSpPr/>
+        <p:nvPr/>
+      </p:nvGrpSpPr>
+      <p:grpSpPr>
+        <a:xfrm>
+          <a:off x="0" y="0"/>
+          <a:ext cx="0" cy="0"/>
+          <a:chOff x="0" y="0"/>
+          <a:chExt cx="0" cy="0"/>
+        </a:xfrm>
+      </p:grpSpPr>
+      <p:sp>
+        <p:nvSpPr>
+          <p:cNvPr id="2" name="Title 1"/>
+          <p:cNvSpPr>
+            <a:spLocks noGrp="1"/>
+          </p:cNvSpPr>
+          <p:nvPr>
+            <p:ph type="title"/>
+          </p:nvPr>
+        </p:nvSpPr>
+        <p:spPr>
+          <a:xfrm>
+            <a:off x="0" y="0"/>
+            <a:ext cx="10515600" cy="1325563"/>
+          </a:xfrm>
+        </p:spPr>
+        <p:txBody>
+          <a:bodyPr/>
+          <a:lstStyle/>
+          <a:p>
+            <a:r>
+              <a:rPr lang="hu-HU" dirty="0" smtClean="0"/>
+              <a:t>PiCur Academy - Előadástechnika</a:t>
+            </a:r>
+            <a:endParaRPr lang="en-US" dirty="0"/>
+          </a:p>
+        </p:txBody>
+      </p:sp>
+      <p:sp>
+        <p:nvSpPr>
+          <p:cNvPr id="3" name="Content Placeholder 2"/>
+          <p:cNvSpPr>
+            <a:spLocks noGrp="1"/>
+          </p:cNvSpPr>
+          <p:nvPr>
+            <p:ph idx="1"/>
+          </p:nvPr>
+        </p:nvSpPr>
+        <p:spPr/>
+        <p:txBody>
+          <a:bodyPr/>
+          <a:lstStyle/>
+          <a:p>
+            <a:r>
+              <a:rPr lang="hu-HU" dirty="0" smtClean="0"/>
+              <a:t>Alkotóknak tudniuk kell eladni az alkotást, amihez általában beszélni, prezentálni is kell.</a:t>
+            </a:r>
+          </a:p>
+          <a:p>
+            <a:r>
+              <a:rPr lang="hu-HU" dirty="0" smtClean="0"/>
+              <a:t>Toastmaster alapon beszédszerkesztési- és előadástechnikák elsajátítása pl. Üzenetátadás, testbeszéd, hanglejtés stb.</a:t>
+            </a:r>
+          </a:p>
+          <a:p>
+            <a:r>
+              <a:rPr lang="hu-HU" dirty="0" smtClean="0"/>
+              <a:t>Alapvető marketing ismeretek</a:t>
+            </a:r>
+          </a:p>
+          <a:p>
+            <a:r>
+              <a:rPr lang="hu-HU" dirty="0" smtClean="0"/>
+              <a:t>Alapvető üzleti terv vagy abban szereplő elemek ismeretei</a:t>
+            </a:r>
+            <a:endParaRPr lang="en-US" dirty="0"/>
+          </a:p>
+        </p:txBody>
+      </p:sp>
+    </p:spTree>
+    <p:extLst>
+      <p:ext uri="{BB962C8B-B14F-4D97-AF65-F5344CB8AC3E}">
+        <p14:creationId xmlns:p14="http://schemas.microsoft.com/office/powerpoint/2010/main" val="1672970023"/>
+      </p:ext>
+    </p:extLst>
+  </p:cSld>
+  <p:clrMapOvr>
+    <a:masterClrMapping/>
+  </p:clrMapOvr>
+</p:sld>
+</file>
+
+<file path=ppt/slides/slide11.xml><?xml version="1.0" encoding="utf-8"?>
+<p:sld xmlns:a="http://schemas.openxmlformats.org/drawingml/2006/main" xmlns:r="http://schemas.openxmlformats.org/officeDocument/2006/relationships" xmlns:p="http://schemas.openxmlformats.org/presentationml/2006/main">
+  <p:cSld>
+    <p:spTree>
+      <p:nvGrpSpPr>
+        <p:cNvPr id="1" name=""/>
+        <p:cNvGrpSpPr/>
+        <p:nvPr/>
+      </p:nvGrpSpPr>
+      <p:grpSpPr>
+        <a:xfrm>
+          <a:off x="0" y="0"/>
+          <a:ext cx="0" cy="0"/>
+          <a:chOff x="0" y="0"/>
+          <a:chExt cx="0" cy="0"/>
+        </a:xfrm>
+      </p:grpSpPr>
+      <p:sp>
+        <p:nvSpPr>
+          <p:cNvPr id="3" name="Rectangle 2"/>
+          <p:cNvSpPr/>
+          <p:nvPr/>
+        </p:nvSpPr>
+        <p:spPr>
+          <a:xfrm>
+            <a:off x="1152144" y="713232"/>
+            <a:ext cx="1234440" cy="566928"/>
+          </a:xfrm>
+          <a:prstGeom prst="rect">
+            <a:avLst/>
+          </a:prstGeom>
+        </p:spPr>
+        <p:style>
+          <a:lnRef idx="1">
+            <a:schemeClr val="accent6"/>
+          </a:lnRef>
+          <a:fillRef idx="2">
+            <a:schemeClr val="accent6"/>
+          </a:fillRef>
+          <a:effectRef idx="1">
+            <a:schemeClr val="accent6"/>
+          </a:effectRef>
+          <a:fontRef idx="minor">
+            <a:schemeClr val="dk1"/>
+          </a:fontRef>
+        </p:style>
+        <p:txBody>
+          <a:bodyPr rtlCol="0" anchor="ctr"/>
+          <a:lstStyle/>
+          <a:p>
+            <a:pPr algn="ctr"/>
+            <a:endParaRPr lang="en-US"/>
+          </a:p>
+        </p:txBody>
+      </p:sp>
+      <p:sp>
+        <p:nvSpPr>
+          <p:cNvPr id="14" name="Rectangle 13"/>
+          <p:cNvSpPr/>
+          <p:nvPr/>
+        </p:nvSpPr>
+        <p:spPr>
+          <a:xfrm>
+            <a:off x="3099816" y="301752"/>
+            <a:ext cx="2276856" cy="658368"/>
+          </a:xfrm>
+          <a:prstGeom prst="rect">
+            <a:avLst/>
+          </a:prstGeom>
+        </p:spPr>
+        <p:style>
+          <a:lnRef idx="1">
+            <a:schemeClr val="accent6"/>
+          </a:lnRef>
+          <a:fillRef idx="2">
+            <a:schemeClr val="accent6"/>
+          </a:fillRef>
+          <a:effectRef idx="1">
+            <a:schemeClr val="accent6"/>
+          </a:effectRef>
+          <a:fontRef idx="minor">
+            <a:schemeClr val="dk1"/>
+          </a:fontRef>
+        </p:style>
+        <p:txBody>
+          <a:bodyPr rtlCol="0" anchor="ctr"/>
+          <a:lstStyle/>
+          <a:p>
+            <a:pPr algn="ctr"/>
+            <a:endParaRPr lang="en-US"/>
+          </a:p>
+        </p:txBody>
+      </p:sp>
+      <p:sp>
+        <p:nvSpPr>
+          <p:cNvPr id="15" name="Rectangle 14"/>
+          <p:cNvSpPr/>
+          <p:nvPr/>
+        </p:nvSpPr>
+        <p:spPr>
+          <a:xfrm>
+            <a:off x="6583680" y="713232"/>
+            <a:ext cx="1941109" cy="566928"/>
+          </a:xfrm>
+          <a:prstGeom prst="rect">
+            <a:avLst/>
+          </a:prstGeom>
+        </p:spPr>
+        <p:style>
+          <a:lnRef idx="1">
+            <a:schemeClr val="accent6"/>
+          </a:lnRef>
+          <a:fillRef idx="2">
+            <a:schemeClr val="accent6"/>
+          </a:fillRef>
+          <a:effectRef idx="1">
+            <a:schemeClr val="accent6"/>
+          </a:effectRef>
+          <a:fontRef idx="minor">
+            <a:schemeClr val="dk1"/>
+          </a:fontRef>
+        </p:style>
+        <p:txBody>
+          <a:bodyPr rtlCol="0" anchor="ctr"/>
+          <a:lstStyle/>
+          <a:p>
+            <a:pPr algn="ctr"/>
+            <a:endParaRPr lang="en-US"/>
+          </a:p>
+        </p:txBody>
+      </p:sp>
+      <p:sp>
+        <p:nvSpPr>
+          <p:cNvPr id="16" name="Rectangle 15"/>
+          <p:cNvSpPr/>
+          <p:nvPr/>
+        </p:nvSpPr>
+        <p:spPr>
+          <a:xfrm>
+            <a:off x="9582912" y="2093976"/>
+            <a:ext cx="969264" cy="457200"/>
+          </a:xfrm>
+          <a:prstGeom prst="rect">
+            <a:avLst/>
+          </a:prstGeom>
+        </p:spPr>
+        <p:style>
+          <a:lnRef idx="1">
+            <a:schemeClr val="accent6"/>
+          </a:lnRef>
+          <a:fillRef idx="2">
+            <a:schemeClr val="accent6"/>
+          </a:fillRef>
+          <a:effectRef idx="1">
+            <a:schemeClr val="accent6"/>
+          </a:effectRef>
+          <a:fontRef idx="minor">
+            <a:schemeClr val="dk1"/>
+          </a:fontRef>
+        </p:style>
+        <p:txBody>
+          <a:bodyPr rtlCol="0" anchor="ctr"/>
+          <a:lstStyle/>
+          <a:p>
+            <a:pPr algn="ctr"/>
+            <a:endParaRPr lang="en-US"/>
+          </a:p>
+        </p:txBody>
+      </p:sp>
+      <p:sp>
+        <p:nvSpPr>
+          <p:cNvPr id="17" name="Rectangle 16"/>
+          <p:cNvSpPr/>
+          <p:nvPr/>
+        </p:nvSpPr>
+        <p:spPr>
+          <a:xfrm>
+            <a:off x="8650224" y="3624596"/>
+            <a:ext cx="2632667" cy="746236"/>
+          </a:xfrm>
+          <a:prstGeom prst="rect">
+            <a:avLst/>
+          </a:prstGeom>
+        </p:spPr>
+        <p:style>
+          <a:lnRef idx="1">
+            <a:schemeClr val="accent6"/>
+          </a:lnRef>
+          <a:fillRef idx="2">
+            <a:schemeClr val="accent6"/>
+          </a:fillRef>
+          <a:effectRef idx="1">
+            <a:schemeClr val="accent6"/>
+          </a:effectRef>
+          <a:fontRef idx="minor">
+            <a:schemeClr val="dk1"/>
+          </a:fontRef>
+        </p:style>
+        <p:txBody>
+          <a:bodyPr rtlCol="0" anchor="ctr"/>
+          <a:lstStyle/>
+          <a:p>
+            <a:pPr algn="ctr"/>
+            <a:endParaRPr lang="en-US"/>
+          </a:p>
+        </p:txBody>
+      </p:sp>
+      <p:sp>
+        <p:nvSpPr>
+          <p:cNvPr id="18" name="Rectangle 17"/>
+          <p:cNvSpPr/>
+          <p:nvPr/>
+        </p:nvSpPr>
+        <p:spPr>
+          <a:xfrm>
+            <a:off x="7013448" y="5065776"/>
+            <a:ext cx="1888594" cy="667512"/>
+          </a:xfrm>
+          <a:prstGeom prst="rect">
+            <a:avLst/>
+          </a:prstGeom>
+        </p:spPr>
+        <p:style>
+          <a:lnRef idx="1">
+            <a:schemeClr val="accent6"/>
+          </a:lnRef>
+          <a:fillRef idx="2">
+            <a:schemeClr val="accent6"/>
+          </a:fillRef>
+          <a:effectRef idx="1">
+            <a:schemeClr val="accent6"/>
+          </a:effectRef>
+          <a:fontRef idx="minor">
+            <a:schemeClr val="dk1"/>
+          </a:fontRef>
+        </p:style>
+        <p:txBody>
+          <a:bodyPr rtlCol="0" anchor="ctr"/>
+          <a:lstStyle/>
+          <a:p>
+            <a:pPr algn="ctr"/>
+            <a:endParaRPr lang="en-US"/>
+          </a:p>
+        </p:txBody>
+      </p:sp>
+      <p:sp>
+        <p:nvSpPr>
+          <p:cNvPr id="2" name="Oval 1"/>
+          <p:cNvSpPr/>
+          <p:nvPr/>
+        </p:nvSpPr>
+        <p:spPr>
+          <a:xfrm>
+            <a:off x="3895344" y="2463308"/>
+            <a:ext cx="4343400" cy="1285732"/>
+          </a:xfrm>
+          <a:prstGeom prst="ellipse">
+            <a:avLst/>
+          </a:prstGeom>
+        </p:spPr>
+        <p:style>
+          <a:lnRef idx="2">
+            <a:schemeClr val="accent1">
+              <a:shade val="50000"/>
+            </a:schemeClr>
+          </a:lnRef>
+          <a:fillRef idx="1">
+            <a:schemeClr val="accent1"/>
+          </a:fillRef>
+          <a:effectRef idx="0">
+            <a:schemeClr val="accent1"/>
+          </a:effectRef>
+          <a:fontRef idx="minor">
+            <a:schemeClr val="lt1"/>
+          </a:fontRef>
+        </p:style>
+        <p:txBody>
+          <a:bodyPr rtlCol="0" anchor="ctr"/>
+          <a:lstStyle/>
+          <a:p>
+            <a:pPr algn="ctr"/>
+            <a:endParaRPr lang="en-US"/>
+          </a:p>
+        </p:txBody>
+      </p:sp>
+      <p:sp>
+        <p:nvSpPr>
           <p:cNvPr id="4" name="TextBox 3"/>
           <p:cNvSpPr txBox="1"/>
           <p:nvPr/>
         </p:nvSpPr>
         <p:spPr>
           <a:xfrm>
-            <a:off x="5285232" y="3255264"/>
-            <a:ext cx="1569853" cy="369332"/>
+            <a:off x="4234186" y="2670489"/>
+            <a:ext cx="3633623" cy="769441"/>
           </a:xfrm>
           <a:prstGeom prst="rect">
             <a:avLst/>
@@ -2987,14 +3535,26 @@
           <a:lstStyle/>
           <a:p>
             <a:r>
-              <a:rPr lang="en-US" dirty="0" err="1" smtClean="0"/>
-              <a:t>Picur</a:t>
-            </a:r>
-            <a:r>
-              <a:rPr lang="en-US" dirty="0" smtClean="0"/>
-              <a:t> Academy</a:t>
-            </a:r>
-            <a:endParaRPr lang="en-US" dirty="0"/>
+              <a:rPr lang="en-US" sz="4400" dirty="0" smtClean="0"/>
+              <a:t>Pi</a:t>
+            </a:r>
+            <a:r>
+              <a:rPr lang="hu-HU" sz="4400" dirty="0" smtClean="0"/>
+              <a:t>C</a:t>
+            </a:r>
+            <a:r>
+              <a:rPr lang="en-US" sz="4400" dirty="0" err="1" smtClean="0"/>
+              <a:t>ur</a:t>
+            </a:r>
+            <a:r>
+              <a:rPr lang="en-US" sz="4400" dirty="0" smtClean="0"/>
+              <a:t> </a:t>
+            </a:r>
+            <a:r>
+              <a:rPr lang="en-US" sz="4400" dirty="0" smtClean="0"/>
+              <a:t>Academy</a:t>
+            </a:r>
+            <a:endParaRPr lang="en-US" sz="4400" dirty="0"/>
           </a:p>
         </p:txBody>
       </p:sp>
@@ -3007,7 +3567,7 @@
         <p:spPr>
           <a:xfrm>
             <a:off x="1316736" y="795528"/>
-            <a:ext cx="739370" cy="369332"/>
+            <a:ext cx="751872" cy="369332"/>
           </a:xfrm>
           <a:prstGeom prst="rect">
             <a:avLst/>
@@ -3021,10 +3581,10 @@
           <a:lstStyle/>
           <a:p>
             <a:r>
-              <a:rPr lang="en-US" dirty="0" smtClean="0"/>
+              <a:rPr lang="en-US" b="1" dirty="0" smtClean="0"/>
               <a:t>Brand</a:t>
             </a:r>
-            <a:endParaRPr lang="en-US" dirty="0"/>
+            <a:endParaRPr lang="en-US" b="1" dirty="0"/>
           </a:p>
         </p:txBody>
       </p:sp>
@@ -3037,7 +3597,7 @@
         <p:spPr>
           <a:xfrm>
             <a:off x="3255264" y="426196"/>
-            <a:ext cx="1957844" cy="369332"/>
+            <a:ext cx="2003369" cy="369332"/>
           </a:xfrm>
           <a:prstGeom prst="rect">
             <a:avLst/>
@@ -3051,18 +3611,42 @@
           <a:lstStyle/>
           <a:p>
             <a:r>
-              <a:rPr lang="en-US" dirty="0" err="1" smtClean="0"/>
-              <a:t>Tanarok</a:t>
-            </a:r>
-            <a:r>
-              <a:rPr lang="en-US" dirty="0" smtClean="0"/>
+              <a:rPr lang="en-US" b="1" dirty="0" smtClean="0"/>
+              <a:t>Tan</a:t>
+            </a:r>
+            <a:r>
+              <a:rPr lang="hu-HU" b="1" dirty="0" smtClean="0"/>
+              <a:t>á</a:t>
+            </a:r>
+            <a:r>
+              <a:rPr lang="en-US" b="1" dirty="0" err="1" smtClean="0"/>
+              <a:t>rok</a:t>
+            </a:r>
+            <a:r>
+              <a:rPr lang="en-US" b="1" dirty="0" smtClean="0"/>
               <a:t> </a:t>
             </a:r>
             <a:r>
-              <a:rPr lang="en-US" dirty="0" err="1" smtClean="0"/>
-              <a:t>betanitasa</a:t>
-            </a:r>
-            <a:endParaRPr lang="en-US" dirty="0"/>
+              <a:rPr lang="en-US" b="1" dirty="0" err="1" smtClean="0"/>
+              <a:t>betan</a:t>
+            </a:r>
+            <a:r>
+              <a:rPr lang="hu-HU" b="1" dirty="0" smtClean="0"/>
+              <a:t>í</a:t>
+            </a:r>
+            <a:r>
+              <a:rPr lang="en-US" b="1" dirty="0" smtClean="0"/>
+              <a:t>t</a:t>
+            </a:r>
+            <a:r>
+              <a:rPr lang="hu-HU" b="1" dirty="0" smtClean="0"/>
+              <a:t>á</a:t>
+            </a:r>
+            <a:r>
+              <a:rPr lang="en-US" b="1" dirty="0" err="1" smtClean="0"/>
+              <a:t>sa</a:t>
+            </a:r>
+            <a:endParaRPr lang="en-US" b="1" dirty="0"/>
           </a:p>
         </p:txBody>
       </p:sp>
@@ -3080,8 +3664,21 @@
           <a:prstGeom prst="rect">
             <a:avLst/>
           </a:prstGeom>
-          <a:noFill/>
-        </p:spPr>
+        </p:spPr>
+        <p:style>
+          <a:lnRef idx="1">
+            <a:schemeClr val="accent6"/>
+          </a:lnRef>
+          <a:fillRef idx="2">
+            <a:schemeClr val="accent6"/>
+          </a:fillRef>
+          <a:effectRef idx="1">
+            <a:schemeClr val="accent6"/>
+          </a:effectRef>
+          <a:fontRef idx="minor">
+            <a:schemeClr val="dk1"/>
+          </a:fontRef>
+        </p:style>
         <p:txBody>
           <a:bodyPr wrap="none" rtlCol="0">
             <a:spAutoFit/>
@@ -3089,18 +3686,18 @@
           <a:lstStyle/>
           <a:p>
             <a:r>
-              <a:rPr lang="en-US" dirty="0" err="1" smtClean="0"/>
+              <a:rPr lang="en-US" b="1" dirty="0" err="1" smtClean="0"/>
               <a:t>Frenchise</a:t>
             </a:r>
             <a:r>
-              <a:rPr lang="en-US" dirty="0" smtClean="0"/>
+              <a:rPr lang="en-US" b="1" dirty="0" smtClean="0"/>
               <a:t> </a:t>
             </a:r>
             <a:r>
-              <a:rPr lang="en-US" dirty="0" err="1" smtClean="0"/>
+              <a:rPr lang="en-US" b="1" dirty="0" err="1" smtClean="0"/>
               <a:t>rendszer</a:t>
             </a:r>
-            <a:endParaRPr lang="en-US" dirty="0"/>
+            <a:endParaRPr lang="en-US" b="1" dirty="0"/>
           </a:p>
         </p:txBody>
       </p:sp>
@@ -3113,7 +3710,7 @@
         <p:spPr>
           <a:xfrm>
             <a:off x="9582912" y="2093976"/>
-            <a:ext cx="857927" cy="369332"/>
+            <a:ext cx="870751" cy="369332"/>
           </a:xfrm>
           <a:prstGeom prst="rect">
             <a:avLst/>
@@ -3127,10 +3724,10 @@
           <a:lstStyle/>
           <a:p>
             <a:r>
-              <a:rPr lang="en-US" dirty="0" err="1" smtClean="0"/>
+              <a:rPr lang="en-US" b="1" dirty="0" err="1" smtClean="0"/>
               <a:t>Honlap</a:t>
             </a:r>
-            <a:endParaRPr lang="en-US" dirty="0"/>
+            <a:endParaRPr lang="en-US" b="1" dirty="0"/>
           </a:p>
         </p:txBody>
       </p:sp>
@@ -3157,26 +3754,62 @@
           <a:lstStyle/>
           <a:p>
             <a:r>
-              <a:rPr lang="en-US" dirty="0" err="1" smtClean="0"/>
-              <a:t>Adatbazis</a:t>
-            </a:r>
-            <a:r>
-              <a:rPr lang="en-US" dirty="0" smtClean="0"/>
-              <a:t> + </a:t>
-            </a:r>
-            <a:r>
-              <a:rPr lang="en-US" dirty="0" err="1" smtClean="0"/>
-              <a:t>teljesitmeny</a:t>
-            </a:r>
-            <a:r>
-              <a:rPr lang="en-US" dirty="0"/>
+              <a:rPr lang="en-US" b="1" dirty="0" err="1" smtClean="0"/>
+              <a:t>Adatb</a:t>
+            </a:r>
+            <a:r>
+              <a:rPr lang="hu-HU" b="1" dirty="0" smtClean="0"/>
+              <a:t>á</a:t>
+            </a:r>
+            <a:r>
+              <a:rPr lang="en-US" b="1" dirty="0" err="1" smtClean="0"/>
+              <a:t>zis</a:t>
+            </a:r>
+            <a:r>
+              <a:rPr lang="en-US" b="1" dirty="0" smtClean="0"/>
               <a:t> </a:t>
             </a:r>
             <a:r>
-              <a:rPr lang="en-US" dirty="0" err="1" smtClean="0"/>
-              <a:t>jegyzes</a:t>
-            </a:r>
-            <a:endParaRPr lang="en-US" dirty="0"/>
+              <a:rPr lang="en-US" b="1" dirty="0" smtClean="0"/>
+              <a:t>+ </a:t>
+            </a:r>
+            <a:r>
+              <a:rPr lang="en-US" b="1" dirty="0" err="1" smtClean="0"/>
+              <a:t>teljes</a:t>
+            </a:r>
+            <a:r>
+              <a:rPr lang="hu-HU" b="1" dirty="0" smtClean="0"/>
+              <a:t>í</a:t>
+            </a:r>
+            <a:r>
+              <a:rPr lang="en-US" b="1" dirty="0" smtClean="0"/>
+              <a:t>tm</a:t>
+            </a:r>
+            <a:r>
+              <a:rPr lang="hu-HU" b="1" dirty="0" smtClean="0"/>
+              <a:t>é</a:t>
+            </a:r>
+            <a:r>
+              <a:rPr lang="en-US" b="1" dirty="0" err="1" smtClean="0"/>
+              <a:t>ny</a:t>
+            </a:r>
+            <a:r>
+              <a:rPr lang="en-US" b="1" dirty="0" smtClean="0"/>
+              <a:t> </a:t>
+            </a:r>
+            <a:r>
+              <a:rPr lang="en-US" b="1" dirty="0" err="1" smtClean="0"/>
+              <a:t>jegyz</a:t>
+            </a:r>
+            <a:r>
+              <a:rPr lang="hu-HU" b="1" dirty="0" smtClean="0"/>
+              <a:t>é</a:t>
+            </a:r>
+            <a:r>
+              <a:rPr lang="en-US" b="1" dirty="0" smtClean="0"/>
+              <a:t>s</a:t>
+            </a:r>
+            <a:endParaRPr lang="en-US" b="1" dirty="0"/>
           </a:p>
         </p:txBody>
       </p:sp>
@@ -3189,7 +3822,7 @@
         <p:spPr>
           <a:xfrm>
             <a:off x="7013448" y="5175504"/>
-            <a:ext cx="1855380" cy="369332"/>
+            <a:ext cx="1888594" cy="369332"/>
           </a:xfrm>
           <a:prstGeom prst="rect">
             <a:avLst/>
@@ -3203,18 +3836,50 @@
           <a:lstStyle/>
           <a:p>
             <a:r>
-              <a:rPr lang="en-US" dirty="0" err="1" smtClean="0"/>
-              <a:t>Eszkoz</a:t>
-            </a:r>
-            <a:r>
-              <a:rPr lang="en-US" dirty="0" smtClean="0"/>
-              <a:t> </a:t>
-            </a:r>
-            <a:r>
-              <a:rPr lang="en-US" dirty="0" err="1" smtClean="0"/>
-              <a:t>ertekesites</a:t>
-            </a:r>
-            <a:endParaRPr lang="en-US" dirty="0"/>
+              <a:rPr lang="en-US" b="1" dirty="0" err="1" smtClean="0"/>
+              <a:t>Eszk</a:t>
+            </a:r>
+            <a:r>
+              <a:rPr lang="hu-HU" b="1" dirty="0" smtClean="0"/>
+              <a:t>ö</a:t>
+            </a:r>
+            <a:r>
+              <a:rPr lang="en-US" b="1" dirty="0" smtClean="0"/>
+              <a:t>z </a:t>
+            </a:r>
+            <a:r>
+              <a:rPr lang="hu-HU" b="1" dirty="0"/>
+              <a:t>é</a:t>
+            </a:r>
+            <a:r>
+              <a:rPr lang="en-US" b="1" dirty="0" err="1" smtClean="0"/>
+              <a:t>rt</a:t>
+            </a:r>
+            <a:r>
+              <a:rPr lang="hu-HU" b="1" dirty="0" smtClean="0"/>
+              <a:t>é</a:t>
+            </a:r>
+            <a:r>
+              <a:rPr lang="en-US" b="1" dirty="0" err="1" smtClean="0"/>
+              <a:t>kes</a:t>
+            </a:r>
+            <a:r>
+              <a:rPr lang="hu-HU" b="1" dirty="0" smtClean="0"/>
+              <a:t>í</a:t>
+            </a:r>
+            <a:r>
+              <a:rPr lang="en-US" b="1" dirty="0" smtClean="0"/>
+              <a:t>t</a:t>
+            </a:r>
+            <a:r>
+              <a:rPr lang="hu-HU" b="1" dirty="0" smtClean="0"/>
+              <a:t>é</a:t>
+            </a:r>
+            <a:r>
+              <a:rPr lang="en-US" b="1" dirty="0" smtClean="0"/>
+              <a:t>s</a:t>
+            </a:r>
+            <a:endParaRPr lang="en-US" b="1" dirty="0"/>
           </a:p>
         </p:txBody>
       </p:sp>
@@ -3227,13 +3892,26 @@
         <p:spPr>
           <a:xfrm>
             <a:off x="4234186" y="5815584"/>
-            <a:ext cx="1554785" cy="369332"/>
+            <a:ext cx="1580433" cy="369332"/>
           </a:xfrm>
           <a:prstGeom prst="rect">
             <a:avLst/>
           </a:prstGeom>
-          <a:noFill/>
-        </p:spPr>
+        </p:spPr>
+        <p:style>
+          <a:lnRef idx="1">
+            <a:schemeClr val="accent4"/>
+          </a:lnRef>
+          <a:fillRef idx="3">
+            <a:schemeClr val="accent4"/>
+          </a:fillRef>
+          <a:effectRef idx="2">
+            <a:schemeClr val="accent4"/>
+          </a:effectRef>
+          <a:fontRef idx="minor">
+            <a:schemeClr val="lt1"/>
+          </a:fontRef>
+        </p:style>
         <p:txBody>
           <a:bodyPr wrap="none" rtlCol="0">
             <a:spAutoFit/>
@@ -3241,16 +3919,32 @@
           <a:lstStyle/>
           <a:p>
             <a:r>
+              <a:rPr lang="en-US" dirty="0" smtClean="0"/>
+              <a:t>E</a:t>
+            </a:r>
+            <a:r>
+              <a:rPr lang="hu-HU" dirty="0" smtClean="0"/>
+              <a:t>U</a:t>
+            </a:r>
+            <a:r>
+              <a:rPr lang="en-US" dirty="0" smtClean="0"/>
+              <a:t>s p</a:t>
+            </a:r>
+            <a:r>
+              <a:rPr lang="hu-HU" dirty="0" smtClean="0"/>
+              <a:t>á</a:t>
+            </a:r>
+            <a:r>
               <a:rPr lang="en-US" dirty="0" err="1" smtClean="0"/>
-              <a:t>Eus</a:t>
-            </a:r>
-            <a:r>
-              <a:rPr lang="en-US" dirty="0" smtClean="0"/>
-              <a:t> </a:t>
+              <a:t>ly</a:t>
+            </a:r>
+            <a:r>
+              <a:rPr lang="hu-HU" dirty="0" smtClean="0"/>
+              <a:t>á</a:t>
             </a:r>
             <a:r>
               <a:rPr lang="en-US" dirty="0" err="1" smtClean="0"/>
-              <a:t>palyazatok</a:t>
+              <a:t>zatok</a:t>
             </a:r>
             <a:endParaRPr lang="en-US" dirty="0"/>
           </a:p>
@@ -3270,8 +3964,21 @@
           <a:prstGeom prst="rect">
             <a:avLst/>
           </a:prstGeom>
-          <a:noFill/>
-        </p:spPr>
+        </p:spPr>
+        <p:style>
+          <a:lnRef idx="1">
+            <a:schemeClr val="accent4"/>
+          </a:lnRef>
+          <a:fillRef idx="3">
+            <a:schemeClr val="accent4"/>
+          </a:fillRef>
+          <a:effectRef idx="2">
+            <a:schemeClr val="accent4"/>
+          </a:effectRef>
+          <a:fontRef idx="minor">
+            <a:schemeClr val="lt1"/>
+          </a:fontRef>
+        </p:style>
         <p:txBody>
           <a:bodyPr wrap="none" rtlCol="0">
             <a:spAutoFit/>
@@ -3300,8 +4007,21 @@
           <a:prstGeom prst="rect">
             <a:avLst/>
           </a:prstGeom>
-          <a:noFill/>
-        </p:spPr>
+        </p:spPr>
+        <p:style>
+          <a:lnRef idx="1">
+            <a:schemeClr val="accent4"/>
+          </a:lnRef>
+          <a:fillRef idx="3">
+            <a:schemeClr val="accent4"/>
+          </a:fillRef>
+          <a:effectRef idx="2">
+            <a:schemeClr val="accent4"/>
+          </a:effectRef>
+          <a:fontRef idx="minor">
+            <a:schemeClr val="lt1"/>
+          </a:fontRef>
+        </p:style>
         <p:txBody>
           <a:bodyPr wrap="none" rtlCol="0">
             <a:spAutoFit/>
@@ -3313,17 +4033,4638 @@
               <a:t>Start-up </a:t>
             </a:r>
             <a:r>
+              <a:rPr lang="en-US" dirty="0" smtClean="0"/>
+              <a:t>t</a:t>
+            </a:r>
+            <a:r>
+              <a:rPr lang="hu-HU" dirty="0" smtClean="0"/>
+              <a:t>á</a:t>
+            </a:r>
+            <a:r>
               <a:rPr lang="en-US" dirty="0" err="1" smtClean="0"/>
-              <a:t>tamogatas</a:t>
+              <a:t>mogat</a:t>
+            </a:r>
+            <a:r>
+              <a:rPr lang="hu-HU" dirty="0" smtClean="0"/>
+              <a:t>á</a:t>
+            </a:r>
+            <a:r>
+              <a:rPr lang="en-US" dirty="0" smtClean="0"/>
+              <a:t>s</a:t>
             </a:r>
             <a:endParaRPr lang="en-US" dirty="0"/>
           </a:p>
         </p:txBody>
       </p:sp>
+      <p:cxnSp>
+        <p:nvCxnSpPr>
+          <p:cNvPr id="23" name="Straight Connector 22"/>
+          <p:cNvCxnSpPr/>
+          <p:nvPr/>
+        </p:nvCxnSpPr>
+        <p:spPr>
+          <a:xfrm>
+            <a:off x="2056106" y="1399032"/>
+            <a:ext cx="2250718" cy="1271457"/>
+          </a:xfrm>
+          <a:prstGeom prst="line">
+            <a:avLst/>
+          </a:prstGeom>
+          <a:ln w="28575">
+            <a:solidFill>
+              <a:srgbClr val="92D050"/>
+            </a:solidFill>
+          </a:ln>
+        </p:spPr>
+        <p:style>
+          <a:lnRef idx="1">
+            <a:schemeClr val="accent1"/>
+          </a:lnRef>
+          <a:fillRef idx="0">
+            <a:schemeClr val="accent1"/>
+          </a:fillRef>
+          <a:effectRef idx="0">
+            <a:schemeClr val="accent1"/>
+          </a:effectRef>
+          <a:fontRef idx="minor">
+            <a:schemeClr val="tx1"/>
+          </a:fontRef>
+        </p:style>
+      </p:cxnSp>
+      <p:cxnSp>
+        <p:nvCxnSpPr>
+          <p:cNvPr id="25" name="Straight Connector 24"/>
+          <p:cNvCxnSpPr/>
+          <p:nvPr/>
+        </p:nvCxnSpPr>
+        <p:spPr>
+          <a:xfrm>
+            <a:off x="4133274" y="1027259"/>
+            <a:ext cx="828683" cy="1392222"/>
+          </a:xfrm>
+          <a:prstGeom prst="line">
+            <a:avLst/>
+          </a:prstGeom>
+          <a:ln w="28575">
+            <a:solidFill>
+              <a:srgbClr val="92D050"/>
+            </a:solidFill>
+          </a:ln>
+        </p:spPr>
+        <p:style>
+          <a:lnRef idx="1">
+            <a:schemeClr val="accent1"/>
+          </a:lnRef>
+          <a:fillRef idx="0">
+            <a:schemeClr val="accent1"/>
+          </a:fillRef>
+          <a:effectRef idx="0">
+            <a:schemeClr val="accent1"/>
+          </a:effectRef>
+          <a:fontRef idx="minor">
+            <a:schemeClr val="tx1"/>
+          </a:fontRef>
+        </p:style>
+      </p:cxnSp>
+      <p:cxnSp>
+        <p:nvCxnSpPr>
+          <p:cNvPr id="27" name="Straight Connector 26"/>
+          <p:cNvCxnSpPr/>
+          <p:nvPr/>
+        </p:nvCxnSpPr>
+        <p:spPr>
+          <a:xfrm flipH="1">
+            <a:off x="7159752" y="1338649"/>
+            <a:ext cx="342972" cy="1080558"/>
+          </a:xfrm>
+          <a:prstGeom prst="line">
+            <a:avLst/>
+          </a:prstGeom>
+          <a:ln w="28575">
+            <a:solidFill>
+              <a:srgbClr val="92D050"/>
+            </a:solidFill>
+          </a:ln>
+        </p:spPr>
+        <p:style>
+          <a:lnRef idx="1">
+            <a:schemeClr val="accent1"/>
+          </a:lnRef>
+          <a:fillRef idx="0">
+            <a:schemeClr val="accent1"/>
+          </a:fillRef>
+          <a:effectRef idx="0">
+            <a:schemeClr val="accent1"/>
+          </a:effectRef>
+          <a:fontRef idx="minor">
+            <a:schemeClr val="tx1"/>
+          </a:fontRef>
+        </p:style>
+      </p:cxnSp>
+      <p:cxnSp>
+        <p:nvCxnSpPr>
+          <p:cNvPr id="29" name="Straight Connector 28"/>
+          <p:cNvCxnSpPr/>
+          <p:nvPr/>
+        </p:nvCxnSpPr>
+        <p:spPr>
+          <a:xfrm flipH="1">
+            <a:off x="8206651" y="2278642"/>
+            <a:ext cx="1239173" cy="541282"/>
+          </a:xfrm>
+          <a:prstGeom prst="line">
+            <a:avLst/>
+          </a:prstGeom>
+          <a:ln w="28575">
+            <a:solidFill>
+              <a:srgbClr val="92D050"/>
+            </a:solidFill>
+          </a:ln>
+        </p:spPr>
+        <p:style>
+          <a:lnRef idx="1">
+            <a:schemeClr val="accent1"/>
+          </a:lnRef>
+          <a:fillRef idx="0">
+            <a:schemeClr val="accent1"/>
+          </a:fillRef>
+          <a:effectRef idx="0">
+            <a:schemeClr val="accent1"/>
+          </a:effectRef>
+          <a:fontRef idx="minor">
+            <a:schemeClr val="tx1"/>
+          </a:fontRef>
+        </p:style>
+      </p:cxnSp>
+      <p:cxnSp>
+        <p:nvCxnSpPr>
+          <p:cNvPr id="31" name="Straight Connector 30"/>
+          <p:cNvCxnSpPr/>
+          <p:nvPr/>
+        </p:nvCxnSpPr>
+        <p:spPr>
+          <a:xfrm flipH="1" flipV="1">
+            <a:off x="7824898" y="3647111"/>
+            <a:ext cx="699892" cy="324171"/>
+          </a:xfrm>
+          <a:prstGeom prst="line">
+            <a:avLst/>
+          </a:prstGeom>
+          <a:ln w="28575">
+            <a:solidFill>
+              <a:srgbClr val="92D050"/>
+            </a:solidFill>
+          </a:ln>
+        </p:spPr>
+        <p:style>
+          <a:lnRef idx="1">
+            <a:schemeClr val="accent1"/>
+          </a:lnRef>
+          <a:fillRef idx="0">
+            <a:schemeClr val="accent1"/>
+          </a:fillRef>
+          <a:effectRef idx="0">
+            <a:schemeClr val="accent1"/>
+          </a:effectRef>
+          <a:fontRef idx="minor">
+            <a:schemeClr val="tx1"/>
+          </a:fontRef>
+        </p:style>
+      </p:cxnSp>
+      <p:cxnSp>
+        <p:nvCxnSpPr>
+          <p:cNvPr id="33" name="Straight Connector 32"/>
+          <p:cNvCxnSpPr/>
+          <p:nvPr/>
+        </p:nvCxnSpPr>
+        <p:spPr>
+          <a:xfrm flipH="1" flipV="1">
+            <a:off x="7013448" y="3825091"/>
+            <a:ext cx="928590" cy="1093661"/>
+          </a:xfrm>
+          <a:prstGeom prst="line">
+            <a:avLst/>
+          </a:prstGeom>
+          <a:ln w="28575">
+            <a:solidFill>
+              <a:srgbClr val="92D050"/>
+            </a:solidFill>
+          </a:ln>
+        </p:spPr>
+        <p:style>
+          <a:lnRef idx="1">
+            <a:schemeClr val="accent1"/>
+          </a:lnRef>
+          <a:fillRef idx="0">
+            <a:schemeClr val="accent1"/>
+          </a:fillRef>
+          <a:effectRef idx="0">
+            <a:schemeClr val="accent1"/>
+          </a:effectRef>
+          <a:fontRef idx="minor">
+            <a:schemeClr val="tx1"/>
+          </a:fontRef>
+        </p:style>
+      </p:cxnSp>
+      <p:cxnSp>
+        <p:nvCxnSpPr>
+          <p:cNvPr id="35" name="Straight Connector 34"/>
+          <p:cNvCxnSpPr/>
+          <p:nvPr/>
+        </p:nvCxnSpPr>
+        <p:spPr>
+          <a:xfrm flipV="1">
+            <a:off x="4943477" y="3915441"/>
+            <a:ext cx="680083" cy="1697166"/>
+          </a:xfrm>
+          <a:prstGeom prst="line">
+            <a:avLst/>
+          </a:prstGeom>
+          <a:ln w="28575">
+            <a:solidFill>
+              <a:schemeClr val="accent4"/>
+            </a:solidFill>
+          </a:ln>
+        </p:spPr>
+        <p:style>
+          <a:lnRef idx="1">
+            <a:schemeClr val="accent1"/>
+          </a:lnRef>
+          <a:fillRef idx="0">
+            <a:schemeClr val="accent1"/>
+          </a:fillRef>
+          <a:effectRef idx="0">
+            <a:schemeClr val="accent1"/>
+          </a:effectRef>
+          <a:fontRef idx="minor">
+            <a:schemeClr val="tx1"/>
+          </a:fontRef>
+        </p:style>
+      </p:cxnSp>
+      <p:cxnSp>
+        <p:nvCxnSpPr>
+          <p:cNvPr id="37" name="Straight Connector 36"/>
+          <p:cNvCxnSpPr/>
+          <p:nvPr/>
+        </p:nvCxnSpPr>
+        <p:spPr>
+          <a:xfrm flipV="1">
+            <a:off x="2845245" y="3749040"/>
+            <a:ext cx="1552451" cy="1169712"/>
+          </a:xfrm>
+          <a:prstGeom prst="line">
+            <a:avLst/>
+          </a:prstGeom>
+          <a:ln w="28575">
+            <a:solidFill>
+              <a:schemeClr val="accent4"/>
+            </a:solidFill>
+          </a:ln>
+        </p:spPr>
+        <p:style>
+          <a:lnRef idx="1">
+            <a:schemeClr val="accent1"/>
+          </a:lnRef>
+          <a:fillRef idx="0">
+            <a:schemeClr val="accent1"/>
+          </a:fillRef>
+          <a:effectRef idx="0">
+            <a:schemeClr val="accent1"/>
+          </a:effectRef>
+          <a:fontRef idx="minor">
+            <a:schemeClr val="tx1"/>
+          </a:fontRef>
+        </p:style>
+      </p:cxnSp>
+      <p:cxnSp>
+        <p:nvCxnSpPr>
+          <p:cNvPr id="39" name="Straight Connector 38"/>
+          <p:cNvCxnSpPr/>
+          <p:nvPr/>
+        </p:nvCxnSpPr>
+        <p:spPr>
+          <a:xfrm flipV="1">
+            <a:off x="2661018" y="3200227"/>
+            <a:ext cx="1071053" cy="239703"/>
+          </a:xfrm>
+          <a:prstGeom prst="line">
+            <a:avLst/>
+          </a:prstGeom>
+          <a:ln w="28575">
+            <a:solidFill>
+              <a:schemeClr val="accent4"/>
+            </a:solidFill>
+          </a:ln>
+        </p:spPr>
+        <p:style>
+          <a:lnRef idx="1">
+            <a:schemeClr val="accent1"/>
+          </a:lnRef>
+          <a:fillRef idx="0">
+            <a:schemeClr val="accent1"/>
+          </a:fillRef>
+          <a:effectRef idx="0">
+            <a:schemeClr val="accent1"/>
+          </a:effectRef>
+          <a:fontRef idx="minor">
+            <a:schemeClr val="tx1"/>
+          </a:fontRef>
+        </p:style>
+      </p:cxnSp>
     </p:spTree>
     <p:extLst>
       <p:ext uri="{BB962C8B-B14F-4D97-AF65-F5344CB8AC3E}">
         <p14:creationId xmlns:p14="http://schemas.microsoft.com/office/powerpoint/2010/main" val="2827002775"/>
+      </p:ext>
+    </p:extLst>
+  </p:cSld>
+  <p:clrMapOvr>
+    <a:masterClrMapping/>
+  </p:clrMapOvr>
+</p:sld>
+</file>
+
+<file path=ppt/slides/slide12.xml><?xml version="1.0" encoding="utf-8"?>
+<p:sld xmlns:a="http://schemas.openxmlformats.org/drawingml/2006/main" xmlns:r="http://schemas.openxmlformats.org/officeDocument/2006/relationships" xmlns:p="http://schemas.openxmlformats.org/presentationml/2006/main">
+  <p:cSld>
+    <p:spTree>
+      <p:nvGrpSpPr>
+        <p:cNvPr id="1" name=""/>
+        <p:cNvGrpSpPr/>
+        <p:nvPr/>
+      </p:nvGrpSpPr>
+      <p:grpSpPr>
+        <a:xfrm>
+          <a:off x="0" y="0"/>
+          <a:ext cx="0" cy="0"/>
+          <a:chOff x="0" y="0"/>
+          <a:chExt cx="0" cy="0"/>
+        </a:xfrm>
+      </p:grpSpPr>
+      <p:sp>
+        <p:nvSpPr>
+          <p:cNvPr id="2" name="Title 1"/>
+          <p:cNvSpPr>
+            <a:spLocks noGrp="1"/>
+          </p:cNvSpPr>
+          <p:nvPr>
+            <p:ph type="title"/>
+          </p:nvPr>
+        </p:nvSpPr>
+        <p:spPr>
+          <a:xfrm>
+            <a:off x="865632" y="1928749"/>
+            <a:ext cx="10515600" cy="1325563"/>
+          </a:xfrm>
+        </p:spPr>
+        <p:style>
+          <a:lnRef idx="1">
+            <a:schemeClr val="dk1"/>
+          </a:lnRef>
+          <a:fillRef idx="3">
+            <a:schemeClr val="dk1"/>
+          </a:fillRef>
+          <a:effectRef idx="2">
+            <a:schemeClr val="dk1"/>
+          </a:effectRef>
+          <a:fontRef idx="minor">
+            <a:schemeClr val="lt1"/>
+          </a:fontRef>
+        </p:style>
+        <p:txBody>
+          <a:bodyPr/>
+          <a:lstStyle/>
+          <a:p>
+            <a:pPr algn="ctr"/>
+            <a:r>
+              <a:rPr lang="hu-HU" dirty="0" smtClean="0">
+                <a:latin typeface="Arial Black" panose="020B0A04020102020204" pitchFamily="34" charset="0"/>
+              </a:rPr>
+              <a:t>Legfontosabb teendők</a:t>
+            </a:r>
+            <a:endParaRPr lang="en-US" dirty="0">
+              <a:latin typeface="Arial Black" panose="020B0A04020102020204" pitchFamily="34" charset="0"/>
+            </a:endParaRPr>
+          </a:p>
+        </p:txBody>
+      </p:sp>
+    </p:spTree>
+    <p:extLst>
+      <p:ext uri="{BB962C8B-B14F-4D97-AF65-F5344CB8AC3E}">
+        <p14:creationId xmlns:p14="http://schemas.microsoft.com/office/powerpoint/2010/main" val="104723902"/>
+      </p:ext>
+    </p:extLst>
+  </p:cSld>
+  <p:clrMapOvr>
+    <a:masterClrMapping/>
+  </p:clrMapOvr>
+</p:sld>
+</file>
+
+<file path=ppt/slides/slide13.xml><?xml version="1.0" encoding="utf-8"?>
+<p:sld xmlns:a="http://schemas.openxmlformats.org/drawingml/2006/main" xmlns:r="http://schemas.openxmlformats.org/officeDocument/2006/relationships" xmlns:p="http://schemas.openxmlformats.org/presentationml/2006/main">
+  <p:cSld>
+    <p:spTree>
+      <p:nvGrpSpPr>
+        <p:cNvPr id="1" name=""/>
+        <p:cNvGrpSpPr/>
+        <p:nvPr/>
+      </p:nvGrpSpPr>
+      <p:grpSpPr>
+        <a:xfrm>
+          <a:off x="0" y="0"/>
+          <a:ext cx="0" cy="0"/>
+          <a:chOff x="0" y="0"/>
+          <a:chExt cx="0" cy="0"/>
+        </a:xfrm>
+      </p:grpSpPr>
+      <p:sp>
+        <p:nvSpPr>
+          <p:cNvPr id="2" name="Title 1"/>
+          <p:cNvSpPr>
+            <a:spLocks noGrp="1"/>
+          </p:cNvSpPr>
+          <p:nvPr>
+            <p:ph type="title"/>
+          </p:nvPr>
+        </p:nvSpPr>
+        <p:spPr/>
+        <p:txBody>
+          <a:bodyPr/>
+          <a:lstStyle/>
+          <a:p>
+            <a:r>
+              <a:rPr lang="hu-HU" dirty="0" smtClean="0"/>
+              <a:t>Vállalkozás alap pénzforrásai</a:t>
+            </a:r>
+            <a:endParaRPr lang="en-US" dirty="0"/>
+          </a:p>
+        </p:txBody>
+      </p:sp>
+      <p:sp>
+        <p:nvSpPr>
+          <p:cNvPr id="4" name="Rectangle 3"/>
+          <p:cNvSpPr/>
+          <p:nvPr/>
+        </p:nvSpPr>
+        <p:spPr>
+          <a:xfrm>
+            <a:off x="1533144" y="2093976"/>
+            <a:ext cx="2023872" cy="1124712"/>
+          </a:xfrm>
+          <a:prstGeom prst="rect">
+            <a:avLst/>
+          </a:prstGeom>
+          <a:ln/>
+        </p:spPr>
+        <p:style>
+          <a:lnRef idx="1">
+            <a:schemeClr val="accent6"/>
+          </a:lnRef>
+          <a:fillRef idx="3">
+            <a:schemeClr val="accent6"/>
+          </a:fillRef>
+          <a:effectRef idx="2">
+            <a:schemeClr val="accent6"/>
+          </a:effectRef>
+          <a:fontRef idx="minor">
+            <a:schemeClr val="lt1"/>
+          </a:fontRef>
+        </p:style>
+        <p:txBody>
+          <a:bodyPr rtlCol="0" anchor="ctr"/>
+          <a:lstStyle/>
+          <a:p>
+            <a:pPr algn="ctr"/>
+            <a:r>
+              <a:rPr lang="hu-HU" dirty="0" smtClean="0"/>
+              <a:t>Diákok oktatása</a:t>
+            </a:r>
+            <a:endParaRPr lang="en-US" dirty="0"/>
+          </a:p>
+        </p:txBody>
+      </p:sp>
+      <p:sp>
+        <p:nvSpPr>
+          <p:cNvPr id="5" name="Rectangle 4"/>
+          <p:cNvSpPr/>
+          <p:nvPr/>
+        </p:nvSpPr>
+        <p:spPr>
+          <a:xfrm>
+            <a:off x="4381500" y="2093976"/>
+            <a:ext cx="2023872" cy="1124712"/>
+          </a:xfrm>
+          <a:prstGeom prst="rect">
+            <a:avLst/>
+          </a:prstGeom>
+          <a:ln/>
+        </p:spPr>
+        <p:style>
+          <a:lnRef idx="1">
+            <a:schemeClr val="accent6"/>
+          </a:lnRef>
+          <a:fillRef idx="3">
+            <a:schemeClr val="accent6"/>
+          </a:fillRef>
+          <a:effectRef idx="2">
+            <a:schemeClr val="accent6"/>
+          </a:effectRef>
+          <a:fontRef idx="minor">
+            <a:schemeClr val="lt1"/>
+          </a:fontRef>
+        </p:style>
+        <p:txBody>
+          <a:bodyPr rtlCol="0" anchor="ctr"/>
+          <a:lstStyle/>
+          <a:p>
+            <a:pPr algn="ctr"/>
+            <a:r>
+              <a:rPr lang="hu-HU" dirty="0" smtClean="0"/>
+              <a:t>Tanárok/partnerek betanítása</a:t>
+            </a:r>
+            <a:endParaRPr lang="en-US" dirty="0"/>
+          </a:p>
+        </p:txBody>
+      </p:sp>
+      <p:sp>
+        <p:nvSpPr>
+          <p:cNvPr id="6" name="Rectangle 5"/>
+          <p:cNvSpPr/>
+          <p:nvPr/>
+        </p:nvSpPr>
+        <p:spPr>
+          <a:xfrm>
+            <a:off x="7229856" y="2093976"/>
+            <a:ext cx="2023872" cy="1124712"/>
+          </a:xfrm>
+          <a:prstGeom prst="rect">
+            <a:avLst/>
+          </a:prstGeom>
+          <a:ln/>
+        </p:spPr>
+        <p:style>
+          <a:lnRef idx="1">
+            <a:schemeClr val="accent6"/>
+          </a:lnRef>
+          <a:fillRef idx="3">
+            <a:schemeClr val="accent6"/>
+          </a:fillRef>
+          <a:effectRef idx="2">
+            <a:schemeClr val="accent6"/>
+          </a:effectRef>
+          <a:fontRef idx="minor">
+            <a:schemeClr val="lt1"/>
+          </a:fontRef>
+        </p:style>
+        <p:txBody>
+          <a:bodyPr rtlCol="0" anchor="ctr"/>
+          <a:lstStyle/>
+          <a:p>
+            <a:pPr algn="ctr"/>
+            <a:r>
+              <a:rPr lang="hu-HU" dirty="0" smtClean="0"/>
+              <a:t>Frenchise díjak</a:t>
+            </a:r>
+            <a:endParaRPr lang="en-US" dirty="0"/>
+          </a:p>
+        </p:txBody>
+      </p:sp>
+      <p:sp>
+        <p:nvSpPr>
+          <p:cNvPr id="7" name="Rectangle 6"/>
+          <p:cNvSpPr/>
+          <p:nvPr/>
+        </p:nvSpPr>
+        <p:spPr>
+          <a:xfrm>
+            <a:off x="9963912" y="2093976"/>
+            <a:ext cx="2023872" cy="1124712"/>
+          </a:xfrm>
+          <a:prstGeom prst="rect">
+            <a:avLst/>
+          </a:prstGeom>
+          <a:ln/>
+        </p:spPr>
+        <p:style>
+          <a:lnRef idx="1">
+            <a:schemeClr val="accent6"/>
+          </a:lnRef>
+          <a:fillRef idx="3">
+            <a:schemeClr val="accent6"/>
+          </a:fillRef>
+          <a:effectRef idx="2">
+            <a:schemeClr val="accent6"/>
+          </a:effectRef>
+          <a:fontRef idx="minor">
+            <a:schemeClr val="lt1"/>
+          </a:fontRef>
+        </p:style>
+        <p:txBody>
+          <a:bodyPr rtlCol="0" anchor="ctr"/>
+          <a:lstStyle/>
+          <a:p>
+            <a:pPr algn="ctr"/>
+            <a:r>
+              <a:rPr lang="hu-HU" dirty="0" smtClean="0"/>
+              <a:t>Webshop</a:t>
+            </a:r>
+            <a:endParaRPr lang="en-US" dirty="0"/>
+          </a:p>
+        </p:txBody>
+      </p:sp>
+      <p:cxnSp>
+        <p:nvCxnSpPr>
+          <p:cNvPr id="9" name="Straight Connector 8"/>
+          <p:cNvCxnSpPr/>
+          <p:nvPr/>
+        </p:nvCxnSpPr>
+        <p:spPr>
+          <a:xfrm flipV="1">
+            <a:off x="1533144" y="3840480"/>
+            <a:ext cx="10515600" cy="18288"/>
+          </a:xfrm>
+          <a:prstGeom prst="line">
+            <a:avLst/>
+          </a:prstGeom>
+          <a:ln w="28575">
+            <a:solidFill>
+              <a:schemeClr val="tx1"/>
+            </a:solidFill>
+          </a:ln>
+        </p:spPr>
+        <p:style>
+          <a:lnRef idx="1">
+            <a:schemeClr val="accent1"/>
+          </a:lnRef>
+          <a:fillRef idx="0">
+            <a:schemeClr val="accent1"/>
+          </a:fillRef>
+          <a:effectRef idx="0">
+            <a:schemeClr val="accent1"/>
+          </a:effectRef>
+          <a:fontRef idx="minor">
+            <a:schemeClr val="tx1"/>
+          </a:fontRef>
+        </p:style>
+      </p:cxnSp>
+      <p:sp>
+        <p:nvSpPr>
+          <p:cNvPr id="11" name="Rectangle 10"/>
+          <p:cNvSpPr/>
+          <p:nvPr/>
+        </p:nvSpPr>
+        <p:spPr>
+          <a:xfrm>
+            <a:off x="1533144" y="4443984"/>
+            <a:ext cx="2023872" cy="1124712"/>
+          </a:xfrm>
+          <a:prstGeom prst="rect">
+            <a:avLst/>
+          </a:prstGeom>
+        </p:spPr>
+        <p:style>
+          <a:lnRef idx="1">
+            <a:schemeClr val="accent4"/>
+          </a:lnRef>
+          <a:fillRef idx="3">
+            <a:schemeClr val="accent4"/>
+          </a:fillRef>
+          <a:effectRef idx="2">
+            <a:schemeClr val="accent4"/>
+          </a:effectRef>
+          <a:fontRef idx="minor">
+            <a:schemeClr val="lt1"/>
+          </a:fontRef>
+        </p:style>
+        <p:txBody>
+          <a:bodyPr rtlCol="0" anchor="ctr"/>
+          <a:lstStyle/>
+          <a:p>
+            <a:pPr algn="ctr"/>
+            <a:r>
+              <a:rPr lang="hu-HU" dirty="0" smtClean="0"/>
+              <a:t>Pályázatok</a:t>
+            </a:r>
+            <a:endParaRPr lang="en-US" dirty="0"/>
+          </a:p>
+        </p:txBody>
+      </p:sp>
+      <p:sp>
+        <p:nvSpPr>
+          <p:cNvPr id="12" name="Rectangle 11"/>
+          <p:cNvSpPr/>
+          <p:nvPr/>
+        </p:nvSpPr>
+        <p:spPr>
+          <a:xfrm>
+            <a:off x="4381500" y="4443984"/>
+            <a:ext cx="2023872" cy="1124712"/>
+          </a:xfrm>
+          <a:prstGeom prst="rect">
+            <a:avLst/>
+          </a:prstGeom>
+        </p:spPr>
+        <p:style>
+          <a:lnRef idx="1">
+            <a:schemeClr val="accent4"/>
+          </a:lnRef>
+          <a:fillRef idx="3">
+            <a:schemeClr val="accent4"/>
+          </a:fillRef>
+          <a:effectRef idx="2">
+            <a:schemeClr val="accent4"/>
+          </a:effectRef>
+          <a:fontRef idx="minor">
+            <a:schemeClr val="lt1"/>
+          </a:fontRef>
+        </p:style>
+        <p:txBody>
+          <a:bodyPr rtlCol="0" anchor="ctr"/>
+          <a:lstStyle/>
+          <a:p>
+            <a:pPr algn="ctr"/>
+            <a:r>
+              <a:rPr lang="hu-HU" dirty="0" smtClean="0"/>
+              <a:t>3D nyomtatás</a:t>
+            </a:r>
+            <a:endParaRPr lang="en-US" dirty="0"/>
+          </a:p>
+        </p:txBody>
+      </p:sp>
+      <p:sp>
+        <p:nvSpPr>
+          <p:cNvPr id="13" name="Rectangle 12"/>
+          <p:cNvSpPr/>
+          <p:nvPr/>
+        </p:nvSpPr>
+        <p:spPr>
+          <a:xfrm>
+            <a:off x="7229856" y="4443984"/>
+            <a:ext cx="2023872" cy="1124712"/>
+          </a:xfrm>
+          <a:prstGeom prst="rect">
+            <a:avLst/>
+          </a:prstGeom>
+        </p:spPr>
+        <p:style>
+          <a:lnRef idx="1">
+            <a:schemeClr val="accent4"/>
+          </a:lnRef>
+          <a:fillRef idx="3">
+            <a:schemeClr val="accent4"/>
+          </a:fillRef>
+          <a:effectRef idx="2">
+            <a:schemeClr val="accent4"/>
+          </a:effectRef>
+          <a:fontRef idx="minor">
+            <a:schemeClr val="lt1"/>
+          </a:fontRef>
+        </p:style>
+        <p:txBody>
+          <a:bodyPr rtlCol="0" anchor="ctr"/>
+          <a:lstStyle/>
+          <a:p>
+            <a:pPr algn="ctr"/>
+            <a:r>
+              <a:rPr lang="hu-HU" dirty="0" smtClean="0"/>
+              <a:t>Startup menedzselés</a:t>
+            </a:r>
+            <a:endParaRPr lang="en-US" dirty="0"/>
+          </a:p>
+        </p:txBody>
+      </p:sp>
+      <p:sp>
+        <p:nvSpPr>
+          <p:cNvPr id="15" name="Rectangle 14"/>
+          <p:cNvSpPr/>
+          <p:nvPr/>
+        </p:nvSpPr>
+        <p:spPr>
+          <a:xfrm>
+            <a:off x="9963912" y="4443984"/>
+            <a:ext cx="2023872" cy="1124712"/>
+          </a:xfrm>
+          <a:prstGeom prst="rect">
+            <a:avLst/>
+          </a:prstGeom>
+        </p:spPr>
+        <p:style>
+          <a:lnRef idx="1">
+            <a:schemeClr val="accent4"/>
+          </a:lnRef>
+          <a:fillRef idx="3">
+            <a:schemeClr val="accent4"/>
+          </a:fillRef>
+          <a:effectRef idx="2">
+            <a:schemeClr val="accent4"/>
+          </a:effectRef>
+          <a:fontRef idx="minor">
+            <a:schemeClr val="lt1"/>
+          </a:fontRef>
+        </p:style>
+        <p:txBody>
+          <a:bodyPr rtlCol="0" anchor="ctr"/>
+          <a:lstStyle/>
+          <a:p>
+            <a:pPr algn="ctr"/>
+            <a:r>
+              <a:rPr lang="hu-HU" dirty="0" smtClean="0"/>
+              <a:t>Könyveladások</a:t>
+            </a:r>
+            <a:endParaRPr lang="en-US" dirty="0"/>
+          </a:p>
+        </p:txBody>
+      </p:sp>
+      <p:sp>
+        <p:nvSpPr>
+          <p:cNvPr id="16" name="TextBox 15"/>
+          <p:cNvSpPr txBox="1"/>
+          <p:nvPr/>
+        </p:nvSpPr>
+        <p:spPr>
+          <a:xfrm>
+            <a:off x="14272" y="2471666"/>
+            <a:ext cx="1163780" cy="369332"/>
+          </a:xfrm>
+          <a:prstGeom prst="rect">
+            <a:avLst/>
+          </a:prstGeom>
+          <a:noFill/>
+        </p:spPr>
+        <p:txBody>
+          <a:bodyPr wrap="none" rtlCol="0">
+            <a:spAutoFit/>
+          </a:bodyPr>
+          <a:lstStyle/>
+          <a:p>
+            <a:r>
+              <a:rPr lang="hu-HU" dirty="0" smtClean="0"/>
+              <a:t>Elsődleges</a:t>
+            </a:r>
+            <a:endParaRPr lang="en-US" dirty="0"/>
+          </a:p>
+        </p:txBody>
+      </p:sp>
+      <p:sp>
+        <p:nvSpPr>
+          <p:cNvPr id="17" name="TextBox 16"/>
+          <p:cNvSpPr txBox="1"/>
+          <p:nvPr/>
+        </p:nvSpPr>
+        <p:spPr>
+          <a:xfrm>
+            <a:off x="14272" y="4821674"/>
+            <a:ext cx="1308371" cy="369332"/>
+          </a:xfrm>
+          <a:prstGeom prst="rect">
+            <a:avLst/>
+          </a:prstGeom>
+          <a:noFill/>
+        </p:spPr>
+        <p:txBody>
+          <a:bodyPr wrap="none" rtlCol="0">
+            <a:spAutoFit/>
+          </a:bodyPr>
+          <a:lstStyle/>
+          <a:p>
+            <a:r>
+              <a:rPr lang="hu-HU" dirty="0" smtClean="0"/>
+              <a:t>Másodlagos</a:t>
+            </a:r>
+            <a:endParaRPr lang="en-US" dirty="0"/>
+          </a:p>
+        </p:txBody>
+      </p:sp>
+    </p:spTree>
+    <p:extLst>
+      <p:ext uri="{BB962C8B-B14F-4D97-AF65-F5344CB8AC3E}">
+        <p14:creationId xmlns:p14="http://schemas.microsoft.com/office/powerpoint/2010/main" val="2227943862"/>
+      </p:ext>
+    </p:extLst>
+  </p:cSld>
+  <p:clrMapOvr>
+    <a:masterClrMapping/>
+  </p:clrMapOvr>
+</p:sld>
+</file>
+
+<file path=ppt/slides/slide14.xml><?xml version="1.0" encoding="utf-8"?>
+<p:sld xmlns:a="http://schemas.openxmlformats.org/drawingml/2006/main" xmlns:r="http://schemas.openxmlformats.org/officeDocument/2006/relationships" xmlns:p="http://schemas.openxmlformats.org/presentationml/2006/main">
+  <p:cSld>
+    <p:spTree>
+      <p:nvGrpSpPr>
+        <p:cNvPr id="1" name=""/>
+        <p:cNvGrpSpPr/>
+        <p:nvPr/>
+      </p:nvGrpSpPr>
+      <p:grpSpPr>
+        <a:xfrm>
+          <a:off x="0" y="0"/>
+          <a:ext cx="0" cy="0"/>
+          <a:chOff x="0" y="0"/>
+          <a:chExt cx="0" cy="0"/>
+        </a:xfrm>
+      </p:grpSpPr>
+      <p:sp>
+        <p:nvSpPr>
+          <p:cNvPr id="2" name="Title 1"/>
+          <p:cNvSpPr>
+            <a:spLocks noGrp="1"/>
+          </p:cNvSpPr>
+          <p:nvPr>
+            <p:ph type="title"/>
+          </p:nvPr>
+        </p:nvSpPr>
+        <p:spPr>
+          <a:xfrm>
+            <a:off x="0" y="0"/>
+            <a:ext cx="10515600" cy="1325563"/>
+          </a:xfrm>
+        </p:spPr>
+        <p:txBody>
+          <a:bodyPr/>
+          <a:lstStyle/>
+          <a:p>
+            <a:r>
+              <a:rPr lang="hu-HU" dirty="0" smtClean="0"/>
+              <a:t>Oktatási terv és tananyag elkészítése</a:t>
+            </a:r>
+            <a:endParaRPr lang="en-US" dirty="0"/>
+          </a:p>
+        </p:txBody>
+      </p:sp>
+      <p:sp>
+        <p:nvSpPr>
+          <p:cNvPr id="4" name="Rectangle 3"/>
+          <p:cNvSpPr/>
+          <p:nvPr/>
+        </p:nvSpPr>
+        <p:spPr>
+          <a:xfrm>
+            <a:off x="1792225" y="1325563"/>
+            <a:ext cx="2057400" cy="941832"/>
+          </a:xfrm>
+          <a:prstGeom prst="rect">
+            <a:avLst/>
+          </a:prstGeom>
+        </p:spPr>
+        <p:style>
+          <a:lnRef idx="2">
+            <a:schemeClr val="accent3">
+              <a:shade val="50000"/>
+            </a:schemeClr>
+          </a:lnRef>
+          <a:fillRef idx="1">
+            <a:schemeClr val="accent3"/>
+          </a:fillRef>
+          <a:effectRef idx="0">
+            <a:schemeClr val="accent3"/>
+          </a:effectRef>
+          <a:fontRef idx="minor">
+            <a:schemeClr val="lt1"/>
+          </a:fontRef>
+        </p:style>
+        <p:txBody>
+          <a:bodyPr rtlCol="0" anchor="ctr"/>
+          <a:lstStyle/>
+          <a:p>
+            <a:pPr algn="ctr"/>
+            <a:r>
+              <a:rPr lang="hu-HU" dirty="0" smtClean="0"/>
+              <a:t>Első év</a:t>
+            </a:r>
+            <a:endParaRPr lang="en-US" dirty="0"/>
+          </a:p>
+        </p:txBody>
+      </p:sp>
+      <p:sp>
+        <p:nvSpPr>
+          <p:cNvPr id="5" name="TextBox 4"/>
+          <p:cNvSpPr txBox="1"/>
+          <p:nvPr/>
+        </p:nvSpPr>
+        <p:spPr>
+          <a:xfrm>
+            <a:off x="1709929" y="2533523"/>
+            <a:ext cx="2468880" cy="2308324"/>
+          </a:xfrm>
+          <a:prstGeom prst="rect">
+            <a:avLst/>
+          </a:prstGeom>
+          <a:noFill/>
+        </p:spPr>
+        <p:txBody>
+          <a:bodyPr wrap="square" rtlCol="0">
+            <a:spAutoFit/>
+          </a:bodyPr>
+          <a:lstStyle/>
+          <a:p>
+            <a:pPr marL="285750" indent="-285750">
+              <a:buFont typeface="Arial" panose="020B0604020202020204" pitchFamily="34" charset="0"/>
+              <a:buChar char="•"/>
+            </a:pPr>
+            <a:r>
+              <a:rPr lang="hu-HU" dirty="0" smtClean="0"/>
+              <a:t>Raspberry Pi + Python alapok játszva</a:t>
+            </a:r>
+          </a:p>
+          <a:p>
+            <a:pPr marL="285750" indent="-285750">
+              <a:buFont typeface="Arial" panose="020B0604020202020204" pitchFamily="34" charset="0"/>
+              <a:buChar char="•"/>
+            </a:pPr>
+            <a:r>
+              <a:rPr lang="hu-HU" dirty="0" smtClean="0"/>
+              <a:t>12-13 egymásra épülő témakör</a:t>
+            </a:r>
+          </a:p>
+          <a:p>
+            <a:pPr marL="285750" indent="-285750">
+              <a:buFont typeface="Arial" panose="020B0604020202020204" pitchFamily="34" charset="0"/>
+              <a:buChar char="•"/>
+            </a:pPr>
+            <a:r>
+              <a:rPr lang="hu-HU" dirty="0" smtClean="0"/>
+              <a:t>Témakörönként 5-6 projekt gyakorlás miatt</a:t>
+            </a:r>
+            <a:endParaRPr lang="en-US" dirty="0"/>
+          </a:p>
+        </p:txBody>
+      </p:sp>
+      <p:sp>
+        <p:nvSpPr>
+          <p:cNvPr id="6" name="Rectangle 5"/>
+          <p:cNvSpPr/>
+          <p:nvPr/>
+        </p:nvSpPr>
+        <p:spPr>
+          <a:xfrm>
+            <a:off x="219456" y="5257800"/>
+            <a:ext cx="1033272" cy="411480"/>
+          </a:xfrm>
+          <a:prstGeom prst="rect">
+            <a:avLst/>
+          </a:prstGeom>
+        </p:spPr>
+        <p:style>
+          <a:lnRef idx="2">
+            <a:schemeClr val="accent1">
+              <a:shade val="50000"/>
+            </a:schemeClr>
+          </a:lnRef>
+          <a:fillRef idx="1">
+            <a:schemeClr val="accent1"/>
+          </a:fillRef>
+          <a:effectRef idx="0">
+            <a:schemeClr val="accent1"/>
+          </a:effectRef>
+          <a:fontRef idx="minor">
+            <a:schemeClr val="lt1"/>
+          </a:fontRef>
+        </p:style>
+        <p:txBody>
+          <a:bodyPr rtlCol="0" anchor="ctr"/>
+          <a:lstStyle/>
+          <a:p>
+            <a:pPr algn="ctr"/>
+            <a:r>
+              <a:rPr lang="hu-HU" dirty="0" smtClean="0"/>
+              <a:t>Státusz:</a:t>
+            </a:r>
+            <a:endParaRPr lang="en-US" dirty="0"/>
+          </a:p>
+        </p:txBody>
+      </p:sp>
+      <p:sp>
+        <p:nvSpPr>
+          <p:cNvPr id="7" name="Rectangle 6"/>
+          <p:cNvSpPr/>
+          <p:nvPr/>
+        </p:nvSpPr>
+        <p:spPr>
+          <a:xfrm>
+            <a:off x="219456" y="3035649"/>
+            <a:ext cx="1033272" cy="411480"/>
+          </a:xfrm>
+          <a:prstGeom prst="rect">
+            <a:avLst/>
+          </a:prstGeom>
+        </p:spPr>
+        <p:style>
+          <a:lnRef idx="2">
+            <a:schemeClr val="accent1">
+              <a:shade val="50000"/>
+            </a:schemeClr>
+          </a:lnRef>
+          <a:fillRef idx="1">
+            <a:schemeClr val="accent1"/>
+          </a:fillRef>
+          <a:effectRef idx="0">
+            <a:schemeClr val="accent1"/>
+          </a:effectRef>
+          <a:fontRef idx="minor">
+            <a:schemeClr val="lt1"/>
+          </a:fontRef>
+        </p:style>
+        <p:txBody>
+          <a:bodyPr rtlCol="0" anchor="ctr"/>
+          <a:lstStyle/>
+          <a:p>
+            <a:pPr algn="ctr"/>
+            <a:r>
+              <a:rPr lang="hu-HU" dirty="0" smtClean="0"/>
+              <a:t>Leírás:</a:t>
+            </a:r>
+            <a:endParaRPr lang="en-US" dirty="0"/>
+          </a:p>
+        </p:txBody>
+      </p:sp>
+      <p:sp>
+        <p:nvSpPr>
+          <p:cNvPr id="8" name="Rectangle 7"/>
+          <p:cNvSpPr/>
+          <p:nvPr/>
+        </p:nvSpPr>
+        <p:spPr>
+          <a:xfrm>
+            <a:off x="219456" y="1590739"/>
+            <a:ext cx="1133856" cy="411480"/>
+          </a:xfrm>
+          <a:prstGeom prst="rect">
+            <a:avLst/>
+          </a:prstGeom>
+        </p:spPr>
+        <p:style>
+          <a:lnRef idx="2">
+            <a:schemeClr val="accent1">
+              <a:shade val="50000"/>
+            </a:schemeClr>
+          </a:lnRef>
+          <a:fillRef idx="1">
+            <a:schemeClr val="accent1"/>
+          </a:fillRef>
+          <a:effectRef idx="0">
+            <a:schemeClr val="accent1"/>
+          </a:effectRef>
+          <a:fontRef idx="minor">
+            <a:schemeClr val="lt1"/>
+          </a:fontRef>
+        </p:style>
+        <p:txBody>
+          <a:bodyPr rtlCol="0" anchor="ctr"/>
+          <a:lstStyle/>
+          <a:p>
+            <a:pPr algn="ctr"/>
+            <a:r>
+              <a:rPr lang="hu-HU" dirty="0" smtClean="0"/>
+              <a:t>Évfolyam:</a:t>
+            </a:r>
+            <a:endParaRPr lang="en-US" dirty="0"/>
+          </a:p>
+        </p:txBody>
+      </p:sp>
+      <p:sp>
+        <p:nvSpPr>
+          <p:cNvPr id="9" name="Rectangle 8"/>
+          <p:cNvSpPr/>
+          <p:nvPr/>
+        </p:nvSpPr>
+        <p:spPr>
+          <a:xfrm>
+            <a:off x="219456" y="6242304"/>
+            <a:ext cx="1243584" cy="411480"/>
+          </a:xfrm>
+          <a:prstGeom prst="rect">
+            <a:avLst/>
+          </a:prstGeom>
+        </p:spPr>
+        <p:style>
+          <a:lnRef idx="2">
+            <a:schemeClr val="accent1">
+              <a:shade val="50000"/>
+            </a:schemeClr>
+          </a:lnRef>
+          <a:fillRef idx="1">
+            <a:schemeClr val="accent1"/>
+          </a:fillRef>
+          <a:effectRef idx="0">
+            <a:schemeClr val="accent1"/>
+          </a:effectRef>
+          <a:fontRef idx="minor">
+            <a:schemeClr val="lt1"/>
+          </a:fontRef>
+        </p:style>
+        <p:txBody>
+          <a:bodyPr rtlCol="0" anchor="ctr"/>
+          <a:lstStyle/>
+          <a:p>
+            <a:pPr algn="ctr"/>
+            <a:r>
+              <a:rPr lang="hu-HU" dirty="0" smtClean="0"/>
+              <a:t>Korosztály:</a:t>
+            </a:r>
+            <a:endParaRPr lang="en-US" dirty="0"/>
+          </a:p>
+        </p:txBody>
+      </p:sp>
+      <p:sp>
+        <p:nvSpPr>
+          <p:cNvPr id="10" name="TextBox 9"/>
+          <p:cNvSpPr txBox="1"/>
+          <p:nvPr/>
+        </p:nvSpPr>
+        <p:spPr>
+          <a:xfrm>
+            <a:off x="1856233" y="5001875"/>
+            <a:ext cx="2322576" cy="923330"/>
+          </a:xfrm>
+          <a:prstGeom prst="rect">
+            <a:avLst/>
+          </a:prstGeom>
+          <a:noFill/>
+        </p:spPr>
+        <p:txBody>
+          <a:bodyPr wrap="square" rtlCol="0">
+            <a:spAutoFit/>
+          </a:bodyPr>
+          <a:lstStyle/>
+          <a:p>
+            <a:r>
+              <a:rPr lang="hu-HU" dirty="0" smtClean="0"/>
+              <a:t>Első 3 témakör projektekkel együtt kész</a:t>
+            </a:r>
+            <a:endParaRPr lang="en-US" dirty="0"/>
+          </a:p>
+        </p:txBody>
+      </p:sp>
+      <p:sp>
+        <p:nvSpPr>
+          <p:cNvPr id="11" name="TextBox 10"/>
+          <p:cNvSpPr txBox="1"/>
+          <p:nvPr/>
+        </p:nvSpPr>
+        <p:spPr>
+          <a:xfrm>
+            <a:off x="1792225" y="6124878"/>
+            <a:ext cx="2208275" cy="646331"/>
+          </a:xfrm>
+          <a:prstGeom prst="rect">
+            <a:avLst/>
+          </a:prstGeom>
+          <a:noFill/>
+        </p:spPr>
+        <p:txBody>
+          <a:bodyPr wrap="square" rtlCol="0">
+            <a:spAutoFit/>
+          </a:bodyPr>
+          <a:lstStyle/>
+          <a:p>
+            <a:r>
+              <a:rPr lang="hu-HU" dirty="0" smtClean="0"/>
+              <a:t>Leghamarabb 5. osztály, inkább 7.-től</a:t>
+            </a:r>
+            <a:endParaRPr lang="en-US" dirty="0"/>
+          </a:p>
+        </p:txBody>
+      </p:sp>
+      <p:cxnSp>
+        <p:nvCxnSpPr>
+          <p:cNvPr id="13" name="Straight Connector 12"/>
+          <p:cNvCxnSpPr/>
+          <p:nvPr/>
+        </p:nvCxnSpPr>
+        <p:spPr>
+          <a:xfrm>
+            <a:off x="1572768" y="1060704"/>
+            <a:ext cx="9144" cy="5593080"/>
+          </a:xfrm>
+          <a:prstGeom prst="line">
+            <a:avLst/>
+          </a:prstGeom>
+          <a:ln>
+            <a:solidFill>
+              <a:schemeClr val="accent1">
+                <a:lumMod val="60000"/>
+                <a:lumOff val="40000"/>
+              </a:schemeClr>
+            </a:solidFill>
+          </a:ln>
+        </p:spPr>
+        <p:style>
+          <a:lnRef idx="1">
+            <a:schemeClr val="accent1"/>
+          </a:lnRef>
+          <a:fillRef idx="0">
+            <a:schemeClr val="accent1"/>
+          </a:fillRef>
+          <a:effectRef idx="0">
+            <a:schemeClr val="accent1"/>
+          </a:effectRef>
+          <a:fontRef idx="minor">
+            <a:schemeClr val="tx1"/>
+          </a:fontRef>
+        </p:style>
+      </p:cxnSp>
+      <p:cxnSp>
+        <p:nvCxnSpPr>
+          <p:cNvPr id="14" name="Straight Connector 13"/>
+          <p:cNvCxnSpPr/>
+          <p:nvPr/>
+        </p:nvCxnSpPr>
+        <p:spPr>
+          <a:xfrm>
+            <a:off x="4201669" y="1060704"/>
+            <a:ext cx="9144" cy="5593080"/>
+          </a:xfrm>
+          <a:prstGeom prst="line">
+            <a:avLst/>
+          </a:prstGeom>
+          <a:ln>
+            <a:solidFill>
+              <a:schemeClr val="accent1">
+                <a:lumMod val="60000"/>
+                <a:lumOff val="40000"/>
+              </a:schemeClr>
+            </a:solidFill>
+          </a:ln>
+        </p:spPr>
+        <p:style>
+          <a:lnRef idx="1">
+            <a:schemeClr val="accent1"/>
+          </a:lnRef>
+          <a:fillRef idx="0">
+            <a:schemeClr val="accent1"/>
+          </a:fillRef>
+          <a:effectRef idx="0">
+            <a:schemeClr val="accent1"/>
+          </a:effectRef>
+          <a:fontRef idx="minor">
+            <a:schemeClr val="tx1"/>
+          </a:fontRef>
+        </p:style>
+      </p:cxnSp>
+      <p:sp>
+        <p:nvSpPr>
+          <p:cNvPr id="15" name="Rectangle 14"/>
+          <p:cNvSpPr/>
+          <p:nvPr/>
+        </p:nvSpPr>
+        <p:spPr>
+          <a:xfrm>
+            <a:off x="4605529" y="1322515"/>
+            <a:ext cx="2057400" cy="941832"/>
+          </a:xfrm>
+          <a:prstGeom prst="rect">
+            <a:avLst/>
+          </a:prstGeom>
+        </p:spPr>
+        <p:style>
+          <a:lnRef idx="2">
+            <a:schemeClr val="accent3">
+              <a:shade val="50000"/>
+            </a:schemeClr>
+          </a:lnRef>
+          <a:fillRef idx="1">
+            <a:schemeClr val="accent3"/>
+          </a:fillRef>
+          <a:effectRef idx="0">
+            <a:schemeClr val="accent3"/>
+          </a:effectRef>
+          <a:fontRef idx="minor">
+            <a:schemeClr val="lt1"/>
+          </a:fontRef>
+        </p:style>
+        <p:txBody>
+          <a:bodyPr rtlCol="0" anchor="ctr"/>
+          <a:lstStyle/>
+          <a:p>
+            <a:pPr algn="ctr"/>
+            <a:r>
+              <a:rPr lang="hu-HU" dirty="0" smtClean="0"/>
+              <a:t>Második év</a:t>
+            </a:r>
+            <a:endParaRPr lang="en-US" dirty="0"/>
+          </a:p>
+        </p:txBody>
+      </p:sp>
+      <p:sp>
+        <p:nvSpPr>
+          <p:cNvPr id="16" name="TextBox 15"/>
+          <p:cNvSpPr txBox="1"/>
+          <p:nvPr/>
+        </p:nvSpPr>
+        <p:spPr>
+          <a:xfrm>
+            <a:off x="4523233" y="2530475"/>
+            <a:ext cx="2468880" cy="2308324"/>
+          </a:xfrm>
+          <a:prstGeom prst="rect">
+            <a:avLst/>
+          </a:prstGeom>
+          <a:noFill/>
+        </p:spPr>
+        <p:txBody>
+          <a:bodyPr wrap="square" rtlCol="0">
+            <a:spAutoFit/>
+          </a:bodyPr>
+          <a:lstStyle/>
+          <a:p>
+            <a:pPr marL="285750" indent="-285750">
+              <a:buFont typeface="Arial" panose="020B0604020202020204" pitchFamily="34" charset="0"/>
+              <a:buChar char="•"/>
+            </a:pPr>
+            <a:r>
+              <a:rPr lang="hu-HU" dirty="0" smtClean="0"/>
+              <a:t>Programozás komolyabb elsajátítása</a:t>
+            </a:r>
+          </a:p>
+          <a:p>
+            <a:pPr marL="285750" indent="-285750">
+              <a:buFont typeface="Arial" panose="020B0604020202020204" pitchFamily="34" charset="0"/>
+              <a:buChar char="•"/>
+            </a:pPr>
+            <a:endParaRPr lang="hu-HU" dirty="0" smtClean="0"/>
+          </a:p>
+          <a:p>
+            <a:pPr marL="285750" indent="-285750">
+              <a:buFont typeface="Arial" panose="020B0604020202020204" pitchFamily="34" charset="0"/>
+              <a:buChar char="•"/>
+            </a:pPr>
+            <a:r>
+              <a:rPr lang="hu-HU" dirty="0" smtClean="0"/>
+              <a:t>Classok, Multithreading, GUI, appok, Vizuális ábrázolás, web</a:t>
+            </a:r>
+          </a:p>
+        </p:txBody>
+      </p:sp>
+      <p:sp>
+        <p:nvSpPr>
+          <p:cNvPr id="17" name="TextBox 16"/>
+          <p:cNvSpPr txBox="1"/>
+          <p:nvPr/>
+        </p:nvSpPr>
+        <p:spPr>
+          <a:xfrm>
+            <a:off x="4663441" y="5278874"/>
+            <a:ext cx="2322576" cy="369332"/>
+          </a:xfrm>
+          <a:prstGeom prst="rect">
+            <a:avLst/>
+          </a:prstGeom>
+          <a:noFill/>
+        </p:spPr>
+        <p:txBody>
+          <a:bodyPr wrap="square" rtlCol="0">
+            <a:spAutoFit/>
+          </a:bodyPr>
+          <a:lstStyle/>
+          <a:p>
+            <a:pPr algn="ctr"/>
+            <a:r>
+              <a:rPr lang="hu-HU" dirty="0" smtClean="0"/>
+              <a:t>Semmi</a:t>
+            </a:r>
+            <a:endParaRPr lang="en-US" dirty="0"/>
+          </a:p>
+        </p:txBody>
+      </p:sp>
+      <p:sp>
+        <p:nvSpPr>
+          <p:cNvPr id="18" name="TextBox 17"/>
+          <p:cNvSpPr txBox="1"/>
+          <p:nvPr/>
+        </p:nvSpPr>
+        <p:spPr>
+          <a:xfrm>
+            <a:off x="4605529" y="6121830"/>
+            <a:ext cx="2208275" cy="369332"/>
+          </a:xfrm>
+          <a:prstGeom prst="rect">
+            <a:avLst/>
+          </a:prstGeom>
+          <a:noFill/>
+        </p:spPr>
+        <p:txBody>
+          <a:bodyPr wrap="square" rtlCol="0">
+            <a:spAutoFit/>
+          </a:bodyPr>
+          <a:lstStyle/>
+          <a:p>
+            <a:pPr algn="ctr"/>
+            <a:r>
+              <a:rPr lang="hu-HU" dirty="0"/>
+              <a:t>?</a:t>
+            </a:r>
+            <a:endParaRPr lang="en-US" dirty="0"/>
+          </a:p>
+        </p:txBody>
+      </p:sp>
+      <p:sp>
+        <p:nvSpPr>
+          <p:cNvPr id="19" name="Rectangle 18"/>
+          <p:cNvSpPr/>
+          <p:nvPr/>
+        </p:nvSpPr>
+        <p:spPr>
+          <a:xfrm>
+            <a:off x="7363969" y="1328611"/>
+            <a:ext cx="2057400" cy="941832"/>
+          </a:xfrm>
+          <a:prstGeom prst="rect">
+            <a:avLst/>
+          </a:prstGeom>
+        </p:spPr>
+        <p:style>
+          <a:lnRef idx="2">
+            <a:schemeClr val="accent3">
+              <a:shade val="50000"/>
+            </a:schemeClr>
+          </a:lnRef>
+          <a:fillRef idx="1">
+            <a:schemeClr val="accent3"/>
+          </a:fillRef>
+          <a:effectRef idx="0">
+            <a:schemeClr val="accent3"/>
+          </a:effectRef>
+          <a:fontRef idx="minor">
+            <a:schemeClr val="lt1"/>
+          </a:fontRef>
+        </p:style>
+        <p:txBody>
+          <a:bodyPr rtlCol="0" anchor="ctr"/>
+          <a:lstStyle/>
+          <a:p>
+            <a:pPr algn="ctr"/>
+            <a:r>
+              <a:rPr lang="hu-HU" dirty="0" smtClean="0"/>
+              <a:t>Harmadik év</a:t>
+            </a:r>
+            <a:endParaRPr lang="en-US" dirty="0"/>
+          </a:p>
+        </p:txBody>
+      </p:sp>
+      <p:sp>
+        <p:nvSpPr>
+          <p:cNvPr id="20" name="TextBox 19"/>
+          <p:cNvSpPr txBox="1"/>
+          <p:nvPr/>
+        </p:nvSpPr>
+        <p:spPr>
+          <a:xfrm>
+            <a:off x="7018020" y="2531711"/>
+            <a:ext cx="2673097" cy="2585323"/>
+          </a:xfrm>
+          <a:prstGeom prst="rect">
+            <a:avLst/>
+          </a:prstGeom>
+          <a:noFill/>
+        </p:spPr>
+        <p:txBody>
+          <a:bodyPr wrap="square" rtlCol="0">
+            <a:spAutoFit/>
+          </a:bodyPr>
+          <a:lstStyle/>
+          <a:p>
+            <a:pPr marL="285750" indent="-285750">
+              <a:buFont typeface="Arial" panose="020B0604020202020204" pitchFamily="34" charset="0"/>
+              <a:buChar char="•"/>
+            </a:pPr>
+            <a:r>
+              <a:rPr lang="hu-HU" dirty="0" smtClean="0"/>
+              <a:t>Egyes Python csomagok részletesebb megismerése</a:t>
+            </a:r>
+          </a:p>
+          <a:p>
+            <a:pPr marL="285750" indent="-285750">
+              <a:buFont typeface="Arial" panose="020B0604020202020204" pitchFamily="34" charset="0"/>
+              <a:buChar char="•"/>
+            </a:pPr>
+            <a:endParaRPr lang="hu-HU" dirty="0"/>
+          </a:p>
+          <a:p>
+            <a:pPr marL="285750" indent="-285750">
+              <a:buFont typeface="Arial" panose="020B0604020202020204" pitchFamily="34" charset="0"/>
+              <a:buChar char="•"/>
+            </a:pPr>
+            <a:r>
+              <a:rPr lang="hu-HU" dirty="0" smtClean="0"/>
+              <a:t>OpenCV, Pandas, Sklearn</a:t>
+            </a:r>
+          </a:p>
+          <a:p>
+            <a:pPr marL="285750" indent="-285750">
+              <a:buFont typeface="Arial" panose="020B0604020202020204" pitchFamily="34" charset="0"/>
+              <a:buChar char="•"/>
+            </a:pPr>
+            <a:r>
+              <a:rPr lang="hu-HU" dirty="0" smtClean="0"/>
+              <a:t>AI projektek, IoT</a:t>
+            </a:r>
+          </a:p>
+          <a:p>
+            <a:pPr marL="285750" indent="-285750">
+              <a:buFont typeface="Arial" panose="020B0604020202020204" pitchFamily="34" charset="0"/>
+              <a:buChar char="•"/>
+            </a:pPr>
+            <a:endParaRPr lang="hu-HU" dirty="0"/>
+          </a:p>
+          <a:p>
+            <a:pPr marL="285750" indent="-285750">
+              <a:buFont typeface="Arial" panose="020B0604020202020204" pitchFamily="34" charset="0"/>
+              <a:buChar char="•"/>
+            </a:pPr>
+            <a:endParaRPr lang="en-US" dirty="0"/>
+          </a:p>
+        </p:txBody>
+      </p:sp>
+      <p:sp>
+        <p:nvSpPr>
+          <p:cNvPr id="21" name="TextBox 20"/>
+          <p:cNvSpPr txBox="1"/>
+          <p:nvPr/>
+        </p:nvSpPr>
+        <p:spPr>
+          <a:xfrm>
+            <a:off x="7053075" y="5278874"/>
+            <a:ext cx="2322576" cy="369332"/>
+          </a:xfrm>
+          <a:prstGeom prst="rect">
+            <a:avLst/>
+          </a:prstGeom>
+          <a:noFill/>
+        </p:spPr>
+        <p:txBody>
+          <a:bodyPr wrap="square" rtlCol="0">
+            <a:spAutoFit/>
+          </a:bodyPr>
+          <a:lstStyle/>
+          <a:p>
+            <a:pPr algn="ctr"/>
+            <a:r>
+              <a:rPr lang="hu-HU" dirty="0" smtClean="0"/>
+              <a:t>Semmi</a:t>
+            </a:r>
+            <a:endParaRPr lang="en-US" dirty="0"/>
+          </a:p>
+        </p:txBody>
+      </p:sp>
+      <p:sp>
+        <p:nvSpPr>
+          <p:cNvPr id="22" name="TextBox 21"/>
+          <p:cNvSpPr txBox="1"/>
+          <p:nvPr/>
+        </p:nvSpPr>
+        <p:spPr>
+          <a:xfrm>
+            <a:off x="7139946" y="6121830"/>
+            <a:ext cx="2208275" cy="369332"/>
+          </a:xfrm>
+          <a:prstGeom prst="rect">
+            <a:avLst/>
+          </a:prstGeom>
+          <a:noFill/>
+        </p:spPr>
+        <p:txBody>
+          <a:bodyPr wrap="square" rtlCol="0">
+            <a:spAutoFit/>
+          </a:bodyPr>
+          <a:lstStyle/>
+          <a:p>
+            <a:pPr algn="ctr"/>
+            <a:r>
+              <a:rPr lang="hu-HU" dirty="0" smtClean="0"/>
+              <a:t>?</a:t>
+            </a:r>
+            <a:endParaRPr lang="en-US" dirty="0"/>
+          </a:p>
+        </p:txBody>
+      </p:sp>
+      <p:sp>
+        <p:nvSpPr>
+          <p:cNvPr id="23" name="Rectangle 22"/>
+          <p:cNvSpPr/>
+          <p:nvPr/>
+        </p:nvSpPr>
+        <p:spPr>
+          <a:xfrm>
+            <a:off x="9848089" y="1325563"/>
+            <a:ext cx="2057400" cy="941832"/>
+          </a:xfrm>
+          <a:prstGeom prst="rect">
+            <a:avLst/>
+          </a:prstGeom>
+        </p:spPr>
+        <p:style>
+          <a:lnRef idx="2">
+            <a:schemeClr val="accent3">
+              <a:shade val="50000"/>
+            </a:schemeClr>
+          </a:lnRef>
+          <a:fillRef idx="1">
+            <a:schemeClr val="accent3"/>
+          </a:fillRef>
+          <a:effectRef idx="0">
+            <a:schemeClr val="accent3"/>
+          </a:effectRef>
+          <a:fontRef idx="minor">
+            <a:schemeClr val="lt1"/>
+          </a:fontRef>
+        </p:style>
+        <p:txBody>
+          <a:bodyPr rtlCol="0" anchor="ctr"/>
+          <a:lstStyle/>
+          <a:p>
+            <a:pPr algn="ctr"/>
+            <a:r>
+              <a:rPr lang="hu-HU" dirty="0" smtClean="0"/>
+              <a:t>Negyedik év</a:t>
+            </a:r>
+            <a:endParaRPr lang="en-US" dirty="0"/>
+          </a:p>
+        </p:txBody>
+      </p:sp>
+      <p:sp>
+        <p:nvSpPr>
+          <p:cNvPr id="24" name="TextBox 23"/>
+          <p:cNvSpPr txBox="1"/>
+          <p:nvPr/>
+        </p:nvSpPr>
+        <p:spPr>
+          <a:xfrm>
+            <a:off x="9765793" y="2533523"/>
+            <a:ext cx="2468880" cy="1477328"/>
+          </a:xfrm>
+          <a:prstGeom prst="rect">
+            <a:avLst/>
+          </a:prstGeom>
+          <a:noFill/>
+        </p:spPr>
+        <p:txBody>
+          <a:bodyPr wrap="square" rtlCol="0">
+            <a:spAutoFit/>
+          </a:bodyPr>
+          <a:lstStyle/>
+          <a:p>
+            <a:pPr marL="285750" indent="-285750">
+              <a:buFont typeface="Arial" panose="020B0604020202020204" pitchFamily="34" charset="0"/>
+              <a:buChar char="•"/>
+            </a:pPr>
+            <a:r>
+              <a:rPr lang="hu-HU" dirty="0" smtClean="0"/>
+              <a:t>6 előre meghatározott projekt részletes, önálló/konzultáló kidolgozása</a:t>
+            </a:r>
+            <a:endParaRPr lang="en-US" dirty="0"/>
+          </a:p>
+        </p:txBody>
+      </p:sp>
+      <p:sp>
+        <p:nvSpPr>
+          <p:cNvPr id="25" name="TextBox 24"/>
+          <p:cNvSpPr txBox="1"/>
+          <p:nvPr/>
+        </p:nvSpPr>
+        <p:spPr>
+          <a:xfrm>
+            <a:off x="9733788" y="5300055"/>
+            <a:ext cx="2322576" cy="369332"/>
+          </a:xfrm>
+          <a:prstGeom prst="rect">
+            <a:avLst/>
+          </a:prstGeom>
+          <a:noFill/>
+        </p:spPr>
+        <p:txBody>
+          <a:bodyPr wrap="square" rtlCol="0">
+            <a:spAutoFit/>
+          </a:bodyPr>
+          <a:lstStyle/>
+          <a:p>
+            <a:pPr algn="ctr"/>
+            <a:r>
+              <a:rPr lang="hu-HU" dirty="0" smtClean="0"/>
+              <a:t>Semmi</a:t>
+            </a:r>
+            <a:endParaRPr lang="en-US" dirty="0"/>
+          </a:p>
+        </p:txBody>
+      </p:sp>
+      <p:sp>
+        <p:nvSpPr>
+          <p:cNvPr id="26" name="TextBox 25"/>
+          <p:cNvSpPr txBox="1"/>
+          <p:nvPr/>
+        </p:nvSpPr>
+        <p:spPr>
+          <a:xfrm>
+            <a:off x="9848089" y="6121830"/>
+            <a:ext cx="2208275" cy="369332"/>
+          </a:xfrm>
+          <a:prstGeom prst="rect">
+            <a:avLst/>
+          </a:prstGeom>
+          <a:noFill/>
+        </p:spPr>
+        <p:txBody>
+          <a:bodyPr wrap="square" rtlCol="0">
+            <a:spAutoFit/>
+          </a:bodyPr>
+          <a:lstStyle/>
+          <a:p>
+            <a:pPr algn="ctr"/>
+            <a:r>
+              <a:rPr lang="hu-HU" dirty="0" smtClean="0"/>
+              <a:t>?</a:t>
+            </a:r>
+            <a:endParaRPr lang="en-US" dirty="0"/>
+          </a:p>
+        </p:txBody>
+      </p:sp>
+      <p:cxnSp>
+        <p:nvCxnSpPr>
+          <p:cNvPr id="27" name="Straight Connector 26"/>
+          <p:cNvCxnSpPr/>
+          <p:nvPr/>
+        </p:nvCxnSpPr>
+        <p:spPr>
+          <a:xfrm>
+            <a:off x="6987541" y="1057656"/>
+            <a:ext cx="9144" cy="5593080"/>
+          </a:xfrm>
+          <a:prstGeom prst="line">
+            <a:avLst/>
+          </a:prstGeom>
+          <a:ln>
+            <a:solidFill>
+              <a:schemeClr val="accent1">
+                <a:lumMod val="60000"/>
+                <a:lumOff val="40000"/>
+              </a:schemeClr>
+            </a:solidFill>
+          </a:ln>
+        </p:spPr>
+        <p:style>
+          <a:lnRef idx="1">
+            <a:schemeClr val="accent1"/>
+          </a:lnRef>
+          <a:fillRef idx="0">
+            <a:schemeClr val="accent1"/>
+          </a:fillRef>
+          <a:effectRef idx="0">
+            <a:schemeClr val="accent1"/>
+          </a:effectRef>
+          <a:fontRef idx="minor">
+            <a:schemeClr val="tx1"/>
+          </a:fontRef>
+        </p:style>
+      </p:cxnSp>
+      <p:cxnSp>
+        <p:nvCxnSpPr>
+          <p:cNvPr id="28" name="Straight Connector 27"/>
+          <p:cNvCxnSpPr/>
+          <p:nvPr/>
+        </p:nvCxnSpPr>
+        <p:spPr>
+          <a:xfrm>
+            <a:off x="9607298" y="1057656"/>
+            <a:ext cx="9144" cy="5593080"/>
+          </a:xfrm>
+          <a:prstGeom prst="line">
+            <a:avLst/>
+          </a:prstGeom>
+          <a:ln>
+            <a:solidFill>
+              <a:schemeClr val="accent1">
+                <a:lumMod val="60000"/>
+                <a:lumOff val="40000"/>
+              </a:schemeClr>
+            </a:solidFill>
+          </a:ln>
+        </p:spPr>
+        <p:style>
+          <a:lnRef idx="1">
+            <a:schemeClr val="accent1"/>
+          </a:lnRef>
+          <a:fillRef idx="0">
+            <a:schemeClr val="accent1"/>
+          </a:fillRef>
+          <a:effectRef idx="0">
+            <a:schemeClr val="accent1"/>
+          </a:effectRef>
+          <a:fontRef idx="minor">
+            <a:schemeClr val="tx1"/>
+          </a:fontRef>
+        </p:style>
+      </p:cxnSp>
+    </p:spTree>
+    <p:extLst>
+      <p:ext uri="{BB962C8B-B14F-4D97-AF65-F5344CB8AC3E}">
+        <p14:creationId xmlns:p14="http://schemas.microsoft.com/office/powerpoint/2010/main" val="4008515868"/>
+      </p:ext>
+    </p:extLst>
+  </p:cSld>
+  <p:clrMapOvr>
+    <a:masterClrMapping/>
+  </p:clrMapOvr>
+</p:sld>
+</file>
+
+<file path=ppt/slides/slide15.xml><?xml version="1.0" encoding="utf-8"?>
+<p:sld xmlns:a="http://schemas.openxmlformats.org/drawingml/2006/main" xmlns:r="http://schemas.openxmlformats.org/officeDocument/2006/relationships" xmlns:p="http://schemas.openxmlformats.org/presentationml/2006/main">
+  <p:cSld>
+    <p:spTree>
+      <p:nvGrpSpPr>
+        <p:cNvPr id="1" name=""/>
+        <p:cNvGrpSpPr/>
+        <p:nvPr/>
+      </p:nvGrpSpPr>
+      <p:grpSpPr>
+        <a:xfrm>
+          <a:off x="0" y="0"/>
+          <a:ext cx="0" cy="0"/>
+          <a:chOff x="0" y="0"/>
+          <a:chExt cx="0" cy="0"/>
+        </a:xfrm>
+      </p:grpSpPr>
+      <p:sp>
+        <p:nvSpPr>
+          <p:cNvPr id="2" name="Title 1"/>
+          <p:cNvSpPr>
+            <a:spLocks noGrp="1"/>
+          </p:cNvSpPr>
+          <p:nvPr>
+            <p:ph type="title"/>
+          </p:nvPr>
+        </p:nvSpPr>
+        <p:spPr>
+          <a:xfrm>
+            <a:off x="0" y="0"/>
+            <a:ext cx="10515600" cy="1325563"/>
+          </a:xfrm>
+        </p:spPr>
+        <p:txBody>
+          <a:bodyPr/>
+          <a:lstStyle/>
+          <a:p>
+            <a:r>
+              <a:rPr lang="hu-HU" dirty="0" smtClean="0"/>
+              <a:t>Tanárok/partnerek felkutatása, betanítása</a:t>
+            </a:r>
+            <a:endParaRPr lang="en-US" dirty="0"/>
+          </a:p>
+        </p:txBody>
+      </p:sp>
+      <p:sp>
+        <p:nvSpPr>
+          <p:cNvPr id="3" name="Content Placeholder 2"/>
+          <p:cNvSpPr>
+            <a:spLocks noGrp="1"/>
+          </p:cNvSpPr>
+          <p:nvPr>
+            <p:ph idx="1"/>
+          </p:nvPr>
+        </p:nvSpPr>
+        <p:spPr/>
+        <p:txBody>
+          <a:bodyPr/>
+          <a:lstStyle/>
+          <a:p>
+            <a:r>
+              <a:rPr lang="hu-HU" dirty="0" smtClean="0"/>
+              <a:t>A siker kulcsa egy közösség kiépítése, aminek a központja és koordinátora a PiCur Academy</a:t>
+            </a:r>
+          </a:p>
+          <a:p>
+            <a:r>
+              <a:rPr lang="hu-HU" dirty="0" smtClean="0"/>
+              <a:t>Iskolákba kell menni bemutatókat tartani, ahol mind a tanárok és a diákok is célpontok</a:t>
+            </a:r>
+          </a:p>
+          <a:p>
+            <a:r>
+              <a:rPr lang="hu-HU" dirty="0" smtClean="0"/>
+              <a:t>Ki kell dolgozni betanító anyagot tanároknak, így partnerré válhatnak, felhasználhatják a PiCur Academy tananyagát és forrásait és frenchise rendszerbe üzemeltethetik saját iskolájukat.</a:t>
+            </a:r>
+          </a:p>
+          <a:p>
+            <a:r>
+              <a:rPr lang="hu-HU" dirty="0" smtClean="0"/>
+              <a:t>Potenciális reklámhelyek: iskolák, magániskolák, egyetemek.</a:t>
+            </a:r>
+          </a:p>
+        </p:txBody>
+      </p:sp>
+    </p:spTree>
+    <p:extLst>
+      <p:ext uri="{BB962C8B-B14F-4D97-AF65-F5344CB8AC3E}">
+        <p14:creationId xmlns:p14="http://schemas.microsoft.com/office/powerpoint/2010/main" val="626851991"/>
+      </p:ext>
+    </p:extLst>
+  </p:cSld>
+  <p:clrMapOvr>
+    <a:masterClrMapping/>
+  </p:clrMapOvr>
+</p:sld>
+</file>
+
+<file path=ppt/slides/slide16.xml><?xml version="1.0" encoding="utf-8"?>
+<p:sld xmlns:a="http://schemas.openxmlformats.org/drawingml/2006/main" xmlns:r="http://schemas.openxmlformats.org/officeDocument/2006/relationships" xmlns:p="http://schemas.openxmlformats.org/presentationml/2006/main">
+  <p:cSld>
+    <p:spTree>
+      <p:nvGrpSpPr>
+        <p:cNvPr id="1" name=""/>
+        <p:cNvGrpSpPr/>
+        <p:nvPr/>
+      </p:nvGrpSpPr>
+      <p:grpSpPr>
+        <a:xfrm>
+          <a:off x="0" y="0"/>
+          <a:ext cx="0" cy="0"/>
+          <a:chOff x="0" y="0"/>
+          <a:chExt cx="0" cy="0"/>
+        </a:xfrm>
+      </p:grpSpPr>
+      <p:sp>
+        <p:nvSpPr>
+          <p:cNvPr id="2" name="Title 1"/>
+          <p:cNvSpPr>
+            <a:spLocks noGrp="1"/>
+          </p:cNvSpPr>
+          <p:nvPr>
+            <p:ph type="title"/>
+          </p:nvPr>
+        </p:nvSpPr>
+        <p:spPr>
+          <a:xfrm>
+            <a:off x="0" y="0"/>
+            <a:ext cx="10515600" cy="1325563"/>
+          </a:xfrm>
+        </p:spPr>
+        <p:txBody>
+          <a:bodyPr/>
+          <a:lstStyle/>
+          <a:p>
+            <a:r>
+              <a:rPr lang="hu-HU" dirty="0" smtClean="0"/>
+              <a:t>Honlap + brand + webshop</a:t>
+            </a:r>
+            <a:endParaRPr lang="en-US" dirty="0"/>
+          </a:p>
+        </p:txBody>
+      </p:sp>
+      <p:sp>
+        <p:nvSpPr>
+          <p:cNvPr id="3" name="Content Placeholder 2"/>
+          <p:cNvSpPr>
+            <a:spLocks noGrp="1"/>
+          </p:cNvSpPr>
+          <p:nvPr>
+            <p:ph idx="1"/>
+          </p:nvPr>
+        </p:nvSpPr>
+        <p:spPr>
+          <a:xfrm>
+            <a:off x="591312" y="1432433"/>
+            <a:ext cx="10515600" cy="4351338"/>
+          </a:xfrm>
+        </p:spPr>
+        <p:txBody>
+          <a:bodyPr/>
+          <a:lstStyle/>
+          <a:p>
+            <a:r>
+              <a:rPr lang="hu-HU" dirty="0" smtClean="0"/>
+              <a:t>Kell egy egységes brand design a hörcsög szimbólum köré, ami a kreativitást és innovációt sugallja.</a:t>
+            </a:r>
+          </a:p>
+          <a:p>
+            <a:endParaRPr lang="hu-HU" dirty="0" smtClean="0"/>
+          </a:p>
+          <a:p>
+            <a:r>
+              <a:rPr lang="hu-HU" dirty="0" smtClean="0"/>
+              <a:t>Honlap a központi elem, itt lehet diákokat, tanárokat, mentorokat stb. Regisztrálni, partnereket bemutatni és folyamatosan kommunikálni a külvilág felé.</a:t>
+            </a:r>
+          </a:p>
+          <a:p>
+            <a:endParaRPr lang="hu-HU" dirty="0" smtClean="0"/>
+          </a:p>
+          <a:p>
+            <a:r>
+              <a:rPr lang="hu-HU" dirty="0" smtClean="0"/>
+              <a:t>Webshop kiépítése a projektek köré – nemcsak a szellemi tudást szolgáltatnánk, hanem a fizikai eszközöket is adnánk.</a:t>
+            </a:r>
+            <a:endParaRPr lang="en-US" dirty="0"/>
+          </a:p>
+        </p:txBody>
+      </p:sp>
+    </p:spTree>
+    <p:extLst>
+      <p:ext uri="{BB962C8B-B14F-4D97-AF65-F5344CB8AC3E}">
+        <p14:creationId xmlns:p14="http://schemas.microsoft.com/office/powerpoint/2010/main" val="1351208113"/>
+      </p:ext>
+    </p:extLst>
+  </p:cSld>
+  <p:clrMapOvr>
+    <a:masterClrMapping/>
+  </p:clrMapOvr>
+</p:sld>
+</file>
+
+<file path=ppt/slides/slide17.xml><?xml version="1.0" encoding="utf-8"?>
+<p:sld xmlns:a="http://schemas.openxmlformats.org/drawingml/2006/main" xmlns:r="http://schemas.openxmlformats.org/officeDocument/2006/relationships" xmlns:p="http://schemas.openxmlformats.org/presentationml/2006/main">
+  <p:cSld>
+    <p:spTree>
+      <p:nvGrpSpPr>
+        <p:cNvPr id="1" name=""/>
+        <p:cNvGrpSpPr/>
+        <p:nvPr/>
+      </p:nvGrpSpPr>
+      <p:grpSpPr>
+        <a:xfrm>
+          <a:off x="0" y="0"/>
+          <a:ext cx="0" cy="0"/>
+          <a:chOff x="0" y="0"/>
+          <a:chExt cx="0" cy="0"/>
+        </a:xfrm>
+      </p:grpSpPr>
+      <p:sp>
+        <p:nvSpPr>
+          <p:cNvPr id="2" name="Title 1"/>
+          <p:cNvSpPr>
+            <a:spLocks noGrp="1"/>
+          </p:cNvSpPr>
+          <p:nvPr>
+            <p:ph type="title"/>
+          </p:nvPr>
+        </p:nvSpPr>
+        <p:spPr>
+          <a:xfrm>
+            <a:off x="0" y="0"/>
+            <a:ext cx="10515600" cy="1325563"/>
+          </a:xfrm>
+        </p:spPr>
+        <p:txBody>
+          <a:bodyPr/>
+          <a:lstStyle/>
+          <a:p>
+            <a:r>
+              <a:rPr lang="hu-HU" dirty="0" smtClean="0"/>
+              <a:t>Frenchise rendszer kidolgozása</a:t>
+            </a:r>
+            <a:endParaRPr lang="en-US" dirty="0"/>
+          </a:p>
+        </p:txBody>
+      </p:sp>
+      <p:sp>
+        <p:nvSpPr>
+          <p:cNvPr id="3" name="Content Placeholder 2"/>
+          <p:cNvSpPr>
+            <a:spLocks noGrp="1"/>
+          </p:cNvSpPr>
+          <p:nvPr>
+            <p:ph idx="1"/>
+          </p:nvPr>
+        </p:nvSpPr>
+        <p:spPr/>
+        <p:txBody>
+          <a:bodyPr/>
+          <a:lstStyle/>
+          <a:p>
+            <a:r>
+              <a:rPr lang="hu-HU" dirty="0" smtClean="0"/>
+              <a:t>A frenchise rendszer biztosítaná, hogy ne egy személy oktassa az egész országot, hanem átadva a tudást, sokszorosan jelenyjünk meg mindenhol.</a:t>
+            </a:r>
+          </a:p>
+          <a:p>
+            <a:endParaRPr lang="hu-HU" dirty="0"/>
+          </a:p>
+          <a:p>
+            <a:r>
+              <a:rPr lang="hu-HU" dirty="0" smtClean="0"/>
+              <a:t>Erről semmi egyebet nem tudok még.</a:t>
+            </a:r>
+            <a:endParaRPr lang="en-US" dirty="0"/>
+          </a:p>
+        </p:txBody>
+      </p:sp>
+    </p:spTree>
+    <p:extLst>
+      <p:ext uri="{BB962C8B-B14F-4D97-AF65-F5344CB8AC3E}">
+        <p14:creationId xmlns:p14="http://schemas.microsoft.com/office/powerpoint/2010/main" val="324257458"/>
+      </p:ext>
+    </p:extLst>
+  </p:cSld>
+  <p:clrMapOvr>
+    <a:masterClrMapping/>
+  </p:clrMapOvr>
+</p:sld>
+</file>
+
+<file path=ppt/slides/slide18.xml><?xml version="1.0" encoding="utf-8"?>
+<p:sld xmlns:a="http://schemas.openxmlformats.org/drawingml/2006/main" xmlns:r="http://schemas.openxmlformats.org/officeDocument/2006/relationships" xmlns:p="http://schemas.openxmlformats.org/presentationml/2006/main">
+  <p:cSld>
+    <p:spTree>
+      <p:nvGrpSpPr>
+        <p:cNvPr id="1" name=""/>
+        <p:cNvGrpSpPr/>
+        <p:nvPr/>
+      </p:nvGrpSpPr>
+      <p:grpSpPr>
+        <a:xfrm>
+          <a:off x="0" y="0"/>
+          <a:ext cx="0" cy="0"/>
+          <a:chOff x="0" y="0"/>
+          <a:chExt cx="0" cy="0"/>
+        </a:xfrm>
+      </p:grpSpPr>
+      <p:sp>
+        <p:nvSpPr>
+          <p:cNvPr id="2" name="Title 1"/>
+          <p:cNvSpPr>
+            <a:spLocks noGrp="1"/>
+          </p:cNvSpPr>
+          <p:nvPr>
+            <p:ph type="title"/>
+          </p:nvPr>
+        </p:nvSpPr>
+        <p:spPr>
+          <a:xfrm>
+            <a:off x="0" y="0"/>
+            <a:ext cx="10515600" cy="1325563"/>
+          </a:xfrm>
+        </p:spPr>
+        <p:txBody>
+          <a:bodyPr/>
+          <a:lstStyle/>
+          <a:p>
+            <a:r>
+              <a:rPr lang="hu-HU" dirty="0" smtClean="0"/>
+              <a:t>Hol tartunk most?</a:t>
+            </a:r>
+            <a:endParaRPr lang="en-US" dirty="0"/>
+          </a:p>
+        </p:txBody>
+      </p:sp>
+      <p:sp>
+        <p:nvSpPr>
+          <p:cNvPr id="3" name="Content Placeholder 2"/>
+          <p:cNvSpPr>
+            <a:spLocks noGrp="1"/>
+          </p:cNvSpPr>
+          <p:nvPr>
+            <p:ph idx="1"/>
+          </p:nvPr>
+        </p:nvSpPr>
+        <p:spPr>
+          <a:xfrm>
+            <a:off x="316992" y="1478153"/>
+            <a:ext cx="10515600" cy="4351338"/>
+          </a:xfrm>
+        </p:spPr>
+        <p:txBody>
+          <a:bodyPr/>
+          <a:lstStyle/>
+          <a:p>
+            <a:r>
+              <a:rPr lang="hu-HU" dirty="0" smtClean="0"/>
+              <a:t>Van 3 diák akiken tesztelem a rendszert. Eddig pozitívak a visszajelzéseik, sőt egyre többet szeretnének és még online is csinálnák.</a:t>
+            </a:r>
+          </a:p>
+          <a:p>
+            <a:r>
+              <a:rPr lang="hu-HU" dirty="0" smtClean="0"/>
+              <a:t>Az egyik diákom tanárja elkérte a számomat, mert lát ebben fantáziát, de még nem hívott.</a:t>
+            </a:r>
+          </a:p>
+          <a:p>
+            <a:r>
+              <a:rPr lang="hu-HU" dirty="0" smtClean="0"/>
+              <a:t>Az ELI jelenleg támogat helyszínnel, de van ígeret arra, hogy ha kész a tananyag, akár rendszeres kurzusok megtartását, reklámozását, finanszírozását? is biztosítják.</a:t>
+            </a:r>
+          </a:p>
+          <a:p>
+            <a:r>
+              <a:rPr lang="hu-HU" dirty="0" smtClean="0"/>
+              <a:t>Az első év felületes terve meg van és abból 3 témakör kidolgozva. A témakörök és projektek időmtől függően folyamatosan frissülnek.</a:t>
+            </a:r>
+            <a:endParaRPr lang="en-US" dirty="0"/>
+          </a:p>
+        </p:txBody>
+      </p:sp>
+    </p:spTree>
+    <p:extLst>
+      <p:ext uri="{BB962C8B-B14F-4D97-AF65-F5344CB8AC3E}">
+        <p14:creationId xmlns:p14="http://schemas.microsoft.com/office/powerpoint/2010/main" val="1632852923"/>
+      </p:ext>
+    </p:extLst>
+  </p:cSld>
+  <p:clrMapOvr>
+    <a:masterClrMapping/>
+  </p:clrMapOvr>
+</p:sld>
+</file>
+
+<file path=ppt/slides/slide19.xml><?xml version="1.0" encoding="utf-8"?>
+<p:sld xmlns:a="http://schemas.openxmlformats.org/drawingml/2006/main" xmlns:r="http://schemas.openxmlformats.org/officeDocument/2006/relationships" xmlns:p="http://schemas.openxmlformats.org/presentationml/2006/main">
+  <p:cSld>
+    <p:spTree>
+      <p:nvGrpSpPr>
+        <p:cNvPr id="1" name=""/>
+        <p:cNvGrpSpPr/>
+        <p:nvPr/>
+      </p:nvGrpSpPr>
+      <p:grpSpPr>
+        <a:xfrm>
+          <a:off x="0" y="0"/>
+          <a:ext cx="0" cy="0"/>
+          <a:chOff x="0" y="0"/>
+          <a:chExt cx="0" cy="0"/>
+        </a:xfrm>
+      </p:grpSpPr>
+      <p:sp>
+        <p:nvSpPr>
+          <p:cNvPr id="4" name="Rectangle 3"/>
+          <p:cNvSpPr/>
+          <p:nvPr/>
+        </p:nvSpPr>
+        <p:spPr>
+          <a:xfrm>
+            <a:off x="283464" y="1801368"/>
+            <a:ext cx="1740408" cy="1216152"/>
+          </a:xfrm>
+          <a:prstGeom prst="rect">
+            <a:avLst/>
+          </a:prstGeom>
+        </p:spPr>
+        <p:style>
+          <a:lnRef idx="2">
+            <a:schemeClr val="accent1">
+              <a:shade val="50000"/>
+            </a:schemeClr>
+          </a:lnRef>
+          <a:fillRef idx="1">
+            <a:schemeClr val="accent1"/>
+          </a:fillRef>
+          <a:effectRef idx="0">
+            <a:schemeClr val="accent1"/>
+          </a:effectRef>
+          <a:fontRef idx="minor">
+            <a:schemeClr val="lt1"/>
+          </a:fontRef>
+        </p:style>
+        <p:txBody>
+          <a:bodyPr rtlCol="0" anchor="ctr"/>
+          <a:lstStyle/>
+          <a:p>
+            <a:pPr algn="ctr"/>
+            <a:r>
+              <a:rPr lang="hu-HU" dirty="0" smtClean="0"/>
+              <a:t>Oktatási terv és tananyag</a:t>
+            </a:r>
+            <a:endParaRPr lang="en-US" dirty="0"/>
+          </a:p>
+        </p:txBody>
+      </p:sp>
+      <p:sp>
+        <p:nvSpPr>
+          <p:cNvPr id="5" name="Rectangle 4"/>
+          <p:cNvSpPr/>
+          <p:nvPr/>
+        </p:nvSpPr>
+        <p:spPr>
+          <a:xfrm>
+            <a:off x="3592576" y="1801368"/>
+            <a:ext cx="1740408" cy="1216152"/>
+          </a:xfrm>
+          <a:prstGeom prst="rect">
+            <a:avLst/>
+          </a:prstGeom>
+        </p:spPr>
+        <p:style>
+          <a:lnRef idx="2">
+            <a:schemeClr val="accent1">
+              <a:shade val="50000"/>
+            </a:schemeClr>
+          </a:lnRef>
+          <a:fillRef idx="1">
+            <a:schemeClr val="accent1"/>
+          </a:fillRef>
+          <a:effectRef idx="0">
+            <a:schemeClr val="accent1"/>
+          </a:effectRef>
+          <a:fontRef idx="minor">
+            <a:schemeClr val="lt1"/>
+          </a:fontRef>
+        </p:style>
+        <p:txBody>
+          <a:bodyPr rtlCol="0" anchor="ctr"/>
+          <a:lstStyle/>
+          <a:p>
+            <a:pPr algn="ctr"/>
+            <a:r>
+              <a:rPr lang="hu-HU" dirty="0" smtClean="0"/>
+              <a:t>Honlap + webshop</a:t>
+            </a:r>
+            <a:endParaRPr lang="en-US" dirty="0"/>
+          </a:p>
+        </p:txBody>
+      </p:sp>
+      <p:sp>
+        <p:nvSpPr>
+          <p:cNvPr id="6" name="Title 1"/>
+          <p:cNvSpPr>
+            <a:spLocks noGrp="1"/>
+          </p:cNvSpPr>
+          <p:nvPr>
+            <p:ph type="title"/>
+          </p:nvPr>
+        </p:nvSpPr>
+        <p:spPr>
+          <a:xfrm>
+            <a:off x="0" y="0"/>
+            <a:ext cx="10515600" cy="1325563"/>
+          </a:xfrm>
+        </p:spPr>
+        <p:txBody>
+          <a:bodyPr/>
+          <a:lstStyle/>
+          <a:p>
+            <a:r>
+              <a:rPr lang="en-US" dirty="0" err="1" smtClean="0"/>
+              <a:t>Els</a:t>
+            </a:r>
+            <a:r>
+              <a:rPr lang="hu-HU" dirty="0" smtClean="0"/>
+              <a:t>ődleges teendők</a:t>
+            </a:r>
+            <a:endParaRPr lang="en-US" dirty="0"/>
+          </a:p>
+        </p:txBody>
+      </p:sp>
+      <p:sp>
+        <p:nvSpPr>
+          <p:cNvPr id="8" name="Rectangle 7"/>
+          <p:cNvSpPr/>
+          <p:nvPr/>
+        </p:nvSpPr>
+        <p:spPr>
+          <a:xfrm>
+            <a:off x="6901688" y="1801368"/>
+            <a:ext cx="1740408" cy="1216152"/>
+          </a:xfrm>
+          <a:prstGeom prst="rect">
+            <a:avLst/>
+          </a:prstGeom>
+        </p:spPr>
+        <p:style>
+          <a:lnRef idx="2">
+            <a:schemeClr val="accent1">
+              <a:shade val="50000"/>
+            </a:schemeClr>
+          </a:lnRef>
+          <a:fillRef idx="1">
+            <a:schemeClr val="accent1"/>
+          </a:fillRef>
+          <a:effectRef idx="0">
+            <a:schemeClr val="accent1"/>
+          </a:effectRef>
+          <a:fontRef idx="minor">
+            <a:schemeClr val="lt1"/>
+          </a:fontRef>
+        </p:style>
+        <p:txBody>
+          <a:bodyPr rtlCol="0" anchor="ctr"/>
+          <a:lstStyle/>
+          <a:p>
+            <a:pPr algn="ctr"/>
+            <a:r>
+              <a:rPr lang="hu-HU" dirty="0" smtClean="0"/>
+              <a:t>Tanarok/partnerek oktatasa</a:t>
+            </a:r>
+            <a:endParaRPr lang="en-US" dirty="0"/>
+          </a:p>
+        </p:txBody>
+      </p:sp>
+      <p:sp>
+        <p:nvSpPr>
+          <p:cNvPr id="9" name="Rectangle 8"/>
+          <p:cNvSpPr/>
+          <p:nvPr/>
+        </p:nvSpPr>
+        <p:spPr>
+          <a:xfrm>
+            <a:off x="10210800" y="1801368"/>
+            <a:ext cx="1740408" cy="1216152"/>
+          </a:xfrm>
+          <a:prstGeom prst="rect">
+            <a:avLst/>
+          </a:prstGeom>
+        </p:spPr>
+        <p:style>
+          <a:lnRef idx="2">
+            <a:schemeClr val="accent1">
+              <a:shade val="50000"/>
+            </a:schemeClr>
+          </a:lnRef>
+          <a:fillRef idx="1">
+            <a:schemeClr val="accent1"/>
+          </a:fillRef>
+          <a:effectRef idx="0">
+            <a:schemeClr val="accent1"/>
+          </a:effectRef>
+          <a:fontRef idx="minor">
+            <a:schemeClr val="lt1"/>
+          </a:fontRef>
+        </p:style>
+        <p:txBody>
+          <a:bodyPr rtlCol="0" anchor="ctr"/>
+          <a:lstStyle/>
+          <a:p>
+            <a:pPr algn="ctr"/>
+            <a:r>
+              <a:rPr lang="hu-HU" dirty="0" smtClean="0"/>
+              <a:t>Frenchise</a:t>
+            </a:r>
+            <a:endParaRPr lang="en-US" dirty="0"/>
+          </a:p>
+        </p:txBody>
+      </p:sp>
+      <p:sp>
+        <p:nvSpPr>
+          <p:cNvPr id="10" name="TextBox 9"/>
+          <p:cNvSpPr txBox="1"/>
+          <p:nvPr/>
+        </p:nvSpPr>
+        <p:spPr>
+          <a:xfrm>
+            <a:off x="0" y="3547872"/>
+            <a:ext cx="2459736" cy="1754326"/>
+          </a:xfrm>
+          <a:prstGeom prst="rect">
+            <a:avLst/>
+          </a:prstGeom>
+          <a:noFill/>
+        </p:spPr>
+        <p:txBody>
+          <a:bodyPr wrap="square" rtlCol="0">
+            <a:spAutoFit/>
+          </a:bodyPr>
+          <a:lstStyle/>
+          <a:p>
+            <a:pPr marL="285750" indent="-285750">
+              <a:buFont typeface="Arial" panose="020B0604020202020204" pitchFamily="34" charset="0"/>
+              <a:buChar char="•"/>
+            </a:pPr>
+            <a:r>
+              <a:rPr lang="hu-HU" dirty="0" smtClean="0"/>
+              <a:t>Első év tananyag részletes kidolgozása</a:t>
+            </a:r>
+          </a:p>
+          <a:p>
+            <a:pPr marL="285750" indent="-285750">
+              <a:buFont typeface="Arial" panose="020B0604020202020204" pitchFamily="34" charset="0"/>
+              <a:buChar char="•"/>
+            </a:pPr>
+            <a:endParaRPr lang="hu-HU" dirty="0" smtClean="0"/>
+          </a:p>
+          <a:p>
+            <a:pPr marL="285750" indent="-285750">
+              <a:buFont typeface="Arial" panose="020B0604020202020204" pitchFamily="34" charset="0"/>
+              <a:buChar char="•"/>
+            </a:pPr>
+            <a:r>
+              <a:rPr lang="hu-HU" dirty="0" smtClean="0"/>
+              <a:t>Elkövetkező évek tananyagának megtervezése</a:t>
+            </a:r>
+            <a:endParaRPr lang="en-US" dirty="0"/>
+          </a:p>
+        </p:txBody>
+      </p:sp>
+      <p:sp>
+        <p:nvSpPr>
+          <p:cNvPr id="11" name="TextBox 10"/>
+          <p:cNvSpPr txBox="1"/>
+          <p:nvPr/>
+        </p:nvSpPr>
+        <p:spPr>
+          <a:xfrm>
+            <a:off x="3232912" y="3547872"/>
+            <a:ext cx="2459736" cy="2862322"/>
+          </a:xfrm>
+          <a:prstGeom prst="rect">
+            <a:avLst/>
+          </a:prstGeom>
+          <a:noFill/>
+        </p:spPr>
+        <p:txBody>
+          <a:bodyPr wrap="square" rtlCol="0">
+            <a:spAutoFit/>
+          </a:bodyPr>
+          <a:lstStyle/>
+          <a:p>
+            <a:pPr marL="285750" indent="-285750">
+              <a:buFont typeface="Arial" panose="020B0604020202020204" pitchFamily="34" charset="0"/>
+              <a:buChar char="•"/>
+            </a:pPr>
+            <a:r>
+              <a:rPr lang="hu-HU" dirty="0" smtClean="0"/>
+              <a:t>Brand kitalálása </a:t>
+            </a:r>
+          </a:p>
+          <a:p>
+            <a:pPr marL="285750" indent="-285750">
+              <a:buFont typeface="Arial" panose="020B0604020202020204" pitchFamily="34" charset="0"/>
+              <a:buChar char="•"/>
+            </a:pPr>
+            <a:endParaRPr lang="hu-HU" dirty="0" smtClean="0"/>
+          </a:p>
+          <a:p>
+            <a:pPr marL="285750" indent="-285750">
+              <a:buFont typeface="Arial" panose="020B0604020202020204" pitchFamily="34" charset="0"/>
+              <a:buChar char="•"/>
+            </a:pPr>
+            <a:r>
+              <a:rPr lang="hu-HU" dirty="0" smtClean="0"/>
+              <a:t>Honlap elkészítése</a:t>
+            </a:r>
+          </a:p>
+          <a:p>
+            <a:pPr marL="285750" indent="-285750">
+              <a:buFont typeface="Arial" panose="020B0604020202020204" pitchFamily="34" charset="0"/>
+              <a:buChar char="•"/>
+            </a:pPr>
+            <a:endParaRPr lang="hu-HU" dirty="0"/>
+          </a:p>
+          <a:p>
+            <a:pPr marL="285750" indent="-285750">
+              <a:buFont typeface="Arial" panose="020B0604020202020204" pitchFamily="34" charset="0"/>
+              <a:buChar char="•"/>
+            </a:pPr>
+            <a:r>
+              <a:rPr lang="hu-HU" dirty="0" smtClean="0"/>
+              <a:t>Webshop honlaphoz csatolása</a:t>
+            </a:r>
+          </a:p>
+          <a:p>
+            <a:pPr marL="285750" indent="-285750">
+              <a:buFont typeface="Arial" panose="020B0604020202020204" pitchFamily="34" charset="0"/>
+              <a:buChar char="•"/>
+            </a:pPr>
+            <a:endParaRPr lang="hu-HU" dirty="0"/>
+          </a:p>
+          <a:p>
+            <a:pPr marL="285750" indent="-285750">
+              <a:buFont typeface="Arial" panose="020B0604020202020204" pitchFamily="34" charset="0"/>
+              <a:buChar char="•"/>
+            </a:pPr>
+            <a:r>
+              <a:rPr lang="hu-HU" dirty="0" smtClean="0"/>
+              <a:t>Webshophoz kereskedelmi partnerek</a:t>
+            </a:r>
+            <a:endParaRPr lang="en-US" dirty="0"/>
+          </a:p>
+        </p:txBody>
+      </p:sp>
+      <p:sp>
+        <p:nvSpPr>
+          <p:cNvPr id="12" name="TextBox 11"/>
+          <p:cNvSpPr txBox="1"/>
+          <p:nvPr/>
+        </p:nvSpPr>
+        <p:spPr>
+          <a:xfrm>
+            <a:off x="6542024" y="3547872"/>
+            <a:ext cx="2459736" cy="2308324"/>
+          </a:xfrm>
+          <a:prstGeom prst="rect">
+            <a:avLst/>
+          </a:prstGeom>
+          <a:noFill/>
+        </p:spPr>
+        <p:txBody>
+          <a:bodyPr wrap="square" rtlCol="0">
+            <a:spAutoFit/>
+          </a:bodyPr>
+          <a:lstStyle/>
+          <a:p>
+            <a:pPr marL="285750" indent="-285750">
+              <a:buFont typeface="Arial" panose="020B0604020202020204" pitchFamily="34" charset="0"/>
+              <a:buChar char="•"/>
+            </a:pPr>
+            <a:r>
+              <a:rPr lang="hu-HU" dirty="0" smtClean="0"/>
+              <a:t>Tanárok oktatási tervének kidolgozása</a:t>
+            </a:r>
+          </a:p>
+          <a:p>
+            <a:pPr marL="285750" indent="-285750">
+              <a:buFont typeface="Arial" panose="020B0604020202020204" pitchFamily="34" charset="0"/>
+              <a:buChar char="•"/>
+            </a:pPr>
+            <a:endParaRPr lang="hu-HU" dirty="0" smtClean="0"/>
+          </a:p>
+          <a:p>
+            <a:pPr marL="285750" indent="-285750">
+              <a:buFont typeface="Arial" panose="020B0604020202020204" pitchFamily="34" charset="0"/>
+              <a:buChar char="•"/>
+            </a:pPr>
+            <a:r>
+              <a:rPr lang="hu-HU" dirty="0" smtClean="0"/>
+              <a:t>Iskolákkal kapcsolatfelvétel</a:t>
+            </a:r>
+          </a:p>
+          <a:p>
+            <a:pPr marL="285750" indent="-285750">
+              <a:buFont typeface="Arial" panose="020B0604020202020204" pitchFamily="34" charset="0"/>
+              <a:buChar char="•"/>
+            </a:pPr>
+            <a:endParaRPr lang="hu-HU" dirty="0"/>
+          </a:p>
+          <a:p>
+            <a:pPr marL="285750" indent="-285750">
+              <a:buFont typeface="Arial" panose="020B0604020202020204" pitchFamily="34" charset="0"/>
+              <a:buChar char="•"/>
+            </a:pPr>
+            <a:r>
+              <a:rPr lang="hu-HU" dirty="0" smtClean="0"/>
+              <a:t>Országot járni bemutatókkal</a:t>
+            </a:r>
+            <a:endParaRPr lang="en-US" dirty="0"/>
+          </a:p>
+        </p:txBody>
+      </p:sp>
+      <p:sp>
+        <p:nvSpPr>
+          <p:cNvPr id="13" name="TextBox 12"/>
+          <p:cNvSpPr txBox="1"/>
+          <p:nvPr/>
+        </p:nvSpPr>
+        <p:spPr>
+          <a:xfrm>
+            <a:off x="9732264" y="3547872"/>
+            <a:ext cx="2459736" cy="1754326"/>
+          </a:xfrm>
+          <a:prstGeom prst="rect">
+            <a:avLst/>
+          </a:prstGeom>
+          <a:noFill/>
+        </p:spPr>
+        <p:txBody>
+          <a:bodyPr wrap="square" rtlCol="0">
+            <a:spAutoFit/>
+          </a:bodyPr>
+          <a:lstStyle/>
+          <a:p>
+            <a:pPr marL="285750" indent="-285750">
+              <a:buFont typeface="Arial" panose="020B0604020202020204" pitchFamily="34" charset="0"/>
+              <a:buChar char="•"/>
+            </a:pPr>
+            <a:r>
+              <a:rPr lang="hu-HU" dirty="0" smtClean="0"/>
+              <a:t>Jogi dolgoknak utánjárni</a:t>
+            </a:r>
+          </a:p>
+          <a:p>
+            <a:pPr marL="285750" indent="-285750">
+              <a:buFont typeface="Arial" panose="020B0604020202020204" pitchFamily="34" charset="0"/>
+              <a:buChar char="•"/>
+            </a:pPr>
+            <a:endParaRPr lang="hu-HU" dirty="0"/>
+          </a:p>
+          <a:p>
+            <a:pPr marL="285750" indent="-285750">
+              <a:buFont typeface="Arial" panose="020B0604020202020204" pitchFamily="34" charset="0"/>
+              <a:buChar char="•"/>
+            </a:pPr>
+            <a:r>
+              <a:rPr lang="hu-HU" dirty="0" smtClean="0"/>
+              <a:t>Kideríteni milyen cégformában érdemes működni</a:t>
+            </a:r>
+            <a:endParaRPr lang="en-US" dirty="0"/>
+          </a:p>
+        </p:txBody>
+      </p:sp>
+    </p:spTree>
+    <p:extLst>
+      <p:ext uri="{BB962C8B-B14F-4D97-AF65-F5344CB8AC3E}">
+        <p14:creationId xmlns:p14="http://schemas.microsoft.com/office/powerpoint/2010/main" val="2330944914"/>
+      </p:ext>
+    </p:extLst>
+  </p:cSld>
+  <p:clrMapOvr>
+    <a:masterClrMapping/>
+  </p:clrMapOvr>
+</p:sld>
+</file>
+
+<file path=ppt/slides/slide2.xml><?xml version="1.0" encoding="utf-8"?>
+<p:sld xmlns:a="http://schemas.openxmlformats.org/drawingml/2006/main" xmlns:r="http://schemas.openxmlformats.org/officeDocument/2006/relationships" xmlns:p="http://schemas.openxmlformats.org/presentationml/2006/main">
+  <p:cSld>
+    <p:spTree>
+      <p:nvGrpSpPr>
+        <p:cNvPr id="1" name=""/>
+        <p:cNvGrpSpPr/>
+        <p:nvPr/>
+      </p:nvGrpSpPr>
+      <p:grpSpPr>
+        <a:xfrm>
+          <a:off x="0" y="0"/>
+          <a:ext cx="0" cy="0"/>
+          <a:chOff x="0" y="0"/>
+          <a:chExt cx="0" cy="0"/>
+        </a:xfrm>
+      </p:grpSpPr>
+      <p:sp>
+        <p:nvSpPr>
+          <p:cNvPr id="4" name="Rectangle 3"/>
+          <p:cNvSpPr/>
+          <p:nvPr/>
+        </p:nvSpPr>
+        <p:spPr>
+          <a:xfrm>
+            <a:off x="85344" y="6488668"/>
+            <a:ext cx="9305544" cy="369332"/>
+          </a:xfrm>
+          <a:prstGeom prst="rect">
+            <a:avLst/>
+          </a:prstGeom>
+        </p:spPr>
+        <p:txBody>
+          <a:bodyPr wrap="square">
+            <a:spAutoFit/>
+          </a:bodyPr>
+          <a:lstStyle/>
+          <a:p>
+            <a:r>
+              <a:rPr lang="en-US" dirty="0"/>
+              <a:t>https://www.besthrcertification.org/docs/the-4th-industrial-revolution-the-future-of-Jobs.pdf</a:t>
+            </a:r>
+          </a:p>
+        </p:txBody>
+      </p:sp>
+      <p:pic>
+        <p:nvPicPr>
+          <p:cNvPr id="1026" name="Picture 2" descr="Effect on Modern Agriculture - Influential Agricultural Inventions from the Industrial  Revolution"/>
+          <p:cNvPicPr>
+            <a:picLocks noChangeAspect="1" noChangeArrowheads="1"/>
+          </p:cNvPicPr>
+          <p:nvPr/>
+        </p:nvPicPr>
+        <p:blipFill>
+          <a:blip r:embed="rId2">
+            <a:extLst>
+              <a:ext uri="{28A0092B-C50C-407E-A947-70E740481C1C}">
+                <a14:useLocalDpi xmlns:a14="http://schemas.microsoft.com/office/drawing/2010/main" val="0"/>
+              </a:ext>
+            </a:extLst>
+          </a:blip>
+          <a:srcRect/>
+          <a:stretch>
+            <a:fillRect/>
+          </a:stretch>
+        </p:blipFill>
+        <p:spPr bwMode="auto">
+          <a:xfrm>
+            <a:off x="6007735" y="1499298"/>
+            <a:ext cx="5848350" cy="3914776"/>
+          </a:xfrm>
+          <a:prstGeom prst="rect">
+            <a:avLst/>
+          </a:prstGeom>
+          <a:noFill/>
+          <a:extLst>
+            <a:ext uri="{909E8E84-426E-40DD-AFC4-6F175D3DCCD1}">
+              <a14:hiddenFill xmlns:a14="http://schemas.microsoft.com/office/drawing/2010/main">
+                <a:solidFill>
+                  <a:srgbClr val="FFFFFF"/>
+                </a:solidFill>
+              </a14:hiddenFill>
+            </a:ext>
+          </a:extLst>
+        </p:spPr>
+      </p:pic>
+      <p:pic>
+        <p:nvPicPr>
+          <p:cNvPr id="1028" name="Picture 4" descr="Three men harvesting grain with scythes. The men appear to be in period costume and are likely re-enacting harvesting methods of the first half of the 18th century. Buildings are in the background."/>
+          <p:cNvPicPr>
+            <a:picLocks noChangeAspect="1" noChangeArrowheads="1"/>
+          </p:cNvPicPr>
+          <p:nvPr/>
+        </p:nvPicPr>
+        <p:blipFill>
+          <a:blip r:embed="rId3">
+            <a:extLst>
+              <a:ext uri="{28A0092B-C50C-407E-A947-70E740481C1C}">
+                <a14:useLocalDpi xmlns:a14="http://schemas.microsoft.com/office/drawing/2010/main" val="0"/>
+              </a:ext>
+            </a:extLst>
+          </a:blip>
+          <a:srcRect/>
+          <a:stretch>
+            <a:fillRect/>
+          </a:stretch>
+        </p:blipFill>
+        <p:spPr bwMode="auto">
+          <a:xfrm>
+            <a:off x="183007" y="1180210"/>
+            <a:ext cx="5715000" cy="4552951"/>
+          </a:xfrm>
+          <a:prstGeom prst="rect">
+            <a:avLst/>
+          </a:prstGeom>
+          <a:noFill/>
+          <a:extLst>
+            <a:ext uri="{909E8E84-426E-40DD-AFC4-6F175D3DCCD1}">
+              <a14:hiddenFill xmlns:a14="http://schemas.microsoft.com/office/drawing/2010/main">
+                <a:solidFill>
+                  <a:srgbClr val="FFFFFF"/>
+                </a:solidFill>
+              </a14:hiddenFill>
+            </a:ext>
+          </a:extLst>
+        </p:spPr>
+      </p:pic>
+    </p:spTree>
+    <p:extLst>
+      <p:ext uri="{BB962C8B-B14F-4D97-AF65-F5344CB8AC3E}">
+        <p14:creationId xmlns:p14="http://schemas.microsoft.com/office/powerpoint/2010/main" val="2448917306"/>
+      </p:ext>
+    </p:extLst>
+  </p:cSld>
+  <p:clrMapOvr>
+    <a:masterClrMapping/>
+  </p:clrMapOvr>
+</p:sld>
+</file>
+
+<file path=ppt/slides/slide3.xml><?xml version="1.0" encoding="utf-8"?>
+<p:sld xmlns:a="http://schemas.openxmlformats.org/drawingml/2006/main" xmlns:r="http://schemas.openxmlformats.org/officeDocument/2006/relationships" xmlns:p="http://schemas.openxmlformats.org/presentationml/2006/main">
+  <p:cSld>
+    <p:spTree>
+      <p:nvGrpSpPr>
+        <p:cNvPr id="1" name=""/>
+        <p:cNvGrpSpPr/>
+        <p:nvPr/>
+      </p:nvGrpSpPr>
+      <p:grpSpPr>
+        <a:xfrm>
+          <a:off x="0" y="0"/>
+          <a:ext cx="0" cy="0"/>
+          <a:chOff x="0" y="0"/>
+          <a:chExt cx="0" cy="0"/>
+        </a:xfrm>
+      </p:grpSpPr>
+      <p:sp>
+        <p:nvSpPr>
+          <p:cNvPr id="2" name="Title 1"/>
+          <p:cNvSpPr>
+            <a:spLocks noGrp="1"/>
+          </p:cNvSpPr>
+          <p:nvPr>
+            <p:ph type="title"/>
+          </p:nvPr>
+        </p:nvSpPr>
+        <p:spPr>
+          <a:xfrm>
+            <a:off x="0" y="0"/>
+            <a:ext cx="10515600" cy="1325563"/>
+          </a:xfrm>
+        </p:spPr>
+        <p:txBody>
+          <a:bodyPr/>
+          <a:lstStyle/>
+          <a:p>
+            <a:r>
+              <a:rPr lang="en-US" dirty="0" err="1" smtClean="0"/>
+              <a:t>Neg</a:t>
+            </a:r>
+            <a:r>
+              <a:rPr lang="hu-HU" dirty="0" smtClean="0"/>
+              <a:t>yedik Ipari Forradalom</a:t>
+            </a:r>
+            <a:endParaRPr lang="en-US" dirty="0"/>
+          </a:p>
+        </p:txBody>
+      </p:sp>
+      <p:sp>
+        <p:nvSpPr>
+          <p:cNvPr id="4" name="Rectangle 3"/>
+          <p:cNvSpPr/>
+          <p:nvPr/>
+        </p:nvSpPr>
+        <p:spPr>
+          <a:xfrm>
+            <a:off x="2234184" y="1121587"/>
+            <a:ext cx="8427720" cy="646331"/>
+          </a:xfrm>
+          <a:prstGeom prst="rect">
+            <a:avLst/>
+          </a:prstGeom>
+        </p:spPr>
+        <p:txBody>
+          <a:bodyPr wrap="square">
+            <a:spAutoFit/>
+          </a:bodyPr>
+          <a:lstStyle/>
+          <a:p>
+            <a:r>
+              <a:rPr lang="hu-HU" dirty="0" smtClean="0"/>
+              <a:t>Mechanizmus amit számítógépes algoritmusok vezérelnek és ellenőríznek szorosan egybeolvadva az internettel és annak felhasználóival</a:t>
+            </a:r>
+            <a:endParaRPr lang="en-US" dirty="0"/>
+          </a:p>
+        </p:txBody>
+      </p:sp>
+      <p:pic>
+        <p:nvPicPr>
+          <p:cNvPr id="2050" name="Picture 2" descr="How Close are we to Autonomous Cars? | IDTechEx Research Article"/>
+          <p:cNvPicPr>
+            <a:picLocks noChangeAspect="1" noChangeArrowheads="1"/>
+          </p:cNvPicPr>
+          <p:nvPr/>
+        </p:nvPicPr>
+        <p:blipFill>
+          <a:blip r:embed="rId2">
+            <a:extLst>
+              <a:ext uri="{28A0092B-C50C-407E-A947-70E740481C1C}">
+                <a14:useLocalDpi xmlns:a14="http://schemas.microsoft.com/office/drawing/2010/main" val="0"/>
+              </a:ext>
+            </a:extLst>
+          </a:blip>
+          <a:srcRect/>
+          <a:stretch>
+            <a:fillRect/>
+          </a:stretch>
+        </p:blipFill>
+        <p:spPr bwMode="auto">
+          <a:xfrm>
+            <a:off x="182879" y="2793397"/>
+            <a:ext cx="3834511" cy="2875883"/>
+          </a:xfrm>
+          <a:prstGeom prst="rect">
+            <a:avLst/>
+          </a:prstGeom>
+          <a:noFill/>
+          <a:extLst>
+            <a:ext uri="{909E8E84-426E-40DD-AFC4-6F175D3DCCD1}">
+              <a14:hiddenFill xmlns:a14="http://schemas.microsoft.com/office/drawing/2010/main">
+                <a:solidFill>
+                  <a:srgbClr val="FFFFFF"/>
+                </a:solidFill>
+              </a14:hiddenFill>
+            </a:ext>
+          </a:extLst>
+        </p:spPr>
+      </p:pic>
+      <p:pic>
+        <p:nvPicPr>
+          <p:cNvPr id="2052" name="Picture 4" descr="The Three Types of Artificial Intelligence: Understanding AI"/>
+          <p:cNvPicPr>
+            <a:picLocks noChangeAspect="1" noChangeArrowheads="1"/>
+          </p:cNvPicPr>
+          <p:nvPr/>
+        </p:nvPicPr>
+        <p:blipFill>
+          <a:blip r:embed="rId3">
+            <a:extLst>
+              <a:ext uri="{28A0092B-C50C-407E-A947-70E740481C1C}">
+                <a14:useLocalDpi xmlns:a14="http://schemas.microsoft.com/office/drawing/2010/main" val="0"/>
+              </a:ext>
+            </a:extLst>
+          </a:blip>
+          <a:srcRect/>
+          <a:stretch>
+            <a:fillRect/>
+          </a:stretch>
+        </p:blipFill>
+        <p:spPr bwMode="auto">
+          <a:xfrm>
+            <a:off x="3887786" y="1788104"/>
+            <a:ext cx="4343527" cy="2443234"/>
+          </a:xfrm>
+          <a:prstGeom prst="rect">
+            <a:avLst/>
+          </a:prstGeom>
+          <a:noFill/>
+          <a:extLst>
+            <a:ext uri="{909E8E84-426E-40DD-AFC4-6F175D3DCCD1}">
+              <a14:hiddenFill xmlns:a14="http://schemas.microsoft.com/office/drawing/2010/main">
+                <a:solidFill>
+                  <a:srgbClr val="FFFFFF"/>
+                </a:solidFill>
+              </a14:hiddenFill>
+            </a:ext>
+          </a:extLst>
+        </p:spPr>
+      </p:pic>
+      <p:pic>
+        <p:nvPicPr>
+          <p:cNvPr id="2054" name="Picture 6" descr="3D Printing Revolutionizing Medtech - Pegus Digital"/>
+          <p:cNvPicPr>
+            <a:picLocks noChangeAspect="1" noChangeArrowheads="1"/>
+          </p:cNvPicPr>
+          <p:nvPr/>
+        </p:nvPicPr>
+        <p:blipFill>
+          <a:blip r:embed="rId4" cstate="print">
+            <a:extLst>
+              <a:ext uri="{28A0092B-C50C-407E-A947-70E740481C1C}">
+                <a14:useLocalDpi xmlns:a14="http://schemas.microsoft.com/office/drawing/2010/main" val="0"/>
+              </a:ext>
+            </a:extLst>
+          </a:blip>
+          <a:srcRect/>
+          <a:stretch>
+            <a:fillRect/>
+          </a:stretch>
+        </p:blipFill>
+        <p:spPr bwMode="auto">
+          <a:xfrm>
+            <a:off x="7982712" y="3195144"/>
+            <a:ext cx="4029582" cy="2687700"/>
+          </a:xfrm>
+          <a:prstGeom prst="rect">
+            <a:avLst/>
+          </a:prstGeom>
+          <a:noFill/>
+          <a:extLst>
+            <a:ext uri="{909E8E84-426E-40DD-AFC4-6F175D3DCCD1}">
+              <a14:hiddenFill xmlns:a14="http://schemas.microsoft.com/office/drawing/2010/main">
+                <a:solidFill>
+                  <a:srgbClr val="FFFFFF"/>
+                </a:solidFill>
+              </a14:hiddenFill>
+            </a:ext>
+          </a:extLst>
+        </p:spPr>
+      </p:pic>
+      <p:pic>
+        <p:nvPicPr>
+          <p:cNvPr id="2056" name="Picture 8" descr="Internet of Things 101 – IoT Device Authentication Explained"/>
+          <p:cNvPicPr>
+            <a:picLocks noChangeAspect="1" noChangeArrowheads="1"/>
+          </p:cNvPicPr>
+          <p:nvPr/>
+        </p:nvPicPr>
+        <p:blipFill>
+          <a:blip r:embed="rId5">
+            <a:extLst>
+              <a:ext uri="{28A0092B-C50C-407E-A947-70E740481C1C}">
+                <a14:useLocalDpi xmlns:a14="http://schemas.microsoft.com/office/drawing/2010/main" val="0"/>
+              </a:ext>
+            </a:extLst>
+          </a:blip>
+          <a:srcRect/>
+          <a:stretch>
+            <a:fillRect/>
+          </a:stretch>
+        </p:blipFill>
+        <p:spPr bwMode="auto">
+          <a:xfrm>
+            <a:off x="3451860" y="4253961"/>
+            <a:ext cx="5096383" cy="2548192"/>
+          </a:xfrm>
+          <a:prstGeom prst="rect">
+            <a:avLst/>
+          </a:prstGeom>
+          <a:noFill/>
+          <a:extLst>
+            <a:ext uri="{909E8E84-426E-40DD-AFC4-6F175D3DCCD1}">
+              <a14:hiddenFill xmlns:a14="http://schemas.microsoft.com/office/drawing/2010/main">
+                <a:solidFill>
+                  <a:srgbClr val="FFFFFF"/>
+                </a:solidFill>
+              </a14:hiddenFill>
+            </a:ext>
+          </a:extLst>
+        </p:spPr>
+      </p:pic>
+    </p:spTree>
+    <p:extLst>
+      <p:ext uri="{BB962C8B-B14F-4D97-AF65-F5344CB8AC3E}">
+        <p14:creationId xmlns:p14="http://schemas.microsoft.com/office/powerpoint/2010/main" val="254814702"/>
+      </p:ext>
+    </p:extLst>
+  </p:cSld>
+  <p:clrMapOvr>
+    <a:masterClrMapping/>
+  </p:clrMapOvr>
+</p:sld>
+</file>
+
+<file path=ppt/slides/slide4.xml><?xml version="1.0" encoding="utf-8"?>
+<p:sld xmlns:a="http://schemas.openxmlformats.org/drawingml/2006/main" xmlns:r="http://schemas.openxmlformats.org/officeDocument/2006/relationships" xmlns:p="http://schemas.openxmlformats.org/presentationml/2006/main">
+  <p:cSld>
+    <p:spTree>
+      <p:nvGrpSpPr>
+        <p:cNvPr id="1" name=""/>
+        <p:cNvGrpSpPr/>
+        <p:nvPr/>
+      </p:nvGrpSpPr>
+      <p:grpSpPr>
+        <a:xfrm>
+          <a:off x="0" y="0"/>
+          <a:ext cx="0" cy="0"/>
+          <a:chOff x="0" y="0"/>
+          <a:chExt cx="0" cy="0"/>
+        </a:xfrm>
+      </p:grpSpPr>
+      <p:sp>
+        <p:nvSpPr>
+          <p:cNvPr id="2" name="Title 1"/>
+          <p:cNvSpPr>
+            <a:spLocks noGrp="1"/>
+          </p:cNvSpPr>
+          <p:nvPr>
+            <p:ph type="title"/>
+          </p:nvPr>
+        </p:nvSpPr>
+        <p:spPr>
+          <a:xfrm>
+            <a:off x="0" y="0"/>
+            <a:ext cx="10515600" cy="1325563"/>
+          </a:xfrm>
+        </p:spPr>
+        <p:txBody>
+          <a:bodyPr/>
+          <a:lstStyle/>
+          <a:p>
+            <a:r>
+              <a:rPr lang="en-US" dirty="0" err="1" smtClean="0"/>
+              <a:t>Neg</a:t>
+            </a:r>
+            <a:r>
+              <a:rPr lang="hu-HU" dirty="0" smtClean="0"/>
+              <a:t>yedik Ipari Forradalom</a:t>
+            </a:r>
+            <a:endParaRPr lang="en-US" dirty="0"/>
+          </a:p>
+        </p:txBody>
+      </p:sp>
+      <p:sp>
+        <p:nvSpPr>
+          <p:cNvPr id="4" name="Rectangle 3"/>
+          <p:cNvSpPr/>
+          <p:nvPr/>
+        </p:nvSpPr>
+        <p:spPr>
+          <a:xfrm>
+            <a:off x="2234184" y="1121587"/>
+            <a:ext cx="8427720" cy="646331"/>
+          </a:xfrm>
+          <a:prstGeom prst="rect">
+            <a:avLst/>
+          </a:prstGeom>
+        </p:spPr>
+        <p:txBody>
+          <a:bodyPr wrap="square">
+            <a:spAutoFit/>
+          </a:bodyPr>
+          <a:lstStyle/>
+          <a:p>
+            <a:r>
+              <a:rPr lang="hu-HU" dirty="0" smtClean="0"/>
+              <a:t>Mechanizmus amit számítógépes algoritmusok vezérelnek és ellenőríznek szorosan egybeolvadva az internettel és annak felhasználóival</a:t>
+            </a:r>
+            <a:endParaRPr lang="en-US" dirty="0"/>
+          </a:p>
+        </p:txBody>
+      </p:sp>
+      <p:sp>
+        <p:nvSpPr>
+          <p:cNvPr id="3" name="TextBox 2"/>
+          <p:cNvSpPr txBox="1"/>
+          <p:nvPr/>
+        </p:nvSpPr>
+        <p:spPr>
+          <a:xfrm>
+            <a:off x="2234184" y="2058508"/>
+            <a:ext cx="7577139" cy="830997"/>
+          </a:xfrm>
+          <a:prstGeom prst="rect">
+            <a:avLst/>
+          </a:prstGeom>
+          <a:solidFill>
+            <a:schemeClr val="accent5">
+              <a:alpha val="50000"/>
+            </a:schemeClr>
+          </a:solidFill>
+          <a:ln>
+            <a:noFill/>
+          </a:ln>
+        </p:spPr>
+        <p:style>
+          <a:lnRef idx="0">
+            <a:scrgbClr r="0" g="0" b="0"/>
+          </a:lnRef>
+          <a:fillRef idx="0">
+            <a:scrgbClr r="0" g="0" b="0"/>
+          </a:fillRef>
+          <a:effectRef idx="0">
+            <a:scrgbClr r="0" g="0" b="0"/>
+          </a:effectRef>
+          <a:fontRef idx="minor">
+            <a:schemeClr val="lt1"/>
+          </a:fontRef>
+        </p:style>
+        <p:txBody>
+          <a:bodyPr wrap="none" rtlCol="0">
+            <a:spAutoFit/>
+          </a:bodyPr>
+          <a:lstStyle/>
+          <a:p>
+            <a:r>
+              <a:rPr lang="en-US" sz="4800" dirty="0" err="1" smtClean="0"/>
+              <a:t>Hogy</a:t>
+            </a:r>
+            <a:r>
+              <a:rPr lang="en-US" sz="4800" dirty="0" smtClean="0"/>
+              <a:t> </a:t>
+            </a:r>
+            <a:r>
+              <a:rPr lang="en-US" sz="4800" dirty="0" err="1" smtClean="0"/>
+              <a:t>tudunk</a:t>
+            </a:r>
+            <a:r>
+              <a:rPr lang="en-US" sz="4800" dirty="0" smtClean="0"/>
+              <a:t> </a:t>
+            </a:r>
+            <a:r>
+              <a:rPr lang="hu-HU" sz="4800" dirty="0" smtClean="0"/>
+              <a:t>erre felkészülni?</a:t>
+            </a:r>
+            <a:endParaRPr lang="en-US" sz="4800" dirty="0"/>
+          </a:p>
+        </p:txBody>
+      </p:sp>
+      <p:sp>
+        <p:nvSpPr>
+          <p:cNvPr id="5" name="Rectangle 4"/>
+          <p:cNvSpPr/>
+          <p:nvPr/>
+        </p:nvSpPr>
+        <p:spPr>
+          <a:xfrm>
+            <a:off x="265176" y="6379387"/>
+            <a:ext cx="10744200" cy="369332"/>
+          </a:xfrm>
+          <a:prstGeom prst="rect">
+            <a:avLst/>
+          </a:prstGeom>
+        </p:spPr>
+        <p:txBody>
+          <a:bodyPr wrap="square">
+            <a:spAutoFit/>
+          </a:bodyPr>
+          <a:lstStyle/>
+          <a:p>
+            <a:r>
+              <a:rPr lang="en-US" dirty="0"/>
+              <a:t>https://www.portfolio.hu/gazdasag/20201217/milyen-oktatasra-van-szuksege-gyermekeinknek-461720</a:t>
+            </a:r>
+          </a:p>
+        </p:txBody>
+      </p:sp>
+      <p:sp>
+        <p:nvSpPr>
+          <p:cNvPr id="6" name="Rectangle 5"/>
+          <p:cNvSpPr/>
+          <p:nvPr/>
+        </p:nvSpPr>
+        <p:spPr>
+          <a:xfrm>
+            <a:off x="2691383" y="3384284"/>
+            <a:ext cx="8089392" cy="2862322"/>
+          </a:xfrm>
+          <a:prstGeom prst="rect">
+            <a:avLst/>
+          </a:prstGeom>
+        </p:spPr>
+        <p:txBody>
+          <a:bodyPr wrap="square">
+            <a:spAutoFit/>
+          </a:bodyPr>
+          <a:lstStyle/>
+          <a:p>
+            <a:pPr algn="ctr"/>
+            <a:r>
+              <a:rPr lang="hu-HU" b="1" dirty="0">
+                <a:solidFill>
+                  <a:srgbClr val="1A2521"/>
+                </a:solidFill>
+                <a:latin typeface="Roboto"/>
+              </a:rPr>
+              <a:t>Ha jót akarunk gyerekeinknek nem azt az oktatást igyekszünk biztosítani a számukra, ami megalapozta saját mai műveltségünket, hanem olyat, ami felkészíti őket arra a világra, amiben majd húsz-harminc év múlva élniük kell</a:t>
+            </a:r>
+            <a:r>
+              <a:rPr lang="hu-HU" b="1" dirty="0" smtClean="0">
+                <a:solidFill>
+                  <a:srgbClr val="1A2521"/>
+                </a:solidFill>
+                <a:latin typeface="Roboto"/>
+              </a:rPr>
+              <a:t>. </a:t>
+            </a:r>
+          </a:p>
+          <a:p>
+            <a:pPr algn="ctr"/>
+            <a:r>
+              <a:rPr lang="hu-HU" b="1" dirty="0" smtClean="0">
+                <a:solidFill>
+                  <a:srgbClr val="1A2521"/>
+                </a:solidFill>
+                <a:latin typeface="Roboto"/>
+              </a:rPr>
+              <a:t>...</a:t>
+            </a:r>
+          </a:p>
+          <a:p>
+            <a:pPr algn="ctr"/>
+            <a:r>
+              <a:rPr lang="hu-HU" b="1" dirty="0" smtClean="0"/>
+              <a:t>A gyerekeknek fel </a:t>
+            </a:r>
+            <a:r>
+              <a:rPr lang="hu-HU" b="1" dirty="0"/>
+              <a:t>kell készülniük adatok és információk elemzésére, online kommunikációra és együttműködésre, digitális tartalmak előállítására, digitális biztonság megtartására és személyes adataik védelmére, megbízható és megbízhatatlan források közötti különbségtételre, digitális problémamegoldásra, az online jelenlét etikai szabályainak ismeretére, és még rengeteg más dologra.</a:t>
+            </a:r>
+            <a:endParaRPr lang="en-US" dirty="0"/>
+          </a:p>
+        </p:txBody>
+      </p:sp>
+      <p:sp>
+        <p:nvSpPr>
+          <p:cNvPr id="7" name="TextBox 6"/>
+          <p:cNvSpPr txBox="1"/>
+          <p:nvPr/>
+        </p:nvSpPr>
+        <p:spPr>
+          <a:xfrm>
+            <a:off x="216576" y="3272260"/>
+            <a:ext cx="2151551" cy="523220"/>
+          </a:xfrm>
+          <a:prstGeom prst="rect">
+            <a:avLst/>
+          </a:prstGeom>
+          <a:noFill/>
+        </p:spPr>
+        <p:txBody>
+          <a:bodyPr wrap="none" rtlCol="0">
+            <a:spAutoFit/>
+          </a:bodyPr>
+          <a:lstStyle/>
+          <a:p>
+            <a:r>
+              <a:rPr lang="hu-HU" sz="2800" b="1" dirty="0" smtClean="0"/>
+              <a:t>Portfolio cikk</a:t>
+            </a:r>
+            <a:endParaRPr lang="en-US" sz="2800" b="1" dirty="0"/>
+          </a:p>
+        </p:txBody>
+      </p:sp>
+    </p:spTree>
+    <p:extLst>
+      <p:ext uri="{BB962C8B-B14F-4D97-AF65-F5344CB8AC3E}">
+        <p14:creationId xmlns:p14="http://schemas.microsoft.com/office/powerpoint/2010/main" val="1191742392"/>
+      </p:ext>
+    </p:extLst>
+  </p:cSld>
+  <p:clrMapOvr>
+    <a:masterClrMapping/>
+  </p:clrMapOvr>
+</p:sld>
+</file>
+
+<file path=ppt/slides/slide5.xml><?xml version="1.0" encoding="utf-8"?>
+<p:sld xmlns:a="http://schemas.openxmlformats.org/drawingml/2006/main" xmlns:r="http://schemas.openxmlformats.org/officeDocument/2006/relationships" xmlns:p="http://schemas.openxmlformats.org/presentationml/2006/main">
+  <p:cSld>
+    <p:spTree>
+      <p:nvGrpSpPr>
+        <p:cNvPr id="1" name=""/>
+        <p:cNvGrpSpPr/>
+        <p:nvPr/>
+      </p:nvGrpSpPr>
+      <p:grpSpPr>
+        <a:xfrm>
+          <a:off x="0" y="0"/>
+          <a:ext cx="0" cy="0"/>
+          <a:chOff x="0" y="0"/>
+          <a:chExt cx="0" cy="0"/>
+        </a:xfrm>
+      </p:grpSpPr>
+      <p:sp>
+        <p:nvSpPr>
+          <p:cNvPr id="2" name="Title 1"/>
+          <p:cNvSpPr>
+            <a:spLocks noGrp="1"/>
+          </p:cNvSpPr>
+          <p:nvPr>
+            <p:ph type="title"/>
+          </p:nvPr>
+        </p:nvSpPr>
+        <p:spPr>
+          <a:xfrm>
+            <a:off x="0" y="0"/>
+            <a:ext cx="10515600" cy="1325563"/>
+          </a:xfrm>
+        </p:spPr>
+        <p:txBody>
+          <a:bodyPr/>
+          <a:lstStyle/>
+          <a:p>
+            <a:r>
+              <a:rPr lang="hu-HU" dirty="0" smtClean="0"/>
+              <a:t>Digital making</a:t>
+            </a:r>
+            <a:endParaRPr lang="en-US" dirty="0"/>
+          </a:p>
+        </p:txBody>
+      </p:sp>
+      <p:sp>
+        <p:nvSpPr>
+          <p:cNvPr id="4" name="Rectangle 3"/>
+          <p:cNvSpPr/>
+          <p:nvPr/>
+        </p:nvSpPr>
+        <p:spPr>
+          <a:xfrm>
+            <a:off x="182880" y="1109764"/>
+            <a:ext cx="11503152" cy="646331"/>
+          </a:xfrm>
+          <a:prstGeom prst="rect">
+            <a:avLst/>
+          </a:prstGeom>
+        </p:spPr>
+        <p:txBody>
+          <a:bodyPr wrap="square">
+            <a:spAutoFit/>
+          </a:bodyPr>
+          <a:lstStyle/>
+          <a:p>
+            <a:pPr algn="ctr"/>
+            <a:r>
+              <a:rPr lang="en-US" dirty="0">
+                <a:solidFill>
+                  <a:srgbClr val="3A343A"/>
+                </a:solidFill>
+                <a:latin typeface="Europa"/>
+              </a:rPr>
+              <a:t>Digital making, or creating using digital technology, allows learners to mix their technical and creative skills while exploring new ways of bringing computer science to life in the real world.</a:t>
+            </a:r>
+            <a:endParaRPr lang="en-US" dirty="0"/>
+          </a:p>
+        </p:txBody>
+      </p:sp>
+      <p:sp>
+        <p:nvSpPr>
+          <p:cNvPr id="8" name="TextBox 7"/>
+          <p:cNvSpPr txBox="1"/>
+          <p:nvPr/>
+        </p:nvSpPr>
+        <p:spPr>
+          <a:xfrm>
+            <a:off x="4306006" y="2231136"/>
+            <a:ext cx="1056443" cy="369332"/>
+          </a:xfrm>
+          <a:prstGeom prst="rect">
+            <a:avLst/>
+          </a:prstGeom>
+          <a:noFill/>
+        </p:spPr>
+        <p:txBody>
+          <a:bodyPr wrap="none" rtlCol="0">
+            <a:spAutoFit/>
+          </a:bodyPr>
+          <a:lstStyle/>
+          <a:p>
+            <a:r>
+              <a:rPr lang="en-US" dirty="0" smtClean="0">
+                <a:solidFill>
+                  <a:schemeClr val="bg1"/>
+                </a:solidFill>
+              </a:rPr>
+              <a:t>Oximeter</a:t>
+            </a:r>
+            <a:endParaRPr lang="en-US" dirty="0">
+              <a:solidFill>
+                <a:schemeClr val="bg1"/>
+              </a:solidFill>
+            </a:endParaRPr>
+          </a:p>
+        </p:txBody>
+      </p:sp>
+      <p:grpSp>
+        <p:nvGrpSpPr>
+          <p:cNvPr id="10" name="Group 9"/>
+          <p:cNvGrpSpPr/>
+          <p:nvPr/>
+        </p:nvGrpSpPr>
+        <p:grpSpPr>
+          <a:xfrm>
+            <a:off x="182880" y="1947427"/>
+            <a:ext cx="5101336" cy="2761013"/>
+            <a:chOff x="182880" y="1947427"/>
+            <a:chExt cx="5101336" cy="2761013"/>
+          </a:xfrm>
+        </p:grpSpPr>
+        <p:pic>
+          <p:nvPicPr>
+            <p:cNvPr id="3076" name="Picture 4" descr="Wearables Become Desirables - Konstantinfo"/>
+            <p:cNvPicPr>
+              <a:picLocks noChangeAspect="1" noChangeArrowheads="1"/>
+            </p:cNvPicPr>
+            <p:nvPr/>
+          </p:nvPicPr>
+          <p:blipFill>
+            <a:blip r:embed="rId2">
+              <a:extLst>
+                <a:ext uri="{28A0092B-C50C-407E-A947-70E740481C1C}">
+                  <a14:useLocalDpi xmlns:a14="http://schemas.microsoft.com/office/drawing/2010/main" val="0"/>
+                </a:ext>
+              </a:extLst>
+            </a:blip>
+            <a:srcRect/>
+            <a:stretch>
+              <a:fillRect/>
+            </a:stretch>
+          </p:blipFill>
+          <p:spPr bwMode="auto">
+            <a:xfrm>
+              <a:off x="182880" y="1947427"/>
+              <a:ext cx="5101336" cy="2265608"/>
+            </a:xfrm>
+            <a:prstGeom prst="rect">
+              <a:avLst/>
+            </a:prstGeom>
+            <a:noFill/>
+            <a:extLst>
+              <a:ext uri="{909E8E84-426E-40DD-AFC4-6F175D3DCCD1}">
+                <a14:hiddenFill xmlns:a14="http://schemas.microsoft.com/office/drawing/2010/main">
+                  <a:solidFill>
+                    <a:srgbClr val="FFFFFF"/>
+                  </a:solidFill>
+                </a14:hiddenFill>
+              </a:ext>
+            </a:extLst>
+          </p:spPr>
+        </p:pic>
+        <p:sp>
+          <p:nvSpPr>
+            <p:cNvPr id="9" name="TextBox 8"/>
+            <p:cNvSpPr txBox="1"/>
+            <p:nvPr/>
+          </p:nvSpPr>
+          <p:spPr>
+            <a:xfrm>
+              <a:off x="1951958" y="4339108"/>
+              <a:ext cx="1173335" cy="369332"/>
+            </a:xfrm>
+            <a:prstGeom prst="rect">
+              <a:avLst/>
+            </a:prstGeom>
+            <a:noFill/>
+          </p:spPr>
+          <p:txBody>
+            <a:bodyPr wrap="none" rtlCol="0">
+              <a:spAutoFit/>
+            </a:bodyPr>
+            <a:lstStyle/>
+            <a:p>
+              <a:r>
+                <a:rPr lang="en-US" dirty="0" smtClean="0"/>
+                <a:t>Wearables</a:t>
+              </a:r>
+              <a:endParaRPr lang="en-US" dirty="0"/>
+            </a:p>
+          </p:txBody>
+        </p:sp>
+      </p:grpSp>
+      <p:grpSp>
+        <p:nvGrpSpPr>
+          <p:cNvPr id="11" name="Group 10"/>
+          <p:cNvGrpSpPr/>
+          <p:nvPr/>
+        </p:nvGrpSpPr>
+        <p:grpSpPr>
+          <a:xfrm>
+            <a:off x="2019713" y="2865859"/>
+            <a:ext cx="4148391" cy="2547217"/>
+            <a:chOff x="1051097" y="3075509"/>
+            <a:chExt cx="4148391" cy="2547217"/>
+          </a:xfrm>
+        </p:grpSpPr>
+        <p:sp>
+          <p:nvSpPr>
+            <p:cNvPr id="6" name="Rectangle 5"/>
+            <p:cNvSpPr/>
+            <p:nvPr/>
+          </p:nvSpPr>
+          <p:spPr>
+            <a:xfrm>
+              <a:off x="2733548" y="5253394"/>
+              <a:ext cx="2177904" cy="369332"/>
+            </a:xfrm>
+            <a:prstGeom prst="rect">
+              <a:avLst/>
+            </a:prstGeom>
+          </p:spPr>
+          <p:txBody>
+            <a:bodyPr wrap="none">
+              <a:spAutoFit/>
+            </a:bodyPr>
+            <a:lstStyle/>
+            <a:p>
+              <a:r>
+                <a:rPr lang="en-US" dirty="0" smtClean="0"/>
+                <a:t>AI &amp; Computer vision</a:t>
+              </a:r>
+              <a:endParaRPr lang="en-US" dirty="0"/>
+            </a:p>
+          </p:txBody>
+        </p:sp>
+        <p:pic>
+          <p:nvPicPr>
+            <p:cNvPr id="3078" name="Picture 6" descr="DeepPiCar — Part 1: How to Build a Deep Learning, Self Driving Robotic Car  on a Shoestring Budget | by David Tian | Towards Data Science"/>
+            <p:cNvPicPr>
+              <a:picLocks noChangeAspect="1" noChangeArrowheads="1"/>
+            </p:cNvPicPr>
+            <p:nvPr/>
+          </p:nvPicPr>
+          <p:blipFill>
+            <a:blip r:embed="rId3" cstate="print">
+              <a:extLst>
+                <a:ext uri="{28A0092B-C50C-407E-A947-70E740481C1C}">
+                  <a14:useLocalDpi xmlns:a14="http://schemas.microsoft.com/office/drawing/2010/main" val="0"/>
+                </a:ext>
+              </a:extLst>
+            </a:blip>
+            <a:srcRect/>
+            <a:stretch>
+              <a:fillRect/>
+            </a:stretch>
+          </p:blipFill>
+          <p:spPr bwMode="auto">
+            <a:xfrm>
+              <a:off x="1051097" y="3075509"/>
+              <a:ext cx="4148391" cy="2072176"/>
+            </a:xfrm>
+            <a:prstGeom prst="rect">
+              <a:avLst/>
+            </a:prstGeom>
+            <a:noFill/>
+            <a:extLst>
+              <a:ext uri="{909E8E84-426E-40DD-AFC4-6F175D3DCCD1}">
+                <a14:hiddenFill xmlns:a14="http://schemas.microsoft.com/office/drawing/2010/main">
+                  <a:solidFill>
+                    <a:srgbClr val="FFFFFF"/>
+                  </a:solidFill>
+                </a14:hiddenFill>
+              </a:ext>
+            </a:extLst>
+          </p:spPr>
+        </p:pic>
+      </p:grpSp>
+      <p:grpSp>
+        <p:nvGrpSpPr>
+          <p:cNvPr id="13" name="Group 12"/>
+          <p:cNvGrpSpPr/>
+          <p:nvPr/>
+        </p:nvGrpSpPr>
+        <p:grpSpPr>
+          <a:xfrm>
+            <a:off x="3688058" y="3207368"/>
+            <a:ext cx="4492796" cy="3002143"/>
+            <a:chOff x="1116540" y="3727291"/>
+            <a:chExt cx="4492796" cy="3002143"/>
+          </a:xfrm>
+        </p:grpSpPr>
+        <p:pic>
+          <p:nvPicPr>
+            <p:cNvPr id="3080" name="Picture 8" descr="SST - ESP8266 Smart Thermostat WiFi IoT ready | Hackaday.io"/>
+            <p:cNvPicPr>
+              <a:picLocks noChangeAspect="1" noChangeArrowheads="1"/>
+            </p:cNvPicPr>
+            <p:nvPr/>
+          </p:nvPicPr>
+          <p:blipFill>
+            <a:blip r:embed="rId4" cstate="print">
+              <a:extLst>
+                <a:ext uri="{28A0092B-C50C-407E-A947-70E740481C1C}">
+                  <a14:useLocalDpi xmlns:a14="http://schemas.microsoft.com/office/drawing/2010/main" val="0"/>
+                </a:ext>
+              </a:extLst>
+            </a:blip>
+            <a:srcRect/>
+            <a:stretch>
+              <a:fillRect/>
+            </a:stretch>
+          </p:blipFill>
+          <p:spPr bwMode="auto">
+            <a:xfrm>
+              <a:off x="1116540" y="3727291"/>
+              <a:ext cx="4492796" cy="2527198"/>
+            </a:xfrm>
+            <a:prstGeom prst="rect">
+              <a:avLst/>
+            </a:prstGeom>
+            <a:noFill/>
+            <a:extLst>
+              <a:ext uri="{909E8E84-426E-40DD-AFC4-6F175D3DCCD1}">
+                <a14:hiddenFill xmlns:a14="http://schemas.microsoft.com/office/drawing/2010/main">
+                  <a:solidFill>
+                    <a:srgbClr val="FFFFFF"/>
+                  </a:solidFill>
+                </a14:hiddenFill>
+              </a:ext>
+            </a:extLst>
+          </p:spPr>
+        </p:pic>
+        <p:sp>
+          <p:nvSpPr>
+            <p:cNvPr id="12" name="TextBox 11"/>
+            <p:cNvSpPr txBox="1"/>
+            <p:nvPr/>
+          </p:nvSpPr>
+          <p:spPr>
+            <a:xfrm>
+              <a:off x="1849255" y="6360102"/>
+              <a:ext cx="3144451" cy="369332"/>
+            </a:xfrm>
+            <a:prstGeom prst="rect">
+              <a:avLst/>
+            </a:prstGeom>
+            <a:noFill/>
+          </p:spPr>
+          <p:txBody>
+            <a:bodyPr wrap="none" rtlCol="0">
+              <a:spAutoFit/>
+            </a:bodyPr>
+            <a:lstStyle/>
+            <a:p>
+              <a:r>
+                <a:rPr lang="en-US" dirty="0" err="1" smtClean="0"/>
+                <a:t>IoT</a:t>
+              </a:r>
+              <a:r>
+                <a:rPr lang="en-US" dirty="0" smtClean="0"/>
+                <a:t>: Temperature measurement</a:t>
+              </a:r>
+              <a:endParaRPr lang="en-US" dirty="0"/>
+            </a:p>
+          </p:txBody>
+        </p:sp>
+      </p:grpSp>
+      <p:grpSp>
+        <p:nvGrpSpPr>
+          <p:cNvPr id="15" name="Group 14"/>
+          <p:cNvGrpSpPr/>
+          <p:nvPr/>
+        </p:nvGrpSpPr>
+        <p:grpSpPr>
+          <a:xfrm>
+            <a:off x="6781477" y="3920265"/>
+            <a:ext cx="4572000" cy="2941083"/>
+            <a:chOff x="6887401" y="3901947"/>
+            <a:chExt cx="4572000" cy="2941083"/>
+          </a:xfrm>
+        </p:grpSpPr>
+        <p:pic>
+          <p:nvPicPr>
+            <p:cNvPr id="3082" name="Picture 10" descr="Using Leap Motion to control a homemade robot arm. - GIF on Imgur"/>
+            <p:cNvPicPr>
+              <a:picLocks noChangeAspect="1" noChangeArrowheads="1" noCrop="1"/>
+            </p:cNvPicPr>
+            <p:nvPr/>
+          </p:nvPicPr>
+          <p:blipFill>
+            <a:blip r:embed="rId5">
+              <a:extLst>
+                <a:ext uri="{28A0092B-C50C-407E-A947-70E740481C1C}">
+                  <a14:useLocalDpi xmlns:a14="http://schemas.microsoft.com/office/drawing/2010/main" val="0"/>
+                </a:ext>
+              </a:extLst>
+            </a:blip>
+            <a:srcRect/>
+            <a:stretch>
+              <a:fillRect/>
+            </a:stretch>
+          </p:blipFill>
+          <p:spPr bwMode="auto">
+            <a:xfrm>
+              <a:off x="6887401" y="3901947"/>
+              <a:ext cx="4572000" cy="2571751"/>
+            </a:xfrm>
+            <a:prstGeom prst="rect">
+              <a:avLst/>
+            </a:prstGeom>
+            <a:noFill/>
+            <a:extLst>
+              <a:ext uri="{909E8E84-426E-40DD-AFC4-6F175D3DCCD1}">
+                <a14:hiddenFill xmlns:a14="http://schemas.microsoft.com/office/drawing/2010/main">
+                  <a:solidFill>
+                    <a:srgbClr val="FFFFFF"/>
+                  </a:solidFill>
+                </a14:hiddenFill>
+              </a:ext>
+            </a:extLst>
+          </p:spPr>
+        </p:pic>
+        <p:sp>
+          <p:nvSpPr>
+            <p:cNvPr id="14" name="TextBox 13"/>
+            <p:cNvSpPr txBox="1"/>
+            <p:nvPr/>
+          </p:nvSpPr>
+          <p:spPr>
+            <a:xfrm>
+              <a:off x="8126415" y="6473698"/>
+              <a:ext cx="2093971" cy="369332"/>
+            </a:xfrm>
+            <a:prstGeom prst="rect">
+              <a:avLst/>
+            </a:prstGeom>
+            <a:noFill/>
+          </p:spPr>
+          <p:txBody>
+            <a:bodyPr wrap="none" rtlCol="0">
+              <a:spAutoFit/>
+            </a:bodyPr>
+            <a:lstStyle/>
+            <a:p>
+              <a:r>
+                <a:rPr lang="en-US" dirty="0" smtClean="0"/>
+                <a:t>Robotics: Robot arm</a:t>
+              </a:r>
+              <a:endParaRPr lang="en-US" dirty="0"/>
+            </a:p>
+          </p:txBody>
+        </p:sp>
+      </p:grpSp>
+    </p:spTree>
+    <p:extLst>
+      <p:ext uri="{BB962C8B-B14F-4D97-AF65-F5344CB8AC3E}">
+        <p14:creationId xmlns:p14="http://schemas.microsoft.com/office/powerpoint/2010/main" val="1902147281"/>
+      </p:ext>
+    </p:extLst>
+  </p:cSld>
+  <p:clrMapOvr>
+    <a:masterClrMapping/>
+  </p:clrMapOvr>
+  <p:timing>
+    <p:tnLst>
+      <p:par>
+        <p:cTn id="1" dur="indefinite" restart="never" nodeType="tmRoot"/>
+      </p:par>
+    </p:tnLst>
+  </p:timing>
+</p:sld>
+</file>
+
+<file path=ppt/slides/slide6.xml><?xml version="1.0" encoding="utf-8"?>
+<p:sld xmlns:a="http://schemas.openxmlformats.org/drawingml/2006/main" xmlns:r="http://schemas.openxmlformats.org/officeDocument/2006/relationships" xmlns:p="http://schemas.openxmlformats.org/presentationml/2006/main">
+  <p:cSld>
+    <p:spTree>
+      <p:nvGrpSpPr>
+        <p:cNvPr id="1" name=""/>
+        <p:cNvGrpSpPr/>
+        <p:nvPr/>
+      </p:nvGrpSpPr>
+      <p:grpSpPr>
+        <a:xfrm>
+          <a:off x="0" y="0"/>
+          <a:ext cx="0" cy="0"/>
+          <a:chOff x="0" y="0"/>
+          <a:chExt cx="0" cy="0"/>
+        </a:xfrm>
+      </p:grpSpPr>
+      <p:sp>
+        <p:nvSpPr>
+          <p:cNvPr id="2" name="Title 1"/>
+          <p:cNvSpPr>
+            <a:spLocks noGrp="1"/>
+          </p:cNvSpPr>
+          <p:nvPr>
+            <p:ph type="title"/>
+          </p:nvPr>
+        </p:nvSpPr>
+        <p:spPr>
+          <a:xfrm>
+            <a:off x="0" y="0"/>
+            <a:ext cx="10515600" cy="1325563"/>
+          </a:xfrm>
+        </p:spPr>
+        <p:txBody>
+          <a:bodyPr/>
+          <a:lstStyle/>
+          <a:p>
+            <a:r>
+              <a:rPr lang="hu-HU" dirty="0" smtClean="0"/>
+              <a:t>Raspberry Pi Foundation</a:t>
+            </a:r>
+            <a:endParaRPr lang="en-US" dirty="0"/>
+          </a:p>
+        </p:txBody>
+      </p:sp>
+      <p:pic>
+        <p:nvPicPr>
+          <p:cNvPr id="5122" name="Picture 2" descr="Iskolatévé: Raspberry Pi - alkatrész csomag"/>
+          <p:cNvPicPr>
+            <a:picLocks noChangeAspect="1" noChangeArrowheads="1"/>
+          </p:cNvPicPr>
+          <p:nvPr/>
+        </p:nvPicPr>
+        <p:blipFill>
+          <a:blip r:embed="rId2">
+            <a:extLst>
+              <a:ext uri="{28A0092B-C50C-407E-A947-70E740481C1C}">
+                <a14:useLocalDpi xmlns:a14="http://schemas.microsoft.com/office/drawing/2010/main" val="0"/>
+              </a:ext>
+            </a:extLst>
+          </a:blip>
+          <a:srcRect/>
+          <a:stretch>
+            <a:fillRect/>
+          </a:stretch>
+        </p:blipFill>
+        <p:spPr bwMode="auto">
+          <a:xfrm>
+            <a:off x="5769991" y="1509395"/>
+            <a:ext cx="6096000" cy="4572000"/>
+          </a:xfrm>
+          <a:prstGeom prst="rect">
+            <a:avLst/>
+          </a:prstGeom>
+          <a:noFill/>
+          <a:extLst>
+            <a:ext uri="{909E8E84-426E-40DD-AFC4-6F175D3DCCD1}">
+              <a14:hiddenFill xmlns:a14="http://schemas.microsoft.com/office/drawing/2010/main">
+                <a:solidFill>
+                  <a:srgbClr val="FFFFFF"/>
+                </a:solidFill>
+              </a14:hiddenFill>
+            </a:ext>
+          </a:extLst>
+        </p:spPr>
+      </p:pic>
+      <p:sp>
+        <p:nvSpPr>
+          <p:cNvPr id="5" name="TextBox 4"/>
+          <p:cNvSpPr txBox="1"/>
+          <p:nvPr/>
+        </p:nvSpPr>
+        <p:spPr>
+          <a:xfrm>
+            <a:off x="523812" y="2532888"/>
+            <a:ext cx="4733988" cy="2031325"/>
+          </a:xfrm>
+          <a:prstGeom prst="rect">
+            <a:avLst/>
+          </a:prstGeom>
+          <a:noFill/>
+        </p:spPr>
+        <p:txBody>
+          <a:bodyPr wrap="none" rtlCol="0">
+            <a:spAutoFit/>
+          </a:bodyPr>
+          <a:lstStyle/>
+          <a:p>
+            <a:pPr marL="285750" indent="-285750">
+              <a:buFont typeface="Arial" panose="020B0604020202020204" pitchFamily="34" charset="0"/>
+              <a:buChar char="•"/>
+            </a:pPr>
+            <a:r>
+              <a:rPr lang="hu-HU" dirty="0" smtClean="0"/>
+              <a:t>Brit</a:t>
+            </a:r>
+            <a:r>
+              <a:rPr lang="en-US" dirty="0" smtClean="0"/>
+              <a:t> </a:t>
+            </a:r>
+            <a:r>
+              <a:rPr lang="hu-HU" dirty="0" smtClean="0"/>
+              <a:t>alapítvány</a:t>
+            </a:r>
+          </a:p>
+          <a:p>
+            <a:pPr marL="285750" indent="-285750">
+              <a:buFont typeface="Arial" panose="020B0604020202020204" pitchFamily="34" charset="0"/>
+              <a:buChar char="•"/>
+            </a:pPr>
+            <a:endParaRPr lang="hu-HU" dirty="0" smtClean="0"/>
+          </a:p>
+          <a:p>
+            <a:pPr marL="285750" indent="-285750">
+              <a:buFont typeface="Arial" panose="020B0604020202020204" pitchFamily="34" charset="0"/>
+              <a:buChar char="•"/>
+            </a:pPr>
+            <a:r>
+              <a:rPr lang="hu-HU" dirty="0" smtClean="0"/>
+              <a:t>Mini számítógépek és hozzácsatolható kütyük</a:t>
+            </a:r>
+          </a:p>
+          <a:p>
+            <a:pPr marL="285750" indent="-285750">
+              <a:buFont typeface="Arial" panose="020B0604020202020204" pitchFamily="34" charset="0"/>
+              <a:buChar char="•"/>
+            </a:pPr>
+            <a:endParaRPr lang="hu-HU" dirty="0" smtClean="0"/>
+          </a:p>
+          <a:p>
+            <a:pPr marL="285750" indent="-285750">
+              <a:buFont typeface="Arial" panose="020B0604020202020204" pitchFamily="34" charset="0"/>
+              <a:buChar char="•"/>
+            </a:pPr>
+            <a:r>
+              <a:rPr lang="hu-HU" dirty="0" smtClean="0"/>
+              <a:t>Szoftverek fejlesztése</a:t>
+            </a:r>
+          </a:p>
+          <a:p>
+            <a:pPr marL="285750" indent="-285750">
+              <a:buFont typeface="Arial" panose="020B0604020202020204" pitchFamily="34" charset="0"/>
+              <a:buChar char="•"/>
+            </a:pPr>
+            <a:endParaRPr lang="hu-HU" dirty="0" smtClean="0"/>
+          </a:p>
+          <a:p>
+            <a:pPr marL="285750" indent="-285750">
+              <a:buFont typeface="Arial" panose="020B0604020202020204" pitchFamily="34" charset="0"/>
+              <a:buChar char="•"/>
+            </a:pPr>
+            <a:r>
+              <a:rPr lang="hu-HU" dirty="0" smtClean="0"/>
+              <a:t>Oktató programok</a:t>
+            </a:r>
+          </a:p>
+        </p:txBody>
+      </p:sp>
+    </p:spTree>
+    <p:extLst>
+      <p:ext uri="{BB962C8B-B14F-4D97-AF65-F5344CB8AC3E}">
+        <p14:creationId xmlns:p14="http://schemas.microsoft.com/office/powerpoint/2010/main" val="2902347538"/>
+      </p:ext>
+    </p:extLst>
+  </p:cSld>
+  <p:clrMapOvr>
+    <a:masterClrMapping/>
+  </p:clrMapOvr>
+</p:sld>
+</file>
+
+<file path=ppt/slides/slide7.xml><?xml version="1.0" encoding="utf-8"?>
+<p:sld xmlns:a="http://schemas.openxmlformats.org/drawingml/2006/main" xmlns:r="http://schemas.openxmlformats.org/officeDocument/2006/relationships" xmlns:p="http://schemas.openxmlformats.org/presentationml/2006/main">
+  <p:cSld>
+    <p:spTree>
+      <p:nvGrpSpPr>
+        <p:cNvPr id="1" name=""/>
+        <p:cNvGrpSpPr/>
+        <p:nvPr/>
+      </p:nvGrpSpPr>
+      <p:grpSpPr>
+        <a:xfrm>
+          <a:off x="0" y="0"/>
+          <a:ext cx="0" cy="0"/>
+          <a:chOff x="0" y="0"/>
+          <a:chExt cx="0" cy="0"/>
+        </a:xfrm>
+      </p:grpSpPr>
+      <p:sp>
+        <p:nvSpPr>
+          <p:cNvPr id="2" name="Title 1"/>
+          <p:cNvSpPr>
+            <a:spLocks noGrp="1"/>
+          </p:cNvSpPr>
+          <p:nvPr>
+            <p:ph type="title"/>
+          </p:nvPr>
+        </p:nvSpPr>
+        <p:spPr>
+          <a:xfrm>
+            <a:off x="0" y="0"/>
+            <a:ext cx="10515600" cy="1325563"/>
+          </a:xfrm>
+        </p:spPr>
+        <p:txBody>
+          <a:bodyPr/>
+          <a:lstStyle/>
+          <a:p>
+            <a:r>
+              <a:rPr lang="hu-HU" dirty="0" smtClean="0"/>
+              <a:t>Digital making Magyarországon</a:t>
+            </a:r>
+            <a:endParaRPr lang="en-US" dirty="0"/>
+          </a:p>
+        </p:txBody>
+      </p:sp>
+      <p:sp>
+        <p:nvSpPr>
+          <p:cNvPr id="3" name="Content Placeholder 2"/>
+          <p:cNvSpPr>
+            <a:spLocks noGrp="1"/>
+          </p:cNvSpPr>
+          <p:nvPr>
+            <p:ph idx="1"/>
+          </p:nvPr>
+        </p:nvSpPr>
+        <p:spPr>
+          <a:xfrm>
+            <a:off x="637032" y="1706753"/>
+            <a:ext cx="10515600" cy="4351338"/>
+          </a:xfrm>
+        </p:spPr>
+        <p:txBody>
+          <a:bodyPr/>
+          <a:lstStyle/>
+          <a:p>
+            <a:r>
+              <a:rPr lang="hu-HU" dirty="0" smtClean="0"/>
+              <a:t>Leginkább iskolai szakkörök, robotika</a:t>
+            </a:r>
+          </a:p>
+          <a:p>
+            <a:endParaRPr lang="hu-HU" dirty="0"/>
+          </a:p>
+          <a:p>
+            <a:r>
+              <a:rPr lang="hu-HU" dirty="0" smtClean="0"/>
+              <a:t>Málnasulis segédanyagok videók</a:t>
+            </a:r>
+          </a:p>
+          <a:p>
+            <a:endParaRPr lang="hu-HU" dirty="0"/>
+          </a:p>
+          <a:p>
+            <a:r>
+              <a:rPr lang="hu-HU" dirty="0" smtClean="0"/>
+              <a:t>Egyének néha közzétesznek saját alkotásokat</a:t>
+            </a:r>
+          </a:p>
+          <a:p>
+            <a:endParaRPr lang="hu-HU" dirty="0"/>
+          </a:p>
+          <a:p>
+            <a:r>
+              <a:rPr lang="hu-HU" dirty="0" smtClean="0"/>
+              <a:t>Még a youtubeon sincs túl sok digital making-es magyar tartalom</a:t>
+            </a:r>
+            <a:endParaRPr lang="en-US" dirty="0"/>
+          </a:p>
+        </p:txBody>
+      </p:sp>
+    </p:spTree>
+    <p:extLst>
+      <p:ext uri="{BB962C8B-B14F-4D97-AF65-F5344CB8AC3E}">
+        <p14:creationId xmlns:p14="http://schemas.microsoft.com/office/powerpoint/2010/main" val="2152108436"/>
+      </p:ext>
+    </p:extLst>
+  </p:cSld>
+  <p:clrMapOvr>
+    <a:masterClrMapping/>
+  </p:clrMapOvr>
+</p:sld>
+</file>
+
+<file path=ppt/slides/slide8.xml><?xml version="1.0" encoding="utf-8"?>
+<p:sld xmlns:a="http://schemas.openxmlformats.org/drawingml/2006/main" xmlns:r="http://schemas.openxmlformats.org/officeDocument/2006/relationships" xmlns:p="http://schemas.openxmlformats.org/presentationml/2006/main">
+  <p:cSld>
+    <p:spTree>
+      <p:nvGrpSpPr>
+        <p:cNvPr id="1" name=""/>
+        <p:cNvGrpSpPr/>
+        <p:nvPr/>
+      </p:nvGrpSpPr>
+      <p:grpSpPr>
+        <a:xfrm>
+          <a:off x="0" y="0"/>
+          <a:ext cx="0" cy="0"/>
+          <a:chOff x="0" y="0"/>
+          <a:chExt cx="0" cy="0"/>
+        </a:xfrm>
+      </p:grpSpPr>
+      <p:sp>
+        <p:nvSpPr>
+          <p:cNvPr id="2" name="Title 1"/>
+          <p:cNvSpPr>
+            <a:spLocks noGrp="1"/>
+          </p:cNvSpPr>
+          <p:nvPr>
+            <p:ph type="title"/>
+          </p:nvPr>
+        </p:nvSpPr>
+        <p:spPr>
+          <a:xfrm>
+            <a:off x="0" y="0"/>
+            <a:ext cx="10515600" cy="1325563"/>
+          </a:xfrm>
+        </p:spPr>
+        <p:txBody>
+          <a:bodyPr/>
+          <a:lstStyle/>
+          <a:p>
+            <a:r>
+              <a:rPr lang="en-US" b="1" dirty="0" err="1" smtClean="0"/>
+              <a:t>PiCur</a:t>
+            </a:r>
+            <a:r>
+              <a:rPr lang="en-US" b="1" dirty="0" smtClean="0"/>
+              <a:t> Academy </a:t>
+            </a:r>
+            <a:r>
+              <a:rPr lang="hu-HU" dirty="0" smtClean="0"/>
+              <a:t>és küldetése</a:t>
+            </a:r>
+            <a:endParaRPr lang="en-US" dirty="0"/>
+          </a:p>
+        </p:txBody>
+      </p:sp>
+      <p:pic>
+        <p:nvPicPr>
+          <p:cNvPr id="4" name="Content Placeholder 3"/>
+          <p:cNvPicPr>
+            <a:picLocks noGrp="1" noChangeAspect="1"/>
+          </p:cNvPicPr>
+          <p:nvPr>
+            <p:ph idx="1"/>
+          </p:nvPr>
+        </p:nvPicPr>
+        <p:blipFill>
+          <a:blip r:embed="rId2" cstate="print">
+            <a:extLst>
+              <a:ext uri="{28A0092B-C50C-407E-A947-70E740481C1C}">
+                <a14:useLocalDpi xmlns:a14="http://schemas.microsoft.com/office/drawing/2010/main" val="0"/>
+              </a:ext>
+            </a:extLst>
+          </a:blip>
+          <a:stretch>
+            <a:fillRect/>
+          </a:stretch>
+        </p:blipFill>
+        <p:spPr>
+          <a:xfrm>
+            <a:off x="9241663" y="1932051"/>
+            <a:ext cx="1693633" cy="2298319"/>
+          </a:xfrm>
+        </p:spPr>
+      </p:pic>
+      <p:pic>
+        <p:nvPicPr>
+          <p:cNvPr id="6146" name="Picture 2" descr="Logo competition - we have a winner! - Raspberry Pi"/>
+          <p:cNvPicPr>
+            <a:picLocks noChangeAspect="1" noChangeArrowheads="1"/>
+          </p:cNvPicPr>
+          <p:nvPr/>
+        </p:nvPicPr>
+        <p:blipFill>
+          <a:blip r:embed="rId3" cstate="print">
+            <a:extLst>
+              <a:ext uri="{28A0092B-C50C-407E-A947-70E740481C1C}">
+                <a14:useLocalDpi xmlns:a14="http://schemas.microsoft.com/office/drawing/2010/main" val="0"/>
+              </a:ext>
+            </a:extLst>
+          </a:blip>
+          <a:srcRect/>
+          <a:stretch>
+            <a:fillRect/>
+          </a:stretch>
+        </p:blipFill>
+        <p:spPr bwMode="auto">
+          <a:xfrm>
+            <a:off x="9680988" y="3182112"/>
+            <a:ext cx="814981" cy="725333"/>
+          </a:xfrm>
+          <a:prstGeom prst="rect">
+            <a:avLst/>
+          </a:prstGeom>
+          <a:noFill/>
+          <a:extLst>
+            <a:ext uri="{909E8E84-426E-40DD-AFC4-6F175D3DCCD1}">
+              <a14:hiddenFill xmlns:a14="http://schemas.microsoft.com/office/drawing/2010/main">
+                <a:solidFill>
+                  <a:srgbClr val="FFFFFF"/>
+                </a:solidFill>
+              </a14:hiddenFill>
+            </a:ext>
+          </a:extLst>
+        </p:spPr>
+      </p:pic>
+      <p:sp>
+        <p:nvSpPr>
+          <p:cNvPr id="5" name="TextBox 4"/>
+          <p:cNvSpPr txBox="1"/>
+          <p:nvPr/>
+        </p:nvSpPr>
+        <p:spPr>
+          <a:xfrm>
+            <a:off x="1214706" y="2151797"/>
+            <a:ext cx="4752391" cy="2554545"/>
+          </a:xfrm>
+          <a:prstGeom prst="rect">
+            <a:avLst/>
+          </a:prstGeom>
+          <a:noFill/>
+        </p:spPr>
+        <p:txBody>
+          <a:bodyPr wrap="none" rtlCol="0">
+            <a:spAutoFit/>
+          </a:bodyPr>
+          <a:lstStyle/>
+          <a:p>
+            <a:r>
+              <a:rPr lang="en-US" sz="4000" dirty="0" smtClean="0"/>
+              <a:t>K</a:t>
+            </a:r>
+            <a:r>
+              <a:rPr lang="hu-HU" sz="4000" dirty="0" smtClean="0"/>
+              <a:t>ét fő célkitűzés van:</a:t>
+            </a:r>
+          </a:p>
+          <a:p>
+            <a:endParaRPr lang="hu-HU" sz="4000" dirty="0" smtClean="0"/>
+          </a:p>
+          <a:p>
+            <a:pPr marL="971550" lvl="1" indent="-514350">
+              <a:buFont typeface="+mj-lt"/>
+              <a:buAutoNum type="arabicPeriod"/>
+            </a:pPr>
+            <a:r>
+              <a:rPr lang="hu-HU" sz="4000" dirty="0" smtClean="0"/>
+              <a:t>Digital Making</a:t>
+            </a:r>
+          </a:p>
+          <a:p>
+            <a:pPr marL="971550" lvl="1" indent="-514350">
+              <a:buFont typeface="+mj-lt"/>
+              <a:buAutoNum type="arabicPeriod"/>
+            </a:pPr>
+            <a:r>
+              <a:rPr lang="hu-HU" sz="4000" dirty="0" smtClean="0"/>
+              <a:t>Előadástechnikák</a:t>
+            </a:r>
+          </a:p>
+        </p:txBody>
+      </p:sp>
+      <p:sp>
+        <p:nvSpPr>
+          <p:cNvPr id="6" name="TextBox 5"/>
+          <p:cNvSpPr txBox="1"/>
+          <p:nvPr/>
+        </p:nvSpPr>
+        <p:spPr>
+          <a:xfrm>
+            <a:off x="9680988" y="1562719"/>
+            <a:ext cx="655949" cy="369332"/>
+          </a:xfrm>
+          <a:prstGeom prst="rect">
+            <a:avLst/>
+          </a:prstGeom>
+          <a:noFill/>
+        </p:spPr>
+        <p:txBody>
+          <a:bodyPr wrap="none" rtlCol="0">
+            <a:spAutoFit/>
+          </a:bodyPr>
+          <a:lstStyle/>
+          <a:p>
+            <a:r>
+              <a:rPr lang="en-US" dirty="0" smtClean="0"/>
+              <a:t>Pic</a:t>
+            </a:r>
+            <a:r>
+              <a:rPr lang="hu-HU" dirty="0" smtClean="0"/>
+              <a:t>úr</a:t>
+            </a:r>
+            <a:endParaRPr lang="en-US" dirty="0"/>
+          </a:p>
+        </p:txBody>
+      </p:sp>
+    </p:spTree>
+    <p:extLst>
+      <p:ext uri="{BB962C8B-B14F-4D97-AF65-F5344CB8AC3E}">
+        <p14:creationId xmlns:p14="http://schemas.microsoft.com/office/powerpoint/2010/main" val="2667393254"/>
+      </p:ext>
+    </p:extLst>
+  </p:cSld>
+  <p:clrMapOvr>
+    <a:masterClrMapping/>
+  </p:clrMapOvr>
+</p:sld>
+</file>
+
+<file path=ppt/slides/slide9.xml><?xml version="1.0" encoding="utf-8"?>
+<p:sld xmlns:a="http://schemas.openxmlformats.org/drawingml/2006/main" xmlns:r="http://schemas.openxmlformats.org/officeDocument/2006/relationships" xmlns:p="http://schemas.openxmlformats.org/presentationml/2006/main">
+  <p:cSld>
+    <p:spTree>
+      <p:nvGrpSpPr>
+        <p:cNvPr id="1" name=""/>
+        <p:cNvGrpSpPr/>
+        <p:nvPr/>
+      </p:nvGrpSpPr>
+      <p:grpSpPr>
+        <a:xfrm>
+          <a:off x="0" y="0"/>
+          <a:ext cx="0" cy="0"/>
+          <a:chOff x="0" y="0"/>
+          <a:chExt cx="0" cy="0"/>
+        </a:xfrm>
+      </p:grpSpPr>
+      <p:sp>
+        <p:nvSpPr>
+          <p:cNvPr id="2" name="Title 1"/>
+          <p:cNvSpPr>
+            <a:spLocks noGrp="1"/>
+          </p:cNvSpPr>
+          <p:nvPr>
+            <p:ph type="title"/>
+          </p:nvPr>
+        </p:nvSpPr>
+        <p:spPr>
+          <a:xfrm>
+            <a:off x="0" y="0"/>
+            <a:ext cx="10515600" cy="1325563"/>
+          </a:xfrm>
+        </p:spPr>
+        <p:txBody>
+          <a:bodyPr/>
+          <a:lstStyle/>
+          <a:p>
+            <a:r>
+              <a:rPr lang="hu-HU" dirty="0" smtClean="0"/>
+              <a:t>PiCur Academy – Digital Making</a:t>
+            </a:r>
+            <a:endParaRPr lang="en-US" dirty="0"/>
+          </a:p>
+        </p:txBody>
+      </p:sp>
+      <p:sp>
+        <p:nvSpPr>
+          <p:cNvPr id="3" name="Content Placeholder 2"/>
+          <p:cNvSpPr>
+            <a:spLocks noGrp="1"/>
+          </p:cNvSpPr>
+          <p:nvPr>
+            <p:ph idx="1"/>
+          </p:nvPr>
+        </p:nvSpPr>
+        <p:spPr>
+          <a:xfrm>
+            <a:off x="728472" y="1560449"/>
+            <a:ext cx="10515600" cy="4351338"/>
+          </a:xfrm>
+        </p:spPr>
+        <p:txBody>
+          <a:bodyPr/>
+          <a:lstStyle/>
+          <a:p>
+            <a:r>
+              <a:rPr lang="hu-HU" dirty="0" smtClean="0"/>
+              <a:t>Játékos </a:t>
+            </a:r>
+            <a:r>
+              <a:rPr lang="hu-HU" dirty="0"/>
+              <a:t>(akár hétköznapi) </a:t>
+            </a:r>
+            <a:r>
+              <a:rPr lang="hu-HU" dirty="0" smtClean="0"/>
+              <a:t>problémák projektekbe való csomagolása, amiket meg kell oldani</a:t>
+            </a:r>
+          </a:p>
+          <a:p>
+            <a:r>
+              <a:rPr lang="hu-HU" dirty="0" smtClean="0"/>
+              <a:t>Logikai gondolkodásmód begyakorlása pl. Kisebb részletekre bontani egy problémát és részenként megoldani</a:t>
+            </a:r>
+          </a:p>
+          <a:p>
+            <a:r>
+              <a:rPr lang="hu-HU" dirty="0" smtClean="0"/>
+              <a:t>Önálló gondolkodás/problémamegoldás (csak ritkán megmondani a választ, inkább rávezetni)</a:t>
+            </a:r>
+          </a:p>
+          <a:p>
+            <a:r>
+              <a:rPr lang="hu-HU" dirty="0" smtClean="0"/>
+              <a:t>Csoportban ötletelni a probléma megoldásán</a:t>
+            </a:r>
+          </a:p>
+          <a:p>
+            <a:r>
+              <a:rPr lang="hu-HU" dirty="0" smtClean="0"/>
+              <a:t>A hibázás fontosságát és az abból tanulást hangsúlyozni</a:t>
+            </a:r>
+          </a:p>
+          <a:p>
+            <a:r>
+              <a:rPr lang="hu-HU" dirty="0" smtClean="0"/>
+              <a:t>Feltalálók, digitális/technológiai alkotók nevelése</a:t>
+            </a:r>
+          </a:p>
+        </p:txBody>
+      </p:sp>
+    </p:spTree>
+    <p:extLst>
+      <p:ext uri="{BB962C8B-B14F-4D97-AF65-F5344CB8AC3E}">
+        <p14:creationId xmlns:p14="http://schemas.microsoft.com/office/powerpoint/2010/main" val="175843760"/>
       </p:ext>
     </p:extLst>
   </p:cSld>

--- a/Business/uzleti terv.pptx
+++ b/Business/uzleti terv.pptx
@@ -292,7 +292,7 @@
           <a:p>
             <a:fld id="{96095F27-A16A-4F83-8F3C-4351DBF74D6F}" type="datetimeFigureOut">
               <a:rPr lang="en-US" smtClean="0"/>
-              <a:t>12/16/2020</a:t>
+              <a:t>12/30/2020</a:t>
             </a:fld>
             <a:endParaRPr lang="en-US"/>
           </a:p>
@@ -462,7 +462,7 @@
           <a:p>
             <a:fld id="{96095F27-A16A-4F83-8F3C-4351DBF74D6F}" type="datetimeFigureOut">
               <a:rPr lang="en-US" smtClean="0"/>
-              <a:t>12/16/2020</a:t>
+              <a:t>12/30/2020</a:t>
             </a:fld>
             <a:endParaRPr lang="en-US"/>
           </a:p>
@@ -642,7 +642,7 @@
           <a:p>
             <a:fld id="{96095F27-A16A-4F83-8F3C-4351DBF74D6F}" type="datetimeFigureOut">
               <a:rPr lang="en-US" smtClean="0"/>
-              <a:t>12/16/2020</a:t>
+              <a:t>12/30/2020</a:t>
             </a:fld>
             <a:endParaRPr lang="en-US"/>
           </a:p>
@@ -812,7 +812,7 @@
           <a:p>
             <a:fld id="{96095F27-A16A-4F83-8F3C-4351DBF74D6F}" type="datetimeFigureOut">
               <a:rPr lang="en-US" smtClean="0"/>
-              <a:t>12/16/2020</a:t>
+              <a:t>12/30/2020</a:t>
             </a:fld>
             <a:endParaRPr lang="en-US"/>
           </a:p>
@@ -1058,7 +1058,7 @@
           <a:p>
             <a:fld id="{96095F27-A16A-4F83-8F3C-4351DBF74D6F}" type="datetimeFigureOut">
               <a:rPr lang="en-US" smtClean="0"/>
-              <a:t>12/16/2020</a:t>
+              <a:t>12/30/2020</a:t>
             </a:fld>
             <a:endParaRPr lang="en-US"/>
           </a:p>
@@ -1290,7 +1290,7 @@
           <a:p>
             <a:fld id="{96095F27-A16A-4F83-8F3C-4351DBF74D6F}" type="datetimeFigureOut">
               <a:rPr lang="en-US" smtClean="0"/>
-              <a:t>12/16/2020</a:t>
+              <a:t>12/30/2020</a:t>
             </a:fld>
             <a:endParaRPr lang="en-US"/>
           </a:p>
@@ -1657,7 +1657,7 @@
           <a:p>
             <a:fld id="{96095F27-A16A-4F83-8F3C-4351DBF74D6F}" type="datetimeFigureOut">
               <a:rPr lang="en-US" smtClean="0"/>
-              <a:t>12/16/2020</a:t>
+              <a:t>12/30/2020</a:t>
             </a:fld>
             <a:endParaRPr lang="en-US"/>
           </a:p>
@@ -1775,7 +1775,7 @@
           <a:p>
             <a:fld id="{96095F27-A16A-4F83-8F3C-4351DBF74D6F}" type="datetimeFigureOut">
               <a:rPr lang="en-US" smtClean="0"/>
-              <a:t>12/16/2020</a:t>
+              <a:t>12/30/2020</a:t>
             </a:fld>
             <a:endParaRPr lang="en-US"/>
           </a:p>
@@ -1870,7 +1870,7 @@
           <a:p>
             <a:fld id="{96095F27-A16A-4F83-8F3C-4351DBF74D6F}" type="datetimeFigureOut">
               <a:rPr lang="en-US" smtClean="0"/>
-              <a:t>12/16/2020</a:t>
+              <a:t>12/30/2020</a:t>
             </a:fld>
             <a:endParaRPr lang="en-US"/>
           </a:p>
@@ -2147,7 +2147,7 @@
           <a:p>
             <a:fld id="{96095F27-A16A-4F83-8F3C-4351DBF74D6F}" type="datetimeFigureOut">
               <a:rPr lang="en-US" smtClean="0"/>
-              <a:t>12/16/2020</a:t>
+              <a:t>12/30/2020</a:t>
             </a:fld>
             <a:endParaRPr lang="en-US"/>
           </a:p>
@@ -2400,7 +2400,7 @@
           <a:p>
             <a:fld id="{96095F27-A16A-4F83-8F3C-4351DBF74D6F}" type="datetimeFigureOut">
               <a:rPr lang="en-US" smtClean="0"/>
-              <a:t>12/16/2020</a:t>
+              <a:t>12/30/2020</a:t>
             </a:fld>
             <a:endParaRPr lang="en-US"/>
           </a:p>
@@ -2613,7 +2613,7 @@
           <a:p>
             <a:fld id="{96095F27-A16A-4F83-8F3C-4351DBF74D6F}" type="datetimeFigureOut">
               <a:rPr lang="en-US" smtClean="0"/>
-              <a:t>12/16/2020</a:t>
+              <a:t>12/30/2020</a:t>
             </a:fld>
             <a:endParaRPr lang="en-US"/>
           </a:p>
@@ -3125,6 +3125,13 @@
   <p:clrMapOvr>
     <a:masterClrMapping/>
   </p:clrMapOvr>
+  <p:timing>
+    <p:tnLst>
+      <p:par>
+        <p:cTn id="1" dur="indefinite" restart="never" nodeType="tmRoot"/>
+      </p:par>
+    </p:tnLst>
+  </p:timing>
 </p:sld>
 </file>
 
@@ -3224,6 +3231,13 @@
   <p:clrMapOvr>
     <a:masterClrMapping/>
   </p:clrMapOvr>
+  <p:timing>
+    <p:tnLst>
+      <p:par>
+        <p:cTn id="1" dur="indefinite" restart="never" nodeType="tmRoot"/>
+      </p:par>
+    </p:tnLst>
+  </p:timing>
 </p:sld>
 </file>
 
@@ -3548,11 +3562,7 @@
             </a:r>
             <a:r>
               <a:rPr lang="en-US" sz="4400" dirty="0" smtClean="0"/>
-              <a:t> </a:t>
-            </a:r>
-            <a:r>
-              <a:rPr lang="en-US" sz="4400" dirty="0" smtClean="0"/>
-              <a:t>Academy</a:t>
+              <a:t> Academy</a:t>
             </a:r>
             <a:endParaRPr lang="en-US" sz="4400" dirty="0"/>
           </a:p>
@@ -3767,11 +3777,7 @@
             </a:r>
             <a:r>
               <a:rPr lang="en-US" b="1" dirty="0" smtClean="0"/>
-              <a:t> </a:t>
-            </a:r>
-            <a:r>
-              <a:rPr lang="en-US" b="1" dirty="0" smtClean="0"/>
-              <a:t>+ </a:t>
+              <a:t> + </a:t>
             </a:r>
             <a:r>
               <a:rPr lang="en-US" b="1" dirty="0" err="1" smtClean="0"/>
@@ -4030,11 +4036,7 @@
           <a:p>
             <a:r>
               <a:rPr lang="en-US" dirty="0" smtClean="0"/>
-              <a:t>Start-up </a:t>
-            </a:r>
-            <a:r>
-              <a:rPr lang="en-US" dirty="0" smtClean="0"/>
-              <a:t>t</a:t>
+              <a:t>Start-up t</a:t>
             </a:r>
             <a:r>
               <a:rPr lang="hu-HU" dirty="0" smtClean="0"/>
@@ -4381,6 +4383,13 @@
   <p:clrMapOvr>
     <a:masterClrMapping/>
   </p:clrMapOvr>
+  <p:timing>
+    <p:tnLst>
+      <p:par>
+        <p:cTn id="1" dur="indefinite" restart="never" nodeType="tmRoot"/>
+      </p:par>
+    </p:tnLst>
+  </p:timing>
 </p:sld>
 </file>
 
@@ -4458,6 +4467,13 @@
   <p:clrMapOvr>
     <a:masterClrMapping/>
   </p:clrMapOvr>
+  <p:timing>
+    <p:tnLst>
+      <p:par>
+        <p:cTn id="1" dur="indefinite" restart="never" nodeType="tmRoot"/>
+      </p:par>
+    </p:tnLst>
+  </p:timing>
 </p:sld>
 </file>
 
@@ -4946,6 +4962,13 @@
   <p:clrMapOvr>
     <a:masterClrMapping/>
   </p:clrMapOvr>
+  <p:timing>
+    <p:tnLst>
+      <p:par>
+        <p:cTn id="1" dur="indefinite" restart="never" nodeType="tmRoot"/>
+      </p:par>
+    </p:tnLst>
+  </p:timing>
 </p:sld>
 </file>
 
@@ -5966,6 +5989,13 @@
   <p:clrMapOvr>
     <a:masterClrMapping/>
   </p:clrMapOvr>
+  <p:timing>
+    <p:tnLst>
+      <p:par>
+        <p:cTn id="1" dur="indefinite" restart="never" nodeType="tmRoot"/>
+      </p:par>
+    </p:tnLst>
+  </p:timing>
 </p:sld>
 </file>
 
@@ -6064,6 +6094,13 @@
   <p:clrMapOvr>
     <a:masterClrMapping/>
   </p:clrMapOvr>
+  <p:timing>
+    <p:tnLst>
+      <p:par>
+        <p:cTn id="1" dur="indefinite" restart="never" nodeType="tmRoot"/>
+      </p:par>
+    </p:tnLst>
+  </p:timing>
 </p:sld>
 </file>
 
@@ -6168,6 +6205,13 @@
   <p:clrMapOvr>
     <a:masterClrMapping/>
   </p:clrMapOvr>
+  <p:timing>
+    <p:tnLst>
+      <p:par>
+        <p:cTn id="1" dur="indefinite" restart="never" nodeType="tmRoot"/>
+      </p:par>
+    </p:tnLst>
+  </p:timing>
 </p:sld>
 </file>
 
@@ -6258,6 +6302,13 @@
   <p:clrMapOvr>
     <a:masterClrMapping/>
   </p:clrMapOvr>
+  <p:timing>
+    <p:tnLst>
+      <p:par>
+        <p:cTn id="1" dur="indefinite" restart="never" nodeType="tmRoot"/>
+      </p:par>
+    </p:tnLst>
+  </p:timing>
 </p:sld>
 </file>
 
@@ -6362,6 +6413,13 @@
   <p:clrMapOvr>
     <a:masterClrMapping/>
   </p:clrMapOvr>
+  <p:timing>
+    <p:tnLst>
+      <p:par>
+        <p:cTn id="1" dur="indefinite" restart="never" nodeType="tmRoot"/>
+      </p:par>
+    </p:tnLst>
+  </p:timing>
 </p:sld>
 </file>
 
@@ -6855,6 +6913,13 @@
   <p:clrMapOvr>
     <a:masterClrMapping/>
   </p:clrMapOvr>
+  <p:timing>
+    <p:tnLst>
+      <p:par>
+        <p:cTn id="1" dur="indefinite" restart="never" nodeType="tmRoot"/>
+      </p:par>
+    </p:tnLst>
+  </p:timing>
 </p:sld>
 </file>
 
@@ -6995,6 +7060,13 @@
   <p:clrMapOvr>
     <a:masterClrMapping/>
   </p:clrMapOvr>
+  <p:timing>
+    <p:tnLst>
+      <p:par>
+        <p:cTn id="1" dur="indefinite" restart="never" nodeType="tmRoot"/>
+      </p:par>
+    </p:tnLst>
+  </p:timing>
 </p:sld>
 </file>
 
@@ -7250,6 +7322,13 @@
   <p:clrMapOvr>
     <a:masterClrMapping/>
   </p:clrMapOvr>
+  <p:timing>
+    <p:tnLst>
+      <p:par>
+        <p:cTn id="1" dur="indefinite" restart="never" nodeType="tmRoot"/>
+      </p:par>
+    </p:tnLst>
+  </p:timing>
 </p:sld>
 </file>
 
@@ -7533,6 +7612,13 @@
   <p:clrMapOvr>
     <a:masterClrMapping/>
   </p:clrMapOvr>
+  <p:timing>
+    <p:tnLst>
+      <p:par>
+        <p:cTn id="1" dur="indefinite" restart="never" nodeType="tmRoot"/>
+      </p:par>
+    </p:tnLst>
+  </p:timing>
 </p:sld>
 </file>
 
@@ -8014,7 +8100,165 @@
   <p:timing>
     <p:tnLst>
       <p:par>
-        <p:cTn id="1" dur="indefinite" restart="never" nodeType="tmRoot"/>
+        <p:cTn id="1" dur="indefinite" restart="never" nodeType="tmRoot">
+          <p:childTnLst>
+            <p:seq concurrent="1" nextAc="seek">
+              <p:cTn id="2" dur="indefinite" nodeType="mainSeq">
+                <p:childTnLst>
+                  <p:par>
+                    <p:cTn id="3" fill="hold">
+                      <p:stCondLst>
+                        <p:cond delay="indefinite"/>
+                      </p:stCondLst>
+                      <p:childTnLst>
+                        <p:par>
+                          <p:cTn id="4" fill="hold">
+                            <p:stCondLst>
+                              <p:cond delay="0"/>
+                            </p:stCondLst>
+                            <p:childTnLst>
+                              <p:par>
+                                <p:cTn id="5" presetID="1" presetClass="entr" presetSubtype="0" fill="hold" nodeType="clickEffect">
+                                  <p:stCondLst>
+                                    <p:cond delay="0"/>
+                                  </p:stCondLst>
+                                  <p:childTnLst>
+                                    <p:set>
+                                      <p:cBhvr>
+                                        <p:cTn id="6" dur="1" fill="hold">
+                                          <p:stCondLst>
+                                            <p:cond delay="0"/>
+                                          </p:stCondLst>
+                                        </p:cTn>
+                                        <p:tgtEl>
+                                          <p:spTgt spid="11"/>
+                                        </p:tgtEl>
+                                        <p:attrNameLst>
+                                          <p:attrName>style.visibility</p:attrName>
+                                        </p:attrNameLst>
+                                      </p:cBhvr>
+                                      <p:to>
+                                        <p:strVal val="visible"/>
+                                      </p:to>
+                                    </p:set>
+                                  </p:childTnLst>
+                                </p:cTn>
+                              </p:par>
+                            </p:childTnLst>
+                          </p:cTn>
+                        </p:par>
+                      </p:childTnLst>
+                    </p:cTn>
+                  </p:par>
+                  <p:par>
+                    <p:cTn id="7" fill="hold">
+                      <p:stCondLst>
+                        <p:cond delay="indefinite"/>
+                      </p:stCondLst>
+                      <p:childTnLst>
+                        <p:par>
+                          <p:cTn id="8" fill="hold">
+                            <p:stCondLst>
+                              <p:cond delay="0"/>
+                            </p:stCondLst>
+                            <p:childTnLst>
+                              <p:par>
+                                <p:cTn id="9" presetID="1" presetClass="entr" presetSubtype="0" fill="hold" nodeType="clickEffect">
+                                  <p:stCondLst>
+                                    <p:cond delay="0"/>
+                                  </p:stCondLst>
+                                  <p:childTnLst>
+                                    <p:set>
+                                      <p:cBhvr>
+                                        <p:cTn id="10" dur="1" fill="hold">
+                                          <p:stCondLst>
+                                            <p:cond delay="0"/>
+                                          </p:stCondLst>
+                                        </p:cTn>
+                                        <p:tgtEl>
+                                          <p:spTgt spid="13"/>
+                                        </p:tgtEl>
+                                        <p:attrNameLst>
+                                          <p:attrName>style.visibility</p:attrName>
+                                        </p:attrNameLst>
+                                      </p:cBhvr>
+                                      <p:to>
+                                        <p:strVal val="visible"/>
+                                      </p:to>
+                                    </p:set>
+                                  </p:childTnLst>
+                                </p:cTn>
+                              </p:par>
+                            </p:childTnLst>
+                          </p:cTn>
+                        </p:par>
+                      </p:childTnLst>
+                    </p:cTn>
+                  </p:par>
+                  <p:par>
+                    <p:cTn id="11" fill="hold">
+                      <p:stCondLst>
+                        <p:cond delay="indefinite"/>
+                      </p:stCondLst>
+                      <p:childTnLst>
+                        <p:par>
+                          <p:cTn id="12" fill="hold">
+                            <p:stCondLst>
+                              <p:cond delay="0"/>
+                            </p:stCondLst>
+                            <p:childTnLst>
+                              <p:par>
+                                <p:cTn id="13" presetID="1" presetClass="entr" presetSubtype="0" fill="hold" nodeType="clickEffect">
+                                  <p:stCondLst>
+                                    <p:cond delay="0"/>
+                                  </p:stCondLst>
+                                  <p:childTnLst>
+                                    <p:set>
+                                      <p:cBhvr>
+                                        <p:cTn id="14" dur="1" fill="hold">
+                                          <p:stCondLst>
+                                            <p:cond delay="0"/>
+                                          </p:stCondLst>
+                                        </p:cTn>
+                                        <p:tgtEl>
+                                          <p:spTgt spid="15"/>
+                                        </p:tgtEl>
+                                        <p:attrNameLst>
+                                          <p:attrName>style.visibility</p:attrName>
+                                        </p:attrNameLst>
+                                      </p:cBhvr>
+                                      <p:to>
+                                        <p:strVal val="visible"/>
+                                      </p:to>
+                                    </p:set>
+                                  </p:childTnLst>
+                                </p:cTn>
+                              </p:par>
+                            </p:childTnLst>
+                          </p:cTn>
+                        </p:par>
+                      </p:childTnLst>
+                    </p:cTn>
+                  </p:par>
+                </p:childTnLst>
+              </p:cTn>
+              <p:prevCondLst>
+                <p:cond evt="onPrev" delay="0">
+                  <p:tgtEl>
+                    <p:sldTgt/>
+                  </p:tgtEl>
+                </p:cond>
+              </p:prevCondLst>
+              <p:nextCondLst>
+                <p:cond evt="onNext" delay="0">
+                  <p:tgtEl>
+                    <p:sldTgt/>
+                  </p:tgtEl>
+                </p:cond>
+              </p:nextCondLst>
+            </p:seq>
+          </p:childTnLst>
+        </p:cTn>
       </p:par>
     </p:tnLst>
   </p:timing>
@@ -8209,6 +8453,13 @@
   <p:clrMapOvr>
     <a:masterClrMapping/>
   </p:clrMapOvr>
+  <p:timing>
+    <p:tnLst>
+      <p:par>
+        <p:cTn id="1" dur="indefinite" restart="never" nodeType="tmRoot"/>
+      </p:par>
+    </p:tnLst>
+  </p:timing>
 </p:sld>
 </file>
 
@@ -8322,6 +8573,13 @@
   <p:clrMapOvr>
     <a:masterClrMapping/>
   </p:clrMapOvr>
+  <p:timing>
+    <p:tnLst>
+      <p:par>
+        <p:cTn id="1" dur="indefinite" restart="never" nodeType="tmRoot"/>
+      </p:par>
+    </p:tnLst>
+  </p:timing>
 </p:sld>
 </file>
 
@@ -8548,6 +8806,13 @@
   <p:clrMapOvr>
     <a:masterClrMapping/>
   </p:clrMapOvr>
+  <p:timing>
+    <p:tnLst>
+      <p:par>
+        <p:cTn id="1" dur="indefinite" restart="never" nodeType="tmRoot"/>
+      </p:par>
+    </p:tnLst>
+  </p:timing>
 </p:sld>
 </file>
 
@@ -8671,6 +8936,13 @@
   <p:clrMapOvr>
     <a:masterClrMapping/>
   </p:clrMapOvr>
+  <p:timing>
+    <p:tnLst>
+      <p:par>
+        <p:cTn id="1" dur="indefinite" restart="never" nodeType="tmRoot"/>
+      </p:par>
+    </p:tnLst>
+  </p:timing>
 </p:sld>
 </file>
 
